--- a/doc/Publications/JChromatogrB-InCroMAP/InCroMAP_workflow.pptx
+++ b/doc/Publications/JChromatogrB-InCroMAP/InCroMAP_workflow.pptx
@@ -243,7 +243,7 @@
           <a:p>
             <a:fld id="{AAAB5D53-F5E7-436B-85BB-F08817CA0FEF}" type="datetimeFigureOut">
               <a:rPr lang="de-DE" smtClean="0"/>
-              <a:t>14.08.2013</a:t>
+              <a:t>15.08.2013</a:t>
             </a:fld>
             <a:endParaRPr lang="de-DE"/>
           </a:p>
@@ -413,7 +413,7 @@
           <a:p>
             <a:fld id="{AAAB5D53-F5E7-436B-85BB-F08817CA0FEF}" type="datetimeFigureOut">
               <a:rPr lang="de-DE" smtClean="0"/>
-              <a:t>14.08.2013</a:t>
+              <a:t>15.08.2013</a:t>
             </a:fld>
             <a:endParaRPr lang="de-DE"/>
           </a:p>
@@ -593,7 +593,7 @@
           <a:p>
             <a:fld id="{AAAB5D53-F5E7-436B-85BB-F08817CA0FEF}" type="datetimeFigureOut">
               <a:rPr lang="de-DE" smtClean="0"/>
-              <a:t>14.08.2013</a:t>
+              <a:t>15.08.2013</a:t>
             </a:fld>
             <a:endParaRPr lang="de-DE"/>
           </a:p>
@@ -763,7 +763,7 @@
           <a:p>
             <a:fld id="{AAAB5D53-F5E7-436B-85BB-F08817CA0FEF}" type="datetimeFigureOut">
               <a:rPr lang="de-DE" smtClean="0"/>
-              <a:t>14.08.2013</a:t>
+              <a:t>15.08.2013</a:t>
             </a:fld>
             <a:endParaRPr lang="de-DE"/>
           </a:p>
@@ -1007,7 +1007,7 @@
           <a:p>
             <a:fld id="{AAAB5D53-F5E7-436B-85BB-F08817CA0FEF}" type="datetimeFigureOut">
               <a:rPr lang="de-DE" smtClean="0"/>
-              <a:t>14.08.2013</a:t>
+              <a:t>15.08.2013</a:t>
             </a:fld>
             <a:endParaRPr lang="de-DE"/>
           </a:p>
@@ -1239,7 +1239,7 @@
           <a:p>
             <a:fld id="{AAAB5D53-F5E7-436B-85BB-F08817CA0FEF}" type="datetimeFigureOut">
               <a:rPr lang="de-DE" smtClean="0"/>
-              <a:t>14.08.2013</a:t>
+              <a:t>15.08.2013</a:t>
             </a:fld>
             <a:endParaRPr lang="de-DE"/>
           </a:p>
@@ -1606,7 +1606,7 @@
           <a:p>
             <a:fld id="{AAAB5D53-F5E7-436B-85BB-F08817CA0FEF}" type="datetimeFigureOut">
               <a:rPr lang="de-DE" smtClean="0"/>
-              <a:t>14.08.2013</a:t>
+              <a:t>15.08.2013</a:t>
             </a:fld>
             <a:endParaRPr lang="de-DE"/>
           </a:p>
@@ -1724,7 +1724,7 @@
           <a:p>
             <a:fld id="{AAAB5D53-F5E7-436B-85BB-F08817CA0FEF}" type="datetimeFigureOut">
               <a:rPr lang="de-DE" smtClean="0"/>
-              <a:t>14.08.2013</a:t>
+              <a:t>15.08.2013</a:t>
             </a:fld>
             <a:endParaRPr lang="de-DE"/>
           </a:p>
@@ -1819,7 +1819,7 @@
           <a:p>
             <a:fld id="{AAAB5D53-F5E7-436B-85BB-F08817CA0FEF}" type="datetimeFigureOut">
               <a:rPr lang="de-DE" smtClean="0"/>
-              <a:t>14.08.2013</a:t>
+              <a:t>15.08.2013</a:t>
             </a:fld>
             <a:endParaRPr lang="de-DE"/>
           </a:p>
@@ -2096,7 +2096,7 @@
           <a:p>
             <a:fld id="{AAAB5D53-F5E7-436B-85BB-F08817CA0FEF}" type="datetimeFigureOut">
               <a:rPr lang="de-DE" smtClean="0"/>
-              <a:t>14.08.2013</a:t>
+              <a:t>15.08.2013</a:t>
             </a:fld>
             <a:endParaRPr lang="de-DE"/>
           </a:p>
@@ -2353,7 +2353,7 @@
           <a:p>
             <a:fld id="{AAAB5D53-F5E7-436B-85BB-F08817CA0FEF}" type="datetimeFigureOut">
               <a:rPr lang="de-DE" smtClean="0"/>
-              <a:t>14.08.2013</a:t>
+              <a:t>15.08.2013</a:t>
             </a:fld>
             <a:endParaRPr lang="de-DE"/>
           </a:p>
@@ -2566,7 +2566,7 @@
           <a:p>
             <a:fld id="{AAAB5D53-F5E7-436B-85BB-F08817CA0FEF}" type="datetimeFigureOut">
               <a:rPr lang="de-DE" smtClean="0"/>
-              <a:t>14.08.2013</a:t>
+              <a:t>15.08.2013</a:t>
             </a:fld>
             <a:endParaRPr lang="de-DE"/>
           </a:p>
@@ -2980,7 +2980,7 @@
         <p:spPr>
           <a:xfrm>
             <a:off x="171453" y="110865"/>
-            <a:ext cx="1180381" cy="436996"/>
+            <a:ext cx="1180381" cy="378000"/>
           </a:xfrm>
           <a:prstGeom prst="roundRect">
             <a:avLst/>
@@ -3014,14 +3014,14 @@
           <a:p>
             <a:pPr algn="ctr"/>
             <a:r>
-              <a:rPr lang="de-DE" sz="1400" dirty="0" err="1">
+              <a:rPr lang="de-DE" sz="1200" dirty="0" err="1">
                 <a:solidFill>
                   <a:schemeClr val="tx1"/>
                 </a:solidFill>
               </a:rPr>
               <a:t>mRNA</a:t>
             </a:r>
-            <a:endParaRPr lang="de-DE" sz="1400" dirty="0">
+            <a:endParaRPr lang="de-DE" sz="1200" dirty="0">
               <a:solidFill>
                 <a:schemeClr val="tx1"/>
               </a:solidFill>
@@ -3038,7 +3038,7 @@
         <p:spPr>
           <a:xfrm>
             <a:off x="2855013" y="107404"/>
-            <a:ext cx="1180381" cy="436996"/>
+            <a:ext cx="1180381" cy="378000"/>
           </a:xfrm>
           <a:prstGeom prst="roundRect">
             <a:avLst/>
@@ -3072,14 +3072,14 @@
           <a:p>
             <a:pPr algn="ctr"/>
             <a:r>
-              <a:rPr lang="de-DE" sz="1400" dirty="0" err="1">
+              <a:rPr lang="de-DE" sz="1200" dirty="0" err="1">
                 <a:solidFill>
                   <a:schemeClr val="tx1"/>
                 </a:solidFill>
               </a:rPr>
               <a:t>DNAm</a:t>
             </a:r>
-            <a:endParaRPr lang="de-DE" sz="1400" dirty="0">
+            <a:endParaRPr lang="de-DE" sz="1200" dirty="0">
               <a:solidFill>
                 <a:schemeClr val="tx1"/>
               </a:solidFill>
@@ -3096,7 +3096,7 @@
         <p:spPr>
           <a:xfrm>
             <a:off x="4196793" y="106970"/>
-            <a:ext cx="1180381" cy="436996"/>
+            <a:ext cx="1180381" cy="378000"/>
           </a:xfrm>
           <a:prstGeom prst="roundRect">
             <a:avLst/>
@@ -3130,7 +3130,7 @@
           <a:p>
             <a:pPr algn="ctr"/>
             <a:r>
-              <a:rPr lang="de-DE" sz="1400" dirty="0">
+              <a:rPr lang="de-DE" sz="1200" dirty="0">
                 <a:solidFill>
                   <a:schemeClr val="tx1"/>
                 </a:solidFill>
@@ -3149,7 +3149,7 @@
         <p:spPr>
           <a:xfrm>
             <a:off x="1513233" y="107404"/>
-            <a:ext cx="1180381" cy="436996"/>
+            <a:ext cx="1180381" cy="378000"/>
           </a:xfrm>
           <a:prstGeom prst="roundRect">
             <a:avLst/>
@@ -3183,14 +3183,14 @@
           <a:p>
             <a:pPr algn="ctr"/>
             <a:r>
-              <a:rPr lang="de-DE" sz="1400" dirty="0" err="1">
+              <a:rPr lang="de-DE" sz="1200" dirty="0" err="1">
                 <a:solidFill>
                   <a:schemeClr val="tx1"/>
                 </a:solidFill>
               </a:rPr>
               <a:t>miRNA</a:t>
             </a:r>
-            <a:endParaRPr lang="de-DE" sz="1400" dirty="0">
+            <a:endParaRPr lang="de-DE" sz="1200" dirty="0">
               <a:solidFill>
                 <a:schemeClr val="tx1"/>
               </a:solidFill>
@@ -3206,8 +3206,8 @@
         </p:nvSpPr>
         <p:spPr>
           <a:xfrm>
-            <a:off x="5538575" y="106970"/>
-            <a:ext cx="1180381" cy="436996"/>
+            <a:off x="5538577" y="110516"/>
+            <a:ext cx="1180381" cy="378000"/>
           </a:xfrm>
           <a:prstGeom prst="roundRect">
             <a:avLst/>
@@ -3241,14 +3241,14 @@
           <a:p>
             <a:pPr algn="ctr"/>
             <a:r>
-              <a:rPr lang="de-DE" sz="1400" dirty="0" err="1">
+              <a:rPr lang="de-DE" sz="1200" dirty="0" err="1">
                 <a:solidFill>
                   <a:schemeClr val="tx1"/>
                 </a:solidFill>
               </a:rPr>
               <a:t>Metabolite</a:t>
             </a:r>
-            <a:endParaRPr lang="de-DE" sz="1400" dirty="0">
+            <a:endParaRPr lang="de-DE" sz="1200" dirty="0">
               <a:solidFill>
                 <a:schemeClr val="tx1"/>
               </a:solidFill>
@@ -3264,8 +3264,8 @@
         </p:nvSpPr>
         <p:spPr>
           <a:xfrm>
-            <a:off x="5538577" y="851511"/>
-            <a:ext cx="1180381" cy="543793"/>
+            <a:off x="5532494" y="800749"/>
+            <a:ext cx="1180381" cy="378000"/>
           </a:xfrm>
           <a:prstGeom prst="roundRect">
             <a:avLst/>
@@ -3297,33 +3297,25 @@
           <a:bodyPr rtlCol="0" anchor="ctr"/>
           <a:lstStyle/>
           <a:p>
-            <a:pPr algn="ctr">
-              <a:lnSpc>
-                <a:spcPct val="150000"/>
-              </a:lnSpc>
-            </a:pPr>
-            <a:r>
-              <a:rPr lang="de-DE" sz="1200" dirty="0" err="1">
+            <a:pPr algn="ctr"/>
+            <a:r>
+              <a:rPr lang="de-DE" sz="1100" dirty="0" err="1">
                 <a:solidFill>
                   <a:schemeClr val="tx1"/>
                 </a:solidFill>
               </a:rPr>
               <a:t>Pre-processing</a:t>
             </a:r>
-            <a:endParaRPr lang="de-DE" sz="1200" dirty="0">
+            <a:endParaRPr lang="de-DE" sz="1100" dirty="0">
               <a:solidFill>
                 <a:schemeClr val="tx1"/>
               </a:solidFill>
             </a:endParaRPr>
           </a:p>
           <a:p>
-            <a:pPr algn="ctr">
-              <a:lnSpc>
-                <a:spcPct val="150000"/>
-              </a:lnSpc>
-            </a:pPr>
-            <a:r>
-              <a:rPr lang="de-DE" sz="1200" dirty="0">
+            <a:pPr algn="ctr"/>
+            <a:r>
+              <a:rPr lang="de-DE" sz="1100" dirty="0">
                 <a:solidFill>
                   <a:schemeClr val="tx1"/>
                 </a:solidFill>
@@ -3331,14 +3323,14 @@
               <a:t>e.g. </a:t>
             </a:r>
             <a:r>
-              <a:rPr lang="de-DE" sz="1200" dirty="0" err="1">
+              <a:rPr lang="de-DE" sz="1100" dirty="0" err="1">
                 <a:solidFill>
                   <a:schemeClr val="tx1"/>
                 </a:solidFill>
               </a:rPr>
               <a:t>OpenMS</a:t>
             </a:r>
-            <a:endParaRPr lang="de-DE" sz="1200" dirty="0">
+            <a:endParaRPr lang="de-DE" sz="1100" dirty="0">
               <a:solidFill>
                 <a:schemeClr val="tx1"/>
               </a:solidFill>
@@ -3354,8 +3346,8 @@
         </p:nvSpPr>
         <p:spPr>
           <a:xfrm>
-            <a:off x="171455" y="851511"/>
-            <a:ext cx="5205721" cy="543793"/>
+            <a:off x="171453" y="800749"/>
+            <a:ext cx="5205721" cy="378000"/>
           </a:xfrm>
           <a:prstGeom prst="roundRect">
             <a:avLst/>
@@ -3387,13 +3379,9 @@
           <a:bodyPr rtlCol="0" anchor="ctr"/>
           <a:lstStyle/>
           <a:p>
-            <a:pPr algn="ctr">
-              <a:lnSpc>
-                <a:spcPct val="150000"/>
-              </a:lnSpc>
-            </a:pPr>
-            <a:r>
-              <a:rPr lang="de-DE" sz="1200" dirty="0" err="1">
+            <a:pPr algn="ctr"/>
+            <a:r>
+              <a:rPr lang="de-DE" sz="1100" dirty="0" err="1">
                 <a:solidFill>
                   <a:schemeClr val="tx1"/>
                 </a:solidFill>
@@ -3401,7 +3389,7 @@
               <a:t>Preprocessing</a:t>
             </a:r>
             <a:r>
-              <a:rPr lang="de-DE" sz="1300" dirty="0">
+              <a:rPr lang="de-DE" sz="1100" dirty="0">
                 <a:solidFill>
                   <a:schemeClr val="tx1"/>
                 </a:solidFill>
@@ -3410,13 +3398,9 @@
             </a:r>
           </a:p>
           <a:p>
-            <a:pPr algn="ctr">
-              <a:lnSpc>
-                <a:spcPct val="150000"/>
-              </a:lnSpc>
-            </a:pPr>
-            <a:r>
-              <a:rPr lang="de-DE" sz="1200" dirty="0">
+            <a:pPr algn="ctr"/>
+            <a:r>
+              <a:rPr lang="de-DE" sz="1100" dirty="0">
                 <a:solidFill>
                   <a:schemeClr val="tx1"/>
                 </a:solidFill>
@@ -3424,7 +3408,7 @@
               <a:t>e.g. </a:t>
             </a:r>
             <a:r>
-              <a:rPr lang="de-DE" sz="1200" dirty="0" err="1">
+              <a:rPr lang="de-DE" sz="1100" dirty="0" err="1">
                 <a:solidFill>
                   <a:schemeClr val="tx1"/>
                 </a:solidFill>
@@ -3432,7 +3416,7 @@
               <a:t>with</a:t>
             </a:r>
             <a:r>
-              <a:rPr lang="de-DE" sz="1200" dirty="0">
+              <a:rPr lang="de-DE" sz="1100" dirty="0">
                 <a:solidFill>
                   <a:schemeClr val="tx1"/>
                 </a:solidFill>
@@ -3450,8 +3434,8 @@
         </p:nvSpPr>
         <p:spPr>
           <a:xfrm>
-            <a:off x="171455" y="1711644"/>
-            <a:ext cx="6547503" cy="572656"/>
+            <a:off x="171455" y="1486856"/>
+            <a:ext cx="6547503" cy="378000"/>
           </a:xfrm>
           <a:prstGeom prst="roundRect">
             <a:avLst/>
@@ -3483,13 +3467,9 @@
           <a:bodyPr rtlCol="0" anchor="ctr"/>
           <a:lstStyle/>
           <a:p>
-            <a:pPr algn="ctr">
-              <a:lnSpc>
-                <a:spcPct val="150000"/>
-              </a:lnSpc>
-            </a:pPr>
-            <a:r>
-              <a:rPr lang="de-DE" sz="1200" dirty="0" err="1">
+            <a:pPr algn="ctr"/>
+            <a:r>
+              <a:rPr lang="de-DE" sz="1100" dirty="0" err="1">
                 <a:solidFill>
                   <a:schemeClr val="tx1"/>
                 </a:solidFill>
@@ -3497,7 +3477,7 @@
               <a:t>Normalization</a:t>
             </a:r>
             <a:r>
-              <a:rPr lang="de-DE" sz="1200" dirty="0">
+              <a:rPr lang="de-DE" sz="1100" dirty="0">
                 <a:solidFill>
                   <a:schemeClr val="tx1"/>
                 </a:solidFill>
@@ -3505,7 +3485,7 @@
               <a:t> </a:t>
             </a:r>
             <a:r>
-              <a:rPr lang="de-DE" sz="1200" dirty="0" err="1">
+              <a:rPr lang="de-DE" sz="1100" dirty="0" err="1">
                 <a:solidFill>
                   <a:schemeClr val="tx1"/>
                 </a:solidFill>
@@ -3513,7 +3493,7 @@
               <a:t>and</a:t>
             </a:r>
             <a:r>
-              <a:rPr lang="de-DE" sz="1200" dirty="0">
+              <a:rPr lang="de-DE" sz="1100" dirty="0">
                 <a:solidFill>
                   <a:schemeClr val="tx1"/>
                 </a:solidFill>
@@ -3521,7 +3501,7 @@
               <a:t> </a:t>
             </a:r>
             <a:r>
-              <a:rPr lang="de-DE" sz="1200" dirty="0" err="1">
+              <a:rPr lang="de-DE" sz="1100" dirty="0" err="1">
                 <a:solidFill>
                   <a:schemeClr val="tx1"/>
                 </a:solidFill>
@@ -3529,7 +3509,7 @@
               <a:t>statistical</a:t>
             </a:r>
             <a:r>
-              <a:rPr lang="de-DE" sz="1200" dirty="0">
+              <a:rPr lang="de-DE" sz="1100" dirty="0">
                 <a:solidFill>
                   <a:schemeClr val="tx1"/>
                 </a:solidFill>
@@ -3537,7 +3517,7 @@
               <a:t> </a:t>
             </a:r>
             <a:r>
-              <a:rPr lang="de-DE" sz="1200" dirty="0" err="1">
+              <a:rPr lang="de-DE" sz="1100" dirty="0" err="1">
                 <a:solidFill>
                   <a:schemeClr val="tx1"/>
                 </a:solidFill>
@@ -3545,7 +3525,7 @@
               <a:t>analysis</a:t>
             </a:r>
             <a:r>
-              <a:rPr lang="de-DE" sz="1200" dirty="0">
+              <a:rPr lang="de-DE" sz="1100" dirty="0">
                 <a:solidFill>
                   <a:schemeClr val="tx1"/>
                 </a:solidFill>
@@ -3553,7 +3533,7 @@
               <a:t> </a:t>
             </a:r>
             <a:r>
-              <a:rPr lang="de-DE" sz="1200" dirty="0" err="1">
+              <a:rPr lang="de-DE" sz="1100" dirty="0" err="1">
                 <a:solidFill>
                   <a:schemeClr val="tx1"/>
                 </a:solidFill>
@@ -3561,7 +3541,7 @@
               <a:t>with</a:t>
             </a:r>
             <a:r>
-              <a:rPr lang="de-DE" sz="1200" dirty="0">
+              <a:rPr lang="de-DE" sz="1100" dirty="0">
                 <a:solidFill>
                   <a:schemeClr val="tx1"/>
                 </a:solidFill>
@@ -3569,7 +3549,7 @@
               <a:t> </a:t>
             </a:r>
             <a:r>
-              <a:rPr lang="de-DE" sz="1200" dirty="0" err="1">
+              <a:rPr lang="de-DE" sz="1100" dirty="0" err="1">
                 <a:solidFill>
                   <a:schemeClr val="tx1"/>
                 </a:solidFill>
@@ -3577,7 +3557,7 @@
               <a:t>appropriate</a:t>
             </a:r>
             <a:r>
-              <a:rPr lang="de-DE" sz="1200" dirty="0">
+              <a:rPr lang="de-DE" sz="1100" dirty="0">
                 <a:solidFill>
                   <a:schemeClr val="tx1"/>
                 </a:solidFill>
@@ -3585,27 +3565,23 @@
               <a:t> </a:t>
             </a:r>
             <a:r>
-              <a:rPr lang="de-DE" sz="1200" dirty="0" err="1">
+              <a:rPr lang="de-DE" sz="1100" dirty="0" err="1">
                 <a:solidFill>
                   <a:schemeClr val="tx1"/>
                 </a:solidFill>
               </a:rPr>
               <a:t>software</a:t>
             </a:r>
-            <a:endParaRPr lang="de-DE" sz="1200" dirty="0">
+            <a:endParaRPr lang="de-DE" sz="1100" dirty="0">
               <a:solidFill>
                 <a:schemeClr val="tx1"/>
               </a:solidFill>
             </a:endParaRPr>
           </a:p>
           <a:p>
-            <a:pPr algn="ctr">
-              <a:lnSpc>
-                <a:spcPct val="150000"/>
-              </a:lnSpc>
-            </a:pPr>
-            <a:r>
-              <a:rPr lang="de-DE" sz="1200" dirty="0">
+            <a:pPr algn="ctr"/>
+            <a:r>
+              <a:rPr lang="de-DE" sz="1100" dirty="0">
                 <a:solidFill>
                   <a:schemeClr val="tx1"/>
                 </a:solidFill>
@@ -3613,7 +3589,7 @@
               <a:t>e.g. R (</a:t>
             </a:r>
             <a:r>
-              <a:rPr lang="de-DE" sz="1200" dirty="0" err="1">
+              <a:rPr lang="de-DE" sz="1100" dirty="0" err="1">
                 <a:solidFill>
                   <a:schemeClr val="tx1"/>
                 </a:solidFill>
@@ -3621,7 +3597,7 @@
               <a:t>BioConductor</a:t>
             </a:r>
             <a:r>
-              <a:rPr lang="de-DE" sz="1200" dirty="0">
+              <a:rPr lang="de-DE" sz="1100" dirty="0">
                 <a:solidFill>
                   <a:schemeClr val="tx1"/>
                 </a:solidFill>
@@ -3629,7 +3605,7 @@
               <a:t> </a:t>
             </a:r>
             <a:r>
-              <a:rPr lang="de-DE" sz="1200" dirty="0" err="1">
+              <a:rPr lang="de-DE" sz="1100" dirty="0" err="1">
                 <a:solidFill>
                   <a:schemeClr val="tx1"/>
                 </a:solidFill>
@@ -3637,7 +3613,7 @@
               <a:t>and</a:t>
             </a:r>
             <a:r>
-              <a:rPr lang="de-DE" sz="1200" dirty="0">
+              <a:rPr lang="de-DE" sz="1100" dirty="0">
                 <a:solidFill>
                   <a:schemeClr val="tx1"/>
                 </a:solidFill>
@@ -3645,7 +3621,7 @@
               <a:t> </a:t>
             </a:r>
             <a:r>
-              <a:rPr lang="de-DE" sz="1200" dirty="0" err="1">
+              <a:rPr lang="de-DE" sz="1100" dirty="0" err="1">
                 <a:solidFill>
                   <a:schemeClr val="tx1"/>
                 </a:solidFill>
@@ -3653,7 +3629,7 @@
               <a:t>other</a:t>
             </a:r>
             <a:r>
-              <a:rPr lang="de-DE" sz="1200" dirty="0">
+              <a:rPr lang="de-DE" sz="1100" dirty="0">
                 <a:solidFill>
                   <a:schemeClr val="tx1"/>
                 </a:solidFill>
@@ -3661,7 +3637,7 @@
               <a:t> </a:t>
             </a:r>
             <a:r>
-              <a:rPr lang="de-DE" sz="1200" dirty="0" err="1">
+              <a:rPr lang="de-DE" sz="1100" dirty="0" err="1">
                 <a:solidFill>
                   <a:schemeClr val="tx1"/>
                 </a:solidFill>
@@ -3669,7 +3645,7 @@
               <a:t>packages</a:t>
             </a:r>
             <a:r>
-              <a:rPr lang="de-DE" sz="1200" dirty="0">
+              <a:rPr lang="de-DE" sz="1100" dirty="0">
                 <a:solidFill>
                   <a:schemeClr val="tx1"/>
                 </a:solidFill>
@@ -3687,7 +3663,7 @@
         </p:nvSpPr>
         <p:spPr>
           <a:xfrm>
-            <a:off x="694533" y="543966"/>
+            <a:off x="694533" y="489356"/>
             <a:ext cx="134216" cy="287772"/>
           </a:xfrm>
           <a:prstGeom prst="downArrow">
@@ -3727,7 +3703,7 @@
         </p:nvSpPr>
         <p:spPr>
           <a:xfrm>
-            <a:off x="2036312" y="543966"/>
+            <a:off x="2036312" y="489356"/>
             <a:ext cx="134216" cy="287772"/>
           </a:xfrm>
           <a:prstGeom prst="downArrow">
@@ -3767,7 +3743,7 @@
         </p:nvSpPr>
         <p:spPr>
           <a:xfrm>
-            <a:off x="3378092" y="543966"/>
+            <a:off x="3378092" y="489356"/>
             <a:ext cx="134216" cy="287772"/>
           </a:xfrm>
           <a:prstGeom prst="downArrow">
@@ -3807,7 +3783,7 @@
         </p:nvSpPr>
         <p:spPr>
           <a:xfrm>
-            <a:off x="4719872" y="543966"/>
+            <a:off x="4719872" y="489356"/>
             <a:ext cx="134216" cy="287772"/>
           </a:xfrm>
           <a:prstGeom prst="downArrow">
@@ -3847,7 +3823,7 @@
         </p:nvSpPr>
         <p:spPr>
           <a:xfrm>
-            <a:off x="6061652" y="543966"/>
+            <a:off x="6061652" y="489356"/>
             <a:ext cx="134216" cy="287772"/>
           </a:xfrm>
           <a:prstGeom prst="downArrow">
@@ -3887,7 +3863,7 @@
         </p:nvSpPr>
         <p:spPr>
           <a:xfrm>
-            <a:off x="6061652" y="1405755"/>
+            <a:off x="6061652" y="1180967"/>
             <a:ext cx="134216" cy="287772"/>
           </a:xfrm>
           <a:prstGeom prst="downArrow">
@@ -3927,7 +3903,7 @@
         </p:nvSpPr>
         <p:spPr>
           <a:xfrm>
-            <a:off x="2707202" y="1405755"/>
+            <a:off x="2707202" y="1180967"/>
             <a:ext cx="134216" cy="287772"/>
           </a:xfrm>
           <a:prstGeom prst="downArrow">
@@ -3967,8 +3943,8 @@
         </p:nvSpPr>
         <p:spPr>
           <a:xfrm>
-            <a:off x="171455" y="2593502"/>
-            <a:ext cx="6547503" cy="5005748"/>
+            <a:off x="171455" y="2172963"/>
+            <a:ext cx="6547503" cy="5515617"/>
           </a:xfrm>
           <a:prstGeom prst="roundRect">
             <a:avLst>
@@ -4023,7 +3999,7 @@
         </p:nvSpPr>
         <p:spPr>
           <a:xfrm>
-            <a:off x="181501" y="2617123"/>
+            <a:off x="181501" y="2131603"/>
             <a:ext cx="1170330" cy="338554"/>
           </a:xfrm>
           <a:prstGeom prst="rect">
@@ -4067,7 +4043,7 @@
         </p:blipFill>
         <p:spPr>
           <a:xfrm>
-            <a:off x="389733" y="2925957"/>
+            <a:off x="389733" y="2440437"/>
             <a:ext cx="594360" cy="594360"/>
           </a:xfrm>
           <a:prstGeom prst="rect">
@@ -4083,8 +4059,8 @@
         </p:nvSpPr>
         <p:spPr>
           <a:xfrm>
-            <a:off x="1351831" y="3079119"/>
-            <a:ext cx="1847850" cy="572656"/>
+            <a:off x="1351836" y="3527294"/>
+            <a:ext cx="1847850" cy="378000"/>
           </a:xfrm>
           <a:prstGeom prst="roundRect">
             <a:avLst/>
@@ -4118,7 +4094,7 @@
           <a:p>
             <a:pPr algn="ctr"/>
             <a:r>
-              <a:rPr lang="de-DE" sz="1200" dirty="0">
+              <a:rPr lang="de-DE" sz="1100" dirty="0">
                 <a:solidFill>
                   <a:schemeClr val="tx1"/>
                 </a:solidFill>
@@ -4126,7 +4102,7 @@
               <a:t>Single </a:t>
             </a:r>
             <a:r>
-              <a:rPr lang="de-DE" sz="1200" dirty="0" err="1">
+              <a:rPr lang="de-DE" sz="1100" dirty="0" err="1">
                 <a:solidFill>
                   <a:schemeClr val="tx1"/>
                 </a:solidFill>
@@ -4134,7 +4110,7 @@
               <a:t>platform</a:t>
             </a:r>
             <a:r>
-              <a:rPr lang="de-DE" sz="1200" dirty="0">
+              <a:rPr lang="de-DE" sz="1100" dirty="0">
                 <a:solidFill>
                   <a:schemeClr val="tx1"/>
                 </a:solidFill>
@@ -4142,14 +4118,14 @@
               <a:t> </a:t>
             </a:r>
             <a:r>
-              <a:rPr lang="de-DE" sz="1200" dirty="0" err="1">
+              <a:rPr lang="de-DE" sz="1100" dirty="0" err="1">
                 <a:solidFill>
                   <a:schemeClr val="tx1"/>
                 </a:solidFill>
               </a:rPr>
               <a:t>enrichment</a:t>
             </a:r>
-            <a:endParaRPr lang="de-DE" sz="1200" dirty="0">
+            <a:endParaRPr lang="de-DE" sz="1100" dirty="0">
               <a:solidFill>
                 <a:schemeClr val="tx1"/>
               </a:solidFill>
@@ -4165,8 +4141,8 @@
         </p:nvSpPr>
         <p:spPr>
           <a:xfrm>
-            <a:off x="3684644" y="3075569"/>
-            <a:ext cx="1847850" cy="572656"/>
+            <a:off x="3684649" y="3528239"/>
+            <a:ext cx="1847850" cy="378000"/>
           </a:xfrm>
           <a:prstGeom prst="roundRect">
             <a:avLst/>
@@ -4200,7 +4176,7 @@
           <a:p>
             <a:pPr algn="ctr"/>
             <a:r>
-              <a:rPr lang="de-DE" sz="1200" dirty="0">
+              <a:rPr lang="de-DE" sz="1100" dirty="0">
                 <a:solidFill>
                   <a:schemeClr val="tx1"/>
                 </a:solidFill>
@@ -4208,7 +4184,7 @@
               <a:t>Integrated multi-</a:t>
             </a:r>
             <a:r>
-              <a:rPr lang="de-DE" sz="1200" dirty="0" err="1">
+              <a:rPr lang="de-DE" sz="1100" dirty="0" err="1">
                 <a:solidFill>
                   <a:schemeClr val="tx1"/>
                 </a:solidFill>
@@ -4216,7 +4192,7 @@
               <a:t>omics</a:t>
             </a:r>
             <a:r>
-              <a:rPr lang="de-DE" sz="1200" dirty="0">
+              <a:rPr lang="de-DE" sz="1100" dirty="0">
                 <a:solidFill>
                   <a:schemeClr val="tx1"/>
                 </a:solidFill>
@@ -4224,14 +4200,14 @@
               <a:t> </a:t>
             </a:r>
             <a:r>
-              <a:rPr lang="de-DE" sz="1200" dirty="0" err="1">
+              <a:rPr lang="de-DE" sz="1100" dirty="0" err="1">
                 <a:solidFill>
                   <a:schemeClr val="tx1"/>
                 </a:solidFill>
               </a:rPr>
               <a:t>enrichment</a:t>
             </a:r>
-            <a:endParaRPr lang="de-DE" sz="1200" dirty="0">
+            <a:endParaRPr lang="de-DE" sz="1100" dirty="0">
               <a:solidFill>
                 <a:schemeClr val="tx1"/>
               </a:solidFill>
@@ -4239,181 +4215,6 @@
           </a:p>
         </p:txBody>
       </p:sp>
-      <p:grpSp>
-        <p:nvGrpSpPr>
-          <p:cNvPr id="30" name="Gruppieren 29"/>
-          <p:cNvGrpSpPr/>
-          <p:nvPr/>
-        </p:nvGrpSpPr>
-        <p:grpSpPr>
-          <a:xfrm>
-            <a:off x="2208653" y="2284300"/>
-            <a:ext cx="2467029" cy="774607"/>
-            <a:chOff x="2319951" y="2485832"/>
-            <a:chExt cx="2467029" cy="774607"/>
-          </a:xfrm>
-        </p:grpSpPr>
-        <p:sp>
-          <p:nvSpPr>
-            <p:cNvPr id="27" name="Pfeil nach unten 26"/>
-            <p:cNvSpPr/>
-            <p:nvPr/>
-          </p:nvSpPr>
-          <p:spPr>
-            <a:xfrm>
-              <a:off x="2319951" y="2972667"/>
-              <a:ext cx="134216" cy="287772"/>
-            </a:xfrm>
-            <a:prstGeom prst="downArrow">
-              <a:avLst/>
-            </a:prstGeom>
-          </p:spPr>
-          <p:style>
-            <a:lnRef idx="2">
-              <a:schemeClr val="dk1">
-                <a:shade val="50000"/>
-              </a:schemeClr>
-            </a:lnRef>
-            <a:fillRef idx="1">
-              <a:schemeClr val="dk1"/>
-            </a:fillRef>
-            <a:effectRef idx="0">
-              <a:schemeClr val="dk1"/>
-            </a:effectRef>
-            <a:fontRef idx="minor">
-              <a:schemeClr val="lt1"/>
-            </a:fontRef>
-          </p:style>
-          <p:txBody>
-            <a:bodyPr rtlCol="0" anchor="ctr"/>
-            <a:lstStyle/>
-            <a:p>
-              <a:pPr algn="ctr"/>
-              <a:endParaRPr lang="de-DE"/>
-            </a:p>
-          </p:txBody>
-        </p:sp>
-        <p:sp>
-          <p:nvSpPr>
-            <p:cNvPr id="23" name="Flussdiagramm: Prozess 22"/>
-            <p:cNvSpPr/>
-            <p:nvPr/>
-          </p:nvSpPr>
-          <p:spPr>
-            <a:xfrm>
-              <a:off x="3521197" y="2485832"/>
-              <a:ext cx="64537" cy="485627"/>
-            </a:xfrm>
-            <a:prstGeom prst="flowChartProcess">
-              <a:avLst/>
-            </a:prstGeom>
-          </p:spPr>
-          <p:style>
-            <a:lnRef idx="2">
-              <a:schemeClr val="dk1">
-                <a:shade val="50000"/>
-              </a:schemeClr>
-            </a:lnRef>
-            <a:fillRef idx="1">
-              <a:schemeClr val="dk1"/>
-            </a:fillRef>
-            <a:effectRef idx="0">
-              <a:schemeClr val="dk1"/>
-            </a:effectRef>
-            <a:fontRef idx="minor">
-              <a:schemeClr val="lt1"/>
-            </a:fontRef>
-          </p:style>
-          <p:txBody>
-            <a:bodyPr rtlCol="0" anchor="ctr"/>
-            <a:lstStyle/>
-            <a:p>
-              <a:pPr algn="ctr"/>
-              <a:endParaRPr lang="de-DE"/>
-            </a:p>
-          </p:txBody>
-        </p:sp>
-        <p:sp>
-          <p:nvSpPr>
-            <p:cNvPr id="29" name="Pfeil nach unten 28"/>
-            <p:cNvSpPr/>
-            <p:nvPr/>
-          </p:nvSpPr>
-          <p:spPr>
-            <a:xfrm>
-              <a:off x="4652764" y="2972667"/>
-              <a:ext cx="134216" cy="287772"/>
-            </a:xfrm>
-            <a:prstGeom prst="downArrow">
-              <a:avLst/>
-            </a:prstGeom>
-          </p:spPr>
-          <p:style>
-            <a:lnRef idx="2">
-              <a:schemeClr val="dk1">
-                <a:shade val="50000"/>
-              </a:schemeClr>
-            </a:lnRef>
-            <a:fillRef idx="1">
-              <a:schemeClr val="dk1"/>
-            </a:fillRef>
-            <a:effectRef idx="0">
-              <a:schemeClr val="dk1"/>
-            </a:effectRef>
-            <a:fontRef idx="minor">
-              <a:schemeClr val="lt1"/>
-            </a:fontRef>
-          </p:style>
-          <p:txBody>
-            <a:bodyPr rtlCol="0" anchor="ctr"/>
-            <a:lstStyle/>
-            <a:p>
-              <a:pPr algn="ctr"/>
-              <a:endParaRPr lang="de-DE"/>
-            </a:p>
-          </p:txBody>
-        </p:sp>
-        <p:sp>
-          <p:nvSpPr>
-            <p:cNvPr id="28" name="Flussdiagramm: Prozess 27"/>
-            <p:cNvSpPr/>
-            <p:nvPr/>
-          </p:nvSpPr>
-          <p:spPr>
-            <a:xfrm>
-              <a:off x="2357438" y="2971459"/>
-              <a:ext cx="2393156" cy="72840"/>
-            </a:xfrm>
-            <a:prstGeom prst="flowChartProcess">
-              <a:avLst/>
-            </a:prstGeom>
-          </p:spPr>
-          <p:style>
-            <a:lnRef idx="2">
-              <a:schemeClr val="dk1">
-                <a:shade val="50000"/>
-              </a:schemeClr>
-            </a:lnRef>
-            <a:fillRef idx="1">
-              <a:schemeClr val="dk1"/>
-            </a:fillRef>
-            <a:effectRef idx="0">
-              <a:schemeClr val="dk1"/>
-            </a:effectRef>
-            <a:fontRef idx="minor">
-              <a:schemeClr val="lt1"/>
-            </a:fontRef>
-          </p:style>
-          <p:txBody>
-            <a:bodyPr rtlCol="0" anchor="ctr"/>
-            <a:lstStyle/>
-            <a:p>
-              <a:pPr algn="ctr"/>
-              <a:endParaRPr lang="de-DE"/>
-            </a:p>
-          </p:txBody>
-        </p:sp>
-      </p:grpSp>
       <p:sp>
         <p:nvSpPr>
           <p:cNvPr id="33" name="Abgerundetes Rechteck 32"/>
@@ -4422,8 +4223,8 @@
         </p:nvSpPr>
         <p:spPr>
           <a:xfrm>
-            <a:off x="626239" y="5528685"/>
-            <a:ext cx="2573447" cy="1922928"/>
+            <a:off x="626239" y="5751359"/>
+            <a:ext cx="2573447" cy="1875514"/>
           </a:xfrm>
           <a:prstGeom prst="roundRect">
             <a:avLst>
@@ -4454,12 +4255,12 @@
           </a:fontRef>
         </p:style>
         <p:txBody>
-          <a:bodyPr rtlCol="0" anchor="t"/>
+          <a:bodyPr tIns="0" rtlCol="0" anchor="t"/>
           <a:lstStyle/>
           <a:p>
             <a:pPr algn="ctr"/>
             <a:r>
-              <a:rPr lang="de-DE" sz="1200" dirty="0">
+              <a:rPr lang="de-DE" sz="1100" dirty="0">
                 <a:solidFill>
                   <a:schemeClr val="tx1"/>
                 </a:solidFill>
@@ -4467,7 +4268,7 @@
               <a:t>Select </a:t>
             </a:r>
             <a:r>
-              <a:rPr lang="de-DE" sz="1200" dirty="0" err="1">
+              <a:rPr lang="de-DE" sz="1100" dirty="0" err="1">
                 <a:solidFill>
                   <a:schemeClr val="tx1"/>
                 </a:solidFill>
@@ -4475,7 +4276,7 @@
               <a:t>pathway</a:t>
             </a:r>
             <a:r>
-              <a:rPr lang="de-DE" sz="1200" dirty="0">
+              <a:rPr lang="de-DE" sz="1100" dirty="0">
                 <a:solidFill>
                   <a:schemeClr val="tx1"/>
                 </a:solidFill>
@@ -4483,7 +4284,7 @@
               <a:t> </a:t>
             </a:r>
             <a:r>
-              <a:rPr lang="de-DE" sz="1200" dirty="0" err="1">
+              <a:rPr lang="de-DE" sz="1100" dirty="0" err="1">
                 <a:solidFill>
                   <a:schemeClr val="tx1"/>
                 </a:solidFill>
@@ -4491,7 +4292,7 @@
               <a:t>of</a:t>
             </a:r>
             <a:r>
-              <a:rPr lang="de-DE" sz="1200" dirty="0">
+              <a:rPr lang="de-DE" sz="1100" dirty="0">
                 <a:solidFill>
                   <a:schemeClr val="tx1"/>
                 </a:solidFill>
@@ -4499,7 +4300,7 @@
               <a:t> </a:t>
             </a:r>
             <a:r>
-              <a:rPr lang="de-DE" sz="1200" dirty="0" err="1">
+              <a:rPr lang="de-DE" sz="1100" dirty="0" err="1">
                 <a:solidFill>
                   <a:schemeClr val="tx1"/>
                 </a:solidFill>
@@ -4507,7 +4308,7 @@
               <a:t>interest</a:t>
             </a:r>
             <a:r>
-              <a:rPr lang="de-DE" sz="1200" dirty="0">
+              <a:rPr lang="de-DE" sz="1100" dirty="0">
                 <a:solidFill>
                   <a:schemeClr val="tx1"/>
                 </a:solidFill>
@@ -4515,7 +4316,7 @@
               <a:t> </a:t>
             </a:r>
             <a:r>
-              <a:rPr lang="de-DE" sz="1200" dirty="0" err="1">
+              <a:rPr lang="de-DE" sz="1100" dirty="0" err="1">
                 <a:solidFill>
                   <a:schemeClr val="tx1"/>
                 </a:solidFill>
@@ -4523,7 +4324,7 @@
               <a:t>for</a:t>
             </a:r>
             <a:r>
-              <a:rPr lang="de-DE" sz="1200" dirty="0">
+              <a:rPr lang="de-DE" sz="1100" dirty="0">
                 <a:solidFill>
                   <a:schemeClr val="tx1"/>
                 </a:solidFill>
@@ -4531,7 +4332,7 @@
               <a:t> </a:t>
             </a:r>
             <a:r>
-              <a:rPr lang="de-DE" sz="1200" dirty="0" err="1">
+              <a:rPr lang="de-DE" sz="1100" dirty="0" err="1">
                 <a:solidFill>
                   <a:schemeClr val="tx1"/>
                 </a:solidFill>
@@ -4539,7 +4340,7 @@
               <a:t>integrated</a:t>
             </a:r>
             <a:r>
-              <a:rPr lang="de-DE" sz="1200" dirty="0">
+              <a:rPr lang="de-DE" sz="1100" dirty="0">
                 <a:solidFill>
                   <a:schemeClr val="tx1"/>
                 </a:solidFill>
@@ -4547,14 +4348,14 @@
               <a:t> </a:t>
             </a:r>
             <a:r>
-              <a:rPr lang="de-DE" sz="1200" dirty="0" err="1">
+              <a:rPr lang="de-DE" sz="1100" dirty="0" err="1">
                 <a:solidFill>
                   <a:schemeClr val="tx1"/>
                 </a:solidFill>
               </a:rPr>
               <a:t>visualization</a:t>
             </a:r>
-            <a:endParaRPr lang="de-DE" sz="1200" dirty="0">
+            <a:endParaRPr lang="de-DE" sz="1100" dirty="0">
               <a:solidFill>
                 <a:schemeClr val="tx1"/>
               </a:solidFill>
@@ -4570,8 +4371,8 @@
         </p:nvSpPr>
         <p:spPr>
           <a:xfrm>
-            <a:off x="3684649" y="5528685"/>
-            <a:ext cx="2573447" cy="1922928"/>
+            <a:off x="3684649" y="5754534"/>
+            <a:ext cx="2573447" cy="1875514"/>
           </a:xfrm>
           <a:prstGeom prst="roundRect">
             <a:avLst>
@@ -4602,12 +4403,12 @@
           </a:fontRef>
         </p:style>
         <p:txBody>
-          <a:bodyPr rtlCol="0" anchor="t"/>
+          <a:bodyPr tIns="0" rtlCol="0" anchor="t"/>
           <a:lstStyle/>
           <a:p>
             <a:pPr algn="ctr"/>
             <a:r>
-              <a:rPr lang="de-DE" sz="1200" dirty="0">
+              <a:rPr lang="de-DE" sz="1100" dirty="0">
                 <a:solidFill>
                   <a:schemeClr val="tx1"/>
                 </a:solidFill>
@@ -4615,7 +4416,7 @@
               <a:t>Integrated </a:t>
             </a:r>
             <a:r>
-              <a:rPr lang="de-DE" sz="1200" dirty="0" err="1">
+              <a:rPr lang="de-DE" sz="1100" dirty="0" err="1">
                 <a:solidFill>
                   <a:schemeClr val="tx1"/>
                 </a:solidFill>
@@ -4623,7 +4424,7 @@
               <a:t>visualization</a:t>
             </a:r>
             <a:r>
-              <a:rPr lang="de-DE" sz="1200" dirty="0">
+              <a:rPr lang="de-DE" sz="1100" dirty="0">
                 <a:solidFill>
                   <a:schemeClr val="tx1"/>
                 </a:solidFill>
@@ -4631,7 +4432,7 @@
               <a:t> </a:t>
             </a:r>
             <a:r>
-              <a:rPr lang="de-DE" sz="1200" dirty="0" err="1">
+              <a:rPr lang="de-DE" sz="1100" dirty="0" err="1">
                 <a:solidFill>
                   <a:schemeClr val="tx1"/>
                 </a:solidFill>
@@ -4639,7 +4440,7 @@
               <a:t>of</a:t>
             </a:r>
             <a:r>
-              <a:rPr lang="de-DE" sz="1200" dirty="0">
+              <a:rPr lang="de-DE" sz="1100" dirty="0">
                 <a:solidFill>
                   <a:schemeClr val="tx1"/>
                 </a:solidFill>
@@ -4647,7 +4448,7 @@
               <a:t> </a:t>
             </a:r>
             <a:r>
-              <a:rPr lang="de-DE" sz="1200" dirty="0" err="1">
+              <a:rPr lang="de-DE" sz="1100" dirty="0" err="1">
                 <a:solidFill>
                   <a:schemeClr val="tx1"/>
                 </a:solidFill>
@@ -4655,7 +4456,7 @@
               <a:t>enrichment</a:t>
             </a:r>
             <a:r>
-              <a:rPr lang="de-DE" sz="1200" dirty="0">
+              <a:rPr lang="de-DE" sz="1100" dirty="0">
                 <a:solidFill>
                   <a:schemeClr val="tx1"/>
                 </a:solidFill>
@@ -4663,7 +4464,7 @@
               <a:t> in </a:t>
             </a:r>
             <a:r>
-              <a:rPr lang="de-DE" sz="1200" dirty="0" err="1">
+              <a:rPr lang="de-DE" sz="1100" dirty="0" err="1">
                 <a:solidFill>
                   <a:schemeClr val="tx1"/>
                 </a:solidFill>
@@ -4671,7 +4472,7 @@
               <a:t>metabolic</a:t>
             </a:r>
             <a:r>
-              <a:rPr lang="de-DE" sz="1200" dirty="0">
+              <a:rPr lang="de-DE" sz="1100" dirty="0">
                 <a:solidFill>
                   <a:schemeClr val="tx1"/>
                 </a:solidFill>
@@ -4679,14 +4480,14 @@
               <a:t> </a:t>
             </a:r>
             <a:r>
-              <a:rPr lang="de-DE" sz="1200" dirty="0" err="1">
+              <a:rPr lang="de-DE" sz="1100" dirty="0" err="1">
                 <a:solidFill>
                   <a:schemeClr val="tx1"/>
                 </a:solidFill>
               </a:rPr>
               <a:t>overview</a:t>
             </a:r>
-            <a:endParaRPr lang="de-DE" sz="1200" dirty="0">
+            <a:endParaRPr lang="de-DE" sz="1100" dirty="0">
               <a:solidFill>
                 <a:schemeClr val="tx1"/>
               </a:solidFill>
@@ -4710,8 +4511,8 @@
         </p:blipFill>
         <p:spPr>
           <a:xfrm>
-            <a:off x="3805242" y="6019485"/>
-            <a:ext cx="2348764" cy="1412716"/>
+            <a:off x="3779520" y="6148054"/>
+            <a:ext cx="2381469" cy="1432387"/>
           </a:xfrm>
           <a:prstGeom prst="rect">
             <a:avLst/>
@@ -4734,8 +4535,8 @@
         </p:blipFill>
         <p:spPr>
           <a:xfrm>
-            <a:off x="868193" y="6030772"/>
-            <a:ext cx="2081387" cy="1388259"/>
+            <a:off x="804106" y="6120622"/>
+            <a:ext cx="2211524" cy="1475059"/>
           </a:xfrm>
           <a:prstGeom prst="rect">
             <a:avLst/>
@@ -4758,7 +4559,7 @@
         </p:blipFill>
         <p:spPr>
           <a:xfrm>
-            <a:off x="1319213" y="3894283"/>
+            <a:off x="1319213" y="4153365"/>
             <a:ext cx="4252916" cy="1341346"/>
           </a:xfrm>
           <a:prstGeom prst="rect">
@@ -4768,14 +4569,14 @@
       </p:pic>
       <p:sp>
         <p:nvSpPr>
-          <p:cNvPr id="38" name="Pfeil nach unten 37"/>
+          <p:cNvPr id="71" name="Pfeil nach unten 70"/>
           <p:cNvSpPr/>
           <p:nvPr/>
         </p:nvSpPr>
         <p:spPr>
           <a:xfrm>
-            <a:off x="1841773" y="5220231"/>
-            <a:ext cx="134216" cy="287772"/>
+            <a:off x="2208653" y="3914257"/>
+            <a:ext cx="134216" cy="251009"/>
           </a:xfrm>
           <a:prstGeom prst="downArrow">
             <a:avLst/>
@@ -4808,14 +4609,14 @@
       </p:sp>
       <p:sp>
         <p:nvSpPr>
-          <p:cNvPr id="39" name="Pfeil nach unten 38"/>
+          <p:cNvPr id="72" name="Pfeil nach unten 71"/>
           <p:cNvSpPr/>
           <p:nvPr/>
         </p:nvSpPr>
         <p:spPr>
           <a:xfrm>
-            <a:off x="4904259" y="5221185"/>
-            <a:ext cx="134216" cy="287772"/>
+            <a:off x="4541461" y="3909684"/>
+            <a:ext cx="134216" cy="255582"/>
           </a:xfrm>
           <a:prstGeom prst="downArrow">
             <a:avLst/>
@@ -4848,14 +4649,14 @@
       </p:sp>
       <p:sp>
         <p:nvSpPr>
-          <p:cNvPr id="71" name="Pfeil nach unten 70"/>
+          <p:cNvPr id="40" name="Pfeil nach unten 39"/>
           <p:cNvSpPr/>
           <p:nvPr/>
         </p:nvSpPr>
         <p:spPr>
           <a:xfrm>
-            <a:off x="2208653" y="3652798"/>
-            <a:ext cx="134216" cy="251009"/>
+            <a:off x="3378092" y="1864856"/>
+            <a:ext cx="134216" cy="415386"/>
           </a:xfrm>
           <a:prstGeom prst="downArrow">
             <a:avLst/>
@@ -4886,15 +4687,275 @@
           </a:p>
         </p:txBody>
       </p:sp>
-      <p:sp>
-        <p:nvSpPr>
-          <p:cNvPr id="72" name="Pfeil nach unten 71"/>
+      <p:pic>
+        <p:nvPicPr>
+          <p:cNvPr id="32" name="Grafik 31"/>
+          <p:cNvPicPr>
+            <a:picLocks noChangeAspect="1"/>
+          </p:cNvPicPr>
+          <p:nvPr/>
+        </p:nvPicPr>
+        <p:blipFill>
+          <a:blip r:embed="rId6"/>
+          <a:stretch>
+            <a:fillRect/>
+          </a:stretch>
+        </p:blipFill>
+        <p:spPr>
+          <a:xfrm>
+            <a:off x="2212315" y="2493168"/>
+            <a:ext cx="2498676" cy="739775"/>
+          </a:xfrm>
+          <a:prstGeom prst="rect">
+            <a:avLst/>
+          </a:prstGeom>
+        </p:spPr>
+      </p:pic>
+      <p:sp>
+        <p:nvSpPr>
+          <p:cNvPr id="42" name="Abgerundetes Rechteck 41"/>
           <p:cNvSpPr/>
           <p:nvPr/>
         </p:nvSpPr>
         <p:spPr>
           <a:xfrm>
-            <a:off x="4541461" y="3648225"/>
+            <a:off x="2094879" y="2300279"/>
+            <a:ext cx="2734295" cy="945177"/>
+          </a:xfrm>
+          <a:prstGeom prst="roundRect">
+            <a:avLst>
+              <a:gd name="adj" fmla="val 5439"/>
+            </a:avLst>
+          </a:prstGeom>
+          <a:noFill/>
+          <a:ln w="19050">
+            <a:solidFill>
+              <a:schemeClr val="tx1"/>
+            </a:solidFill>
+          </a:ln>
+        </p:spPr>
+        <p:style>
+          <a:lnRef idx="2">
+            <a:schemeClr val="accent1">
+              <a:shade val="50000"/>
+            </a:schemeClr>
+          </a:lnRef>
+          <a:fillRef idx="1">
+            <a:schemeClr val="accent1"/>
+          </a:fillRef>
+          <a:effectRef idx="0">
+            <a:schemeClr val="accent1"/>
+          </a:effectRef>
+          <a:fontRef idx="minor">
+            <a:schemeClr val="lt1"/>
+          </a:fontRef>
+        </p:style>
+        <p:txBody>
+          <a:bodyPr tIns="0" rtlCol="0" anchor="t"/>
+          <a:lstStyle/>
+          <a:p>
+            <a:pPr algn="ctr"/>
+            <a:r>
+              <a:rPr lang="de-DE" sz="1100" dirty="0" smtClean="0">
+                <a:solidFill>
+                  <a:schemeClr val="tx1"/>
+                </a:solidFill>
+              </a:rPr>
+              <a:t>Import </a:t>
+            </a:r>
+            <a:r>
+              <a:rPr lang="de-DE" sz="1100" dirty="0" err="1" smtClean="0">
+                <a:solidFill>
+                  <a:schemeClr val="tx1"/>
+                </a:solidFill>
+              </a:rPr>
+              <a:t>data</a:t>
+            </a:r>
+            <a:r>
+              <a:rPr lang="de-DE" sz="1100" dirty="0" smtClean="0">
+                <a:solidFill>
+                  <a:schemeClr val="tx1"/>
+                </a:solidFill>
+              </a:rPr>
+              <a:t> </a:t>
+            </a:r>
+            <a:r>
+              <a:rPr lang="de-DE" sz="1100" dirty="0" err="1" smtClean="0">
+                <a:solidFill>
+                  <a:schemeClr val="tx1"/>
+                </a:solidFill>
+              </a:rPr>
+              <a:t>from</a:t>
+            </a:r>
+            <a:r>
+              <a:rPr lang="de-DE" sz="1100" dirty="0">
+                <a:solidFill>
+                  <a:schemeClr val="tx1"/>
+                </a:solidFill>
+              </a:rPr>
+              <a:t> </a:t>
+            </a:r>
+            <a:r>
+              <a:rPr lang="de-DE" sz="1100" dirty="0" err="1" smtClean="0">
+                <a:solidFill>
+                  <a:schemeClr val="tx1"/>
+                </a:solidFill>
+              </a:rPr>
+              <a:t>heterogeneous</a:t>
+            </a:r>
+            <a:r>
+              <a:rPr lang="de-DE" sz="1100" dirty="0" smtClean="0">
+                <a:solidFill>
+                  <a:schemeClr val="tx1"/>
+                </a:solidFill>
+              </a:rPr>
+              <a:t> </a:t>
+            </a:r>
+            <a:r>
+              <a:rPr lang="de-DE" sz="1100" dirty="0" err="1" smtClean="0">
+                <a:solidFill>
+                  <a:schemeClr val="tx1"/>
+                </a:solidFill>
+              </a:rPr>
+              <a:t>sources</a:t>
+            </a:r>
+            <a:endParaRPr lang="de-DE" sz="1100" dirty="0" smtClean="0">
+              <a:solidFill>
+                <a:schemeClr val="tx1"/>
+              </a:solidFill>
+            </a:endParaRPr>
+          </a:p>
+        </p:txBody>
+      </p:sp>
+      <p:sp>
+        <p:nvSpPr>
+          <p:cNvPr id="44" name="Pfeil nach unten 43"/>
+          <p:cNvSpPr/>
+          <p:nvPr/>
+        </p:nvSpPr>
+        <p:spPr>
+          <a:xfrm>
+            <a:off x="2208653" y="3255873"/>
+            <a:ext cx="134216" cy="251009"/>
+          </a:xfrm>
+          <a:prstGeom prst="downArrow">
+            <a:avLst/>
+          </a:prstGeom>
+        </p:spPr>
+        <p:style>
+          <a:lnRef idx="2">
+            <a:schemeClr val="dk1">
+              <a:shade val="50000"/>
+            </a:schemeClr>
+          </a:lnRef>
+          <a:fillRef idx="1">
+            <a:schemeClr val="dk1"/>
+          </a:fillRef>
+          <a:effectRef idx="0">
+            <a:schemeClr val="dk1"/>
+          </a:effectRef>
+          <a:fontRef idx="minor">
+            <a:schemeClr val="lt1"/>
+          </a:fontRef>
+        </p:style>
+        <p:txBody>
+          <a:bodyPr rtlCol="0" anchor="ctr"/>
+          <a:lstStyle/>
+          <a:p>
+            <a:pPr algn="ctr"/>
+            <a:endParaRPr lang="de-DE"/>
+          </a:p>
+        </p:txBody>
+      </p:sp>
+      <p:sp>
+        <p:nvSpPr>
+          <p:cNvPr id="45" name="Pfeil nach unten 44"/>
+          <p:cNvSpPr/>
+          <p:nvPr/>
+        </p:nvSpPr>
+        <p:spPr>
+          <a:xfrm>
+            <a:off x="4541461" y="3251300"/>
+            <a:ext cx="134216" cy="255582"/>
+          </a:xfrm>
+          <a:prstGeom prst="downArrow">
+            <a:avLst/>
+          </a:prstGeom>
+        </p:spPr>
+        <p:style>
+          <a:lnRef idx="2">
+            <a:schemeClr val="dk1">
+              <a:shade val="50000"/>
+            </a:schemeClr>
+          </a:lnRef>
+          <a:fillRef idx="1">
+            <a:schemeClr val="dk1"/>
+          </a:fillRef>
+          <a:effectRef idx="0">
+            <a:schemeClr val="dk1"/>
+          </a:effectRef>
+          <a:fontRef idx="minor">
+            <a:schemeClr val="lt1"/>
+          </a:fontRef>
+        </p:style>
+        <p:txBody>
+          <a:bodyPr rtlCol="0" anchor="ctr"/>
+          <a:lstStyle/>
+          <a:p>
+            <a:pPr algn="ctr"/>
+            <a:endParaRPr lang="de-DE"/>
+          </a:p>
+        </p:txBody>
+      </p:sp>
+      <p:sp>
+        <p:nvSpPr>
+          <p:cNvPr id="46" name="Pfeil nach unten 45"/>
+          <p:cNvSpPr/>
+          <p:nvPr/>
+        </p:nvSpPr>
+        <p:spPr>
+          <a:xfrm>
+            <a:off x="1842760" y="5480313"/>
+            <a:ext cx="134216" cy="251009"/>
+          </a:xfrm>
+          <a:prstGeom prst="downArrow">
+            <a:avLst/>
+          </a:prstGeom>
+        </p:spPr>
+        <p:style>
+          <a:lnRef idx="2">
+            <a:schemeClr val="dk1">
+              <a:shade val="50000"/>
+            </a:schemeClr>
+          </a:lnRef>
+          <a:fillRef idx="1">
+            <a:schemeClr val="dk1"/>
+          </a:fillRef>
+          <a:effectRef idx="0">
+            <a:schemeClr val="dk1"/>
+          </a:effectRef>
+          <a:fontRef idx="minor">
+            <a:schemeClr val="lt1"/>
+          </a:fontRef>
+        </p:style>
+        <p:txBody>
+          <a:bodyPr rtlCol="0" anchor="ctr"/>
+          <a:lstStyle/>
+          <a:p>
+            <a:pPr algn="ctr"/>
+            <a:endParaRPr lang="de-DE"/>
+          </a:p>
+        </p:txBody>
+      </p:sp>
+      <p:sp>
+        <p:nvSpPr>
+          <p:cNvPr id="47" name="Pfeil nach unten 46"/>
+          <p:cNvSpPr/>
+          <p:nvPr/>
+        </p:nvSpPr>
+        <p:spPr>
+          <a:xfrm>
+            <a:off x="4903146" y="5478272"/>
             <a:ext cx="134216" cy="255582"/>
           </a:xfrm>
           <a:prstGeom prst="downArrow">

--- a/doc/Publications/JChromatogrB-InCroMAP/InCroMAP_workflow.pptx
+++ b/doc/Publications/JChromatogrB-InCroMAP/InCroMAP_workflow.pptx
@@ -3944,11 +3944,11 @@
         <p:spPr>
           <a:xfrm>
             <a:off x="171455" y="2172963"/>
-            <a:ext cx="6547503" cy="5515617"/>
+            <a:ext cx="6547503" cy="5551812"/>
           </a:xfrm>
           <a:prstGeom prst="roundRect">
             <a:avLst>
-              <a:gd name="adj" fmla="val 2180"/>
+              <a:gd name="adj" fmla="val 1163"/>
             </a:avLst>
           </a:prstGeom>
           <a:noFill/>

--- a/doc/Publications/JChromatogrB-InCroMAP/InCroMAP_workflow.pptx
+++ b/doc/Publications/JChromatogrB-InCroMAP/InCroMAP_workflow.pptx
@@ -243,7 +243,7 @@
           <a:p>
             <a:fld id="{AAAB5D53-F5E7-436B-85BB-F08817CA0FEF}" type="datetimeFigureOut">
               <a:rPr lang="de-DE" smtClean="0"/>
-              <a:t>15.08.2013</a:t>
+              <a:t>16.08.2013</a:t>
             </a:fld>
             <a:endParaRPr lang="de-DE"/>
           </a:p>
@@ -413,7 +413,7 @@
           <a:p>
             <a:fld id="{AAAB5D53-F5E7-436B-85BB-F08817CA0FEF}" type="datetimeFigureOut">
               <a:rPr lang="de-DE" smtClean="0"/>
-              <a:t>15.08.2013</a:t>
+              <a:t>16.08.2013</a:t>
             </a:fld>
             <a:endParaRPr lang="de-DE"/>
           </a:p>
@@ -593,7 +593,7 @@
           <a:p>
             <a:fld id="{AAAB5D53-F5E7-436B-85BB-F08817CA0FEF}" type="datetimeFigureOut">
               <a:rPr lang="de-DE" smtClean="0"/>
-              <a:t>15.08.2013</a:t>
+              <a:t>16.08.2013</a:t>
             </a:fld>
             <a:endParaRPr lang="de-DE"/>
           </a:p>
@@ -763,7 +763,7 @@
           <a:p>
             <a:fld id="{AAAB5D53-F5E7-436B-85BB-F08817CA0FEF}" type="datetimeFigureOut">
               <a:rPr lang="de-DE" smtClean="0"/>
-              <a:t>15.08.2013</a:t>
+              <a:t>16.08.2013</a:t>
             </a:fld>
             <a:endParaRPr lang="de-DE"/>
           </a:p>
@@ -1007,7 +1007,7 @@
           <a:p>
             <a:fld id="{AAAB5D53-F5E7-436B-85BB-F08817CA0FEF}" type="datetimeFigureOut">
               <a:rPr lang="de-DE" smtClean="0"/>
-              <a:t>15.08.2013</a:t>
+              <a:t>16.08.2013</a:t>
             </a:fld>
             <a:endParaRPr lang="de-DE"/>
           </a:p>
@@ -1239,7 +1239,7 @@
           <a:p>
             <a:fld id="{AAAB5D53-F5E7-436B-85BB-F08817CA0FEF}" type="datetimeFigureOut">
               <a:rPr lang="de-DE" smtClean="0"/>
-              <a:t>15.08.2013</a:t>
+              <a:t>16.08.2013</a:t>
             </a:fld>
             <a:endParaRPr lang="de-DE"/>
           </a:p>
@@ -1606,7 +1606,7 @@
           <a:p>
             <a:fld id="{AAAB5D53-F5E7-436B-85BB-F08817CA0FEF}" type="datetimeFigureOut">
               <a:rPr lang="de-DE" smtClean="0"/>
-              <a:t>15.08.2013</a:t>
+              <a:t>16.08.2013</a:t>
             </a:fld>
             <a:endParaRPr lang="de-DE"/>
           </a:p>
@@ -1724,7 +1724,7 @@
           <a:p>
             <a:fld id="{AAAB5D53-F5E7-436B-85BB-F08817CA0FEF}" type="datetimeFigureOut">
               <a:rPr lang="de-DE" smtClean="0"/>
-              <a:t>15.08.2013</a:t>
+              <a:t>16.08.2013</a:t>
             </a:fld>
             <a:endParaRPr lang="de-DE"/>
           </a:p>
@@ -1819,7 +1819,7 @@
           <a:p>
             <a:fld id="{AAAB5D53-F5E7-436B-85BB-F08817CA0FEF}" type="datetimeFigureOut">
               <a:rPr lang="de-DE" smtClean="0"/>
-              <a:t>15.08.2013</a:t>
+              <a:t>16.08.2013</a:t>
             </a:fld>
             <a:endParaRPr lang="de-DE"/>
           </a:p>
@@ -2096,7 +2096,7 @@
           <a:p>
             <a:fld id="{AAAB5D53-F5E7-436B-85BB-F08817CA0FEF}" type="datetimeFigureOut">
               <a:rPr lang="de-DE" smtClean="0"/>
-              <a:t>15.08.2013</a:t>
+              <a:t>16.08.2013</a:t>
             </a:fld>
             <a:endParaRPr lang="de-DE"/>
           </a:p>
@@ -2353,7 +2353,7 @@
           <a:p>
             <a:fld id="{AAAB5D53-F5E7-436B-85BB-F08817CA0FEF}" type="datetimeFigureOut">
               <a:rPr lang="de-DE" smtClean="0"/>
-              <a:t>15.08.2013</a:t>
+              <a:t>16.08.2013</a:t>
             </a:fld>
             <a:endParaRPr lang="de-DE"/>
           </a:p>
@@ -2566,7 +2566,7 @@
           <a:p>
             <a:fld id="{AAAB5D53-F5E7-436B-85BB-F08817CA0FEF}" type="datetimeFigureOut">
               <a:rPr lang="de-DE" smtClean="0"/>
-              <a:t>15.08.2013</a:t>
+              <a:t>16.08.2013</a:t>
             </a:fld>
             <a:endParaRPr lang="de-DE"/>
           </a:p>
@@ -4521,30 +4521,6 @@
       </p:pic>
       <p:pic>
         <p:nvPicPr>
-          <p:cNvPr id="37" name="Inhaltsplatzhalter 8" descr="mmu04110.png"/>
-          <p:cNvPicPr>
-            <a:picLocks noChangeAspect="1"/>
-          </p:cNvPicPr>
-          <p:nvPr/>
-        </p:nvPicPr>
-        <p:blipFill>
-          <a:blip r:embed="rId4" cstate="print"/>
-          <a:stretch>
-            <a:fillRect/>
-          </a:stretch>
-        </p:blipFill>
-        <p:spPr>
-          <a:xfrm>
-            <a:off x="804106" y="6120622"/>
-            <a:ext cx="2211524" cy="1475059"/>
-          </a:xfrm>
-          <a:prstGeom prst="rect">
-            <a:avLst/>
-          </a:prstGeom>
-        </p:spPr>
-      </p:pic>
-      <p:pic>
-        <p:nvPicPr>
           <p:cNvPr id="3" name="Grafik 2"/>
           <p:cNvPicPr>
             <a:picLocks noChangeAspect="1"/>
@@ -4552,7 +4528,7 @@
           <p:nvPr/>
         </p:nvPicPr>
         <p:blipFill>
-          <a:blip r:embed="rId5"/>
+          <a:blip r:embed="rId4"/>
           <a:stretch>
             <a:fillRect/>
           </a:stretch>
@@ -4696,7 +4672,7 @@
           <p:nvPr/>
         </p:nvPicPr>
         <p:blipFill>
-          <a:blip r:embed="rId6"/>
+          <a:blip r:embed="rId5"/>
           <a:stretch>
             <a:fillRect/>
           </a:stretch>
@@ -4987,6 +4963,30 @@
           </a:p>
         </p:txBody>
       </p:sp>
+      <p:pic>
+        <p:nvPicPr>
+          <p:cNvPr id="2" name="Grafik 1"/>
+          <p:cNvPicPr>
+            <a:picLocks noChangeAspect="1"/>
+          </p:cNvPicPr>
+          <p:nvPr/>
+        </p:nvPicPr>
+        <p:blipFill>
+          <a:blip r:embed="rId6"/>
+          <a:stretch>
+            <a:fillRect/>
+          </a:stretch>
+        </p:blipFill>
+        <p:spPr>
+          <a:xfrm>
+            <a:off x="758302" y="6145668"/>
+            <a:ext cx="2332555" cy="1434773"/>
+          </a:xfrm>
+          <a:prstGeom prst="rect">
+            <a:avLst/>
+          </a:prstGeom>
+        </p:spPr>
+      </p:pic>
     </p:spTree>
     <p:extLst>
       <p:ext uri="{BB962C8B-B14F-4D97-AF65-F5344CB8AC3E}">
@@ -5032,33 +5032,6 @@
                                         </p:cTn>
                                         <p:tgtEl>
                                           <p:spTgt spid="36"/>
-                                        </p:tgtEl>
-                                        <p:attrNameLst>
-                                          <p:attrName>style.visibility</p:attrName>
-                                        </p:attrNameLst>
-                                      </p:cBhvr>
-                                      <p:to>
-                                        <p:strVal val="visible"/>
-                                      </p:to>
-                                    </p:set>
-                                  </p:childTnLst>
-                                </p:cTn>
-                              </p:par>
-                              <p:par>
-                                <p:cTn id="7" presetID="1" presetClass="entr" presetSubtype="0" fill="hold" nodeType="withEffect">
-                                  <p:stCondLst>
-                                    <p:cond delay="0"/>
-                                  </p:stCondLst>
-                                  <p:childTnLst>
-                                    <p:set>
-                                      <p:cBhvr>
-                                        <p:cTn id="8" dur="1" fill="hold">
-                                          <p:stCondLst>
-                                            <p:cond delay="0"/>
-                                          </p:stCondLst>
-                                        </p:cTn>
-                                        <p:tgtEl>
-                                          <p:spTgt spid="37"/>
                                         </p:tgtEl>
                                         <p:attrNameLst>
                                           <p:attrName>style.visibility</p:attrName>

--- a/doc/Publications/JChromatogrB-InCroMAP/InCroMAP_workflow.pptx
+++ b/doc/Publications/JChromatogrB-InCroMAP/InCroMAP_workflow.pptx
@@ -243,7 +243,7 @@
           <a:p>
             <a:fld id="{AAAB5D53-F5E7-436B-85BB-F08817CA0FEF}" type="datetimeFigureOut">
               <a:rPr lang="de-DE" smtClean="0"/>
-              <a:t>16.08.2013</a:t>
+              <a:t>18.08.2013</a:t>
             </a:fld>
             <a:endParaRPr lang="de-DE"/>
           </a:p>
@@ -413,7 +413,7 @@
           <a:p>
             <a:fld id="{AAAB5D53-F5E7-436B-85BB-F08817CA0FEF}" type="datetimeFigureOut">
               <a:rPr lang="de-DE" smtClean="0"/>
-              <a:t>16.08.2013</a:t>
+              <a:t>18.08.2013</a:t>
             </a:fld>
             <a:endParaRPr lang="de-DE"/>
           </a:p>
@@ -593,7 +593,7 @@
           <a:p>
             <a:fld id="{AAAB5D53-F5E7-436B-85BB-F08817CA0FEF}" type="datetimeFigureOut">
               <a:rPr lang="de-DE" smtClean="0"/>
-              <a:t>16.08.2013</a:t>
+              <a:t>18.08.2013</a:t>
             </a:fld>
             <a:endParaRPr lang="de-DE"/>
           </a:p>
@@ -763,7 +763,7 @@
           <a:p>
             <a:fld id="{AAAB5D53-F5E7-436B-85BB-F08817CA0FEF}" type="datetimeFigureOut">
               <a:rPr lang="de-DE" smtClean="0"/>
-              <a:t>16.08.2013</a:t>
+              <a:t>18.08.2013</a:t>
             </a:fld>
             <a:endParaRPr lang="de-DE"/>
           </a:p>
@@ -1007,7 +1007,7 @@
           <a:p>
             <a:fld id="{AAAB5D53-F5E7-436B-85BB-F08817CA0FEF}" type="datetimeFigureOut">
               <a:rPr lang="de-DE" smtClean="0"/>
-              <a:t>16.08.2013</a:t>
+              <a:t>18.08.2013</a:t>
             </a:fld>
             <a:endParaRPr lang="de-DE"/>
           </a:p>
@@ -1239,7 +1239,7 @@
           <a:p>
             <a:fld id="{AAAB5D53-F5E7-436B-85BB-F08817CA0FEF}" type="datetimeFigureOut">
               <a:rPr lang="de-DE" smtClean="0"/>
-              <a:t>16.08.2013</a:t>
+              <a:t>18.08.2013</a:t>
             </a:fld>
             <a:endParaRPr lang="de-DE"/>
           </a:p>
@@ -1606,7 +1606,7 @@
           <a:p>
             <a:fld id="{AAAB5D53-F5E7-436B-85BB-F08817CA0FEF}" type="datetimeFigureOut">
               <a:rPr lang="de-DE" smtClean="0"/>
-              <a:t>16.08.2013</a:t>
+              <a:t>18.08.2013</a:t>
             </a:fld>
             <a:endParaRPr lang="de-DE"/>
           </a:p>
@@ -1724,7 +1724,7 @@
           <a:p>
             <a:fld id="{AAAB5D53-F5E7-436B-85BB-F08817CA0FEF}" type="datetimeFigureOut">
               <a:rPr lang="de-DE" smtClean="0"/>
-              <a:t>16.08.2013</a:t>
+              <a:t>18.08.2013</a:t>
             </a:fld>
             <a:endParaRPr lang="de-DE"/>
           </a:p>
@@ -1819,7 +1819,7 @@
           <a:p>
             <a:fld id="{AAAB5D53-F5E7-436B-85BB-F08817CA0FEF}" type="datetimeFigureOut">
               <a:rPr lang="de-DE" smtClean="0"/>
-              <a:t>16.08.2013</a:t>
+              <a:t>18.08.2013</a:t>
             </a:fld>
             <a:endParaRPr lang="de-DE"/>
           </a:p>
@@ -2096,7 +2096,7 @@
           <a:p>
             <a:fld id="{AAAB5D53-F5E7-436B-85BB-F08817CA0FEF}" type="datetimeFigureOut">
               <a:rPr lang="de-DE" smtClean="0"/>
-              <a:t>16.08.2013</a:t>
+              <a:t>18.08.2013</a:t>
             </a:fld>
             <a:endParaRPr lang="de-DE"/>
           </a:p>
@@ -2353,7 +2353,7 @@
           <a:p>
             <a:fld id="{AAAB5D53-F5E7-436B-85BB-F08817CA0FEF}" type="datetimeFigureOut">
               <a:rPr lang="de-DE" smtClean="0"/>
-              <a:t>16.08.2013</a:t>
+              <a:t>18.08.2013</a:t>
             </a:fld>
             <a:endParaRPr lang="de-DE"/>
           </a:p>
@@ -2566,7 +2566,7 @@
           <a:p>
             <a:fld id="{AAAB5D53-F5E7-436B-85BB-F08817CA0FEF}" type="datetimeFigureOut">
               <a:rPr lang="de-DE" smtClean="0"/>
-              <a:t>16.08.2013</a:t>
+              <a:t>18.08.2013</a:t>
             </a:fld>
             <a:endParaRPr lang="de-DE"/>
           </a:p>
@@ -3299,12 +3299,12 @@
           <a:p>
             <a:pPr algn="ctr"/>
             <a:r>
-              <a:rPr lang="de-DE" sz="1100" dirty="0" err="1">
-                <a:solidFill>
-                  <a:schemeClr val="tx1"/>
-                </a:solidFill>
-              </a:rPr>
-              <a:t>Pre-processing</a:t>
+              <a:rPr lang="de-DE" sz="1100" smtClean="0">
+                <a:solidFill>
+                  <a:schemeClr val="tx1"/>
+                </a:solidFill>
+              </a:rPr>
+              <a:t>Preprocessing</a:t>
             </a:r>
             <a:endParaRPr lang="de-DE" sz="1100" dirty="0">
               <a:solidFill>

--- a/doc/Publications/JChromatogrB-InCroMAP/InCroMAP_workflow.pptx
+++ b/doc/Publications/JChromatogrB-InCroMAP/InCroMAP_workflow.pptx
@@ -2,12 +2,12 @@
 <file path=ppt/presentation.xml><?xml version="1.0" encoding="utf-8"?>
 <p:presentation xmlns:a="http://schemas.openxmlformats.org/drawingml/2006/main" xmlns:r="http://schemas.openxmlformats.org/officeDocument/2006/relationships" xmlns:p="http://schemas.openxmlformats.org/presentationml/2006/main" saveSubsetFonts="1">
   <p:sldMasterIdLst>
-    <p:sldMasterId id="2147483720" r:id="rId1"/>
+    <p:sldMasterId id="2147483732" r:id="rId1"/>
   </p:sldMasterIdLst>
   <p:sldIdLst>
     <p:sldId id="256" r:id="rId2"/>
   </p:sldIdLst>
-  <p:sldSz cx="6858000" cy="7745413"/>
+  <p:sldSz cx="6858000" cy="8466138"/>
   <p:notesSz cx="6858000" cy="9144000"/>
   <p:defaultTextStyle>
     <a:defPPr>
@@ -141,8 +141,8 @@
         </p:nvSpPr>
         <p:spPr>
           <a:xfrm>
-            <a:off x="514350" y="1267595"/>
-            <a:ext cx="5829300" cy="2696551"/>
+            <a:off x="514350" y="1385547"/>
+            <a:ext cx="5829300" cy="2947470"/>
           </a:xfrm>
         </p:spPr>
         <p:txBody>
@@ -173,8 +173,8 @@
         </p:nvSpPr>
         <p:spPr>
           <a:xfrm>
-            <a:off x="857250" y="4068135"/>
-            <a:ext cx="5143500" cy="1870015"/>
+            <a:off x="857250" y="4446683"/>
+            <a:ext cx="5143500" cy="2044023"/>
           </a:xfrm>
         </p:spPr>
         <p:txBody>
@@ -243,7 +243,7 @@
           <a:p>
             <a:fld id="{AAAB5D53-F5E7-436B-85BB-F08817CA0FEF}" type="datetimeFigureOut">
               <a:rPr lang="de-DE" smtClean="0"/>
-              <a:t>18.08.2013</a:t>
+              <a:t>19.08.2013</a:t>
             </a:fld>
             <a:endParaRPr lang="de-DE"/>
           </a:p>
@@ -294,7 +294,7 @@
     </p:spTree>
     <p:extLst>
       <p:ext uri="{BB962C8B-B14F-4D97-AF65-F5344CB8AC3E}">
-        <p14:creationId xmlns:p14="http://schemas.microsoft.com/office/powerpoint/2010/main" val="987682685"/>
+        <p14:creationId xmlns:p14="http://schemas.microsoft.com/office/powerpoint/2010/main" val="1078272058"/>
       </p:ext>
     </p:extLst>
   </p:cSld>
@@ -413,7 +413,7 @@
           <a:p>
             <a:fld id="{AAAB5D53-F5E7-436B-85BB-F08817CA0FEF}" type="datetimeFigureOut">
               <a:rPr lang="de-DE" smtClean="0"/>
-              <a:t>18.08.2013</a:t>
+              <a:t>19.08.2013</a:t>
             </a:fld>
             <a:endParaRPr lang="de-DE"/>
           </a:p>
@@ -464,7 +464,7 @@
     </p:spTree>
     <p:extLst>
       <p:ext uri="{BB962C8B-B14F-4D97-AF65-F5344CB8AC3E}">
-        <p14:creationId xmlns:p14="http://schemas.microsoft.com/office/powerpoint/2010/main" val="3427358973"/>
+        <p14:creationId xmlns:p14="http://schemas.microsoft.com/office/powerpoint/2010/main" val="1311255380"/>
       </p:ext>
     </p:extLst>
   </p:cSld>
@@ -503,8 +503,8 @@
         </p:nvSpPr>
         <p:spPr>
           <a:xfrm>
-            <a:off x="4907757" y="412372"/>
-            <a:ext cx="1478756" cy="6563879"/>
+            <a:off x="4907757" y="450743"/>
+            <a:ext cx="1478756" cy="7174661"/>
           </a:xfrm>
         </p:spPr>
         <p:txBody>
@@ -531,8 +531,8 @@
         </p:nvSpPr>
         <p:spPr>
           <a:xfrm>
-            <a:off x="471488" y="412372"/>
-            <a:ext cx="4350544" cy="6563879"/>
+            <a:off x="471488" y="450743"/>
+            <a:ext cx="4350544" cy="7174661"/>
           </a:xfrm>
         </p:spPr>
         <p:txBody>
@@ -593,7 +593,7 @@
           <a:p>
             <a:fld id="{AAAB5D53-F5E7-436B-85BB-F08817CA0FEF}" type="datetimeFigureOut">
               <a:rPr lang="de-DE" smtClean="0"/>
-              <a:t>18.08.2013</a:t>
+              <a:t>19.08.2013</a:t>
             </a:fld>
             <a:endParaRPr lang="de-DE"/>
           </a:p>
@@ -644,7 +644,7 @@
     </p:spTree>
     <p:extLst>
       <p:ext uri="{BB962C8B-B14F-4D97-AF65-F5344CB8AC3E}">
-        <p14:creationId xmlns:p14="http://schemas.microsoft.com/office/powerpoint/2010/main" val="1241041590"/>
+        <p14:creationId xmlns:p14="http://schemas.microsoft.com/office/powerpoint/2010/main" val="1982335472"/>
       </p:ext>
     </p:extLst>
   </p:cSld>
@@ -763,7 +763,7 @@
           <a:p>
             <a:fld id="{AAAB5D53-F5E7-436B-85BB-F08817CA0FEF}" type="datetimeFigureOut">
               <a:rPr lang="de-DE" smtClean="0"/>
-              <a:t>18.08.2013</a:t>
+              <a:t>19.08.2013</a:t>
             </a:fld>
             <a:endParaRPr lang="de-DE"/>
           </a:p>
@@ -814,7 +814,7 @@
     </p:spTree>
     <p:extLst>
       <p:ext uri="{BB962C8B-B14F-4D97-AF65-F5344CB8AC3E}">
-        <p14:creationId xmlns:p14="http://schemas.microsoft.com/office/powerpoint/2010/main" val="3724395835"/>
+        <p14:creationId xmlns:p14="http://schemas.microsoft.com/office/powerpoint/2010/main" val="4176661520"/>
       </p:ext>
     </p:extLst>
   </p:cSld>
@@ -853,8 +853,8 @@
         </p:nvSpPr>
         <p:spPr>
           <a:xfrm>
-            <a:off x="467916" y="1930977"/>
-            <a:ext cx="5915025" cy="3221876"/>
+            <a:off x="467916" y="2110658"/>
+            <a:ext cx="5915025" cy="3521678"/>
           </a:xfrm>
         </p:spPr>
         <p:txBody>
@@ -885,8 +885,8 @@
         </p:nvSpPr>
         <p:spPr>
           <a:xfrm>
-            <a:off x="467916" y="5183333"/>
-            <a:ext cx="5915025" cy="1694309"/>
+            <a:off x="467916" y="5665652"/>
+            <a:ext cx="5915025" cy="1851967"/>
           </a:xfrm>
         </p:spPr>
         <p:txBody>
@@ -1007,7 +1007,7 @@
           <a:p>
             <a:fld id="{AAAB5D53-F5E7-436B-85BB-F08817CA0FEF}" type="datetimeFigureOut">
               <a:rPr lang="de-DE" smtClean="0"/>
-              <a:t>18.08.2013</a:t>
+              <a:t>19.08.2013</a:t>
             </a:fld>
             <a:endParaRPr lang="de-DE"/>
           </a:p>
@@ -1058,7 +1058,7 @@
     </p:spTree>
     <p:extLst>
       <p:ext uri="{BB962C8B-B14F-4D97-AF65-F5344CB8AC3E}">
-        <p14:creationId xmlns:p14="http://schemas.microsoft.com/office/powerpoint/2010/main" val="2462793247"/>
+        <p14:creationId xmlns:p14="http://schemas.microsoft.com/office/powerpoint/2010/main" val="1806995945"/>
       </p:ext>
     </p:extLst>
   </p:cSld>
@@ -1120,8 +1120,8 @@
         </p:nvSpPr>
         <p:spPr>
           <a:xfrm>
-            <a:off x="471488" y="2061858"/>
-            <a:ext cx="2914650" cy="4914393"/>
+            <a:off x="471488" y="2253717"/>
+            <a:ext cx="2914650" cy="5371687"/>
           </a:xfrm>
         </p:spPr>
         <p:txBody>
@@ -1177,8 +1177,8 @@
         </p:nvSpPr>
         <p:spPr>
           <a:xfrm>
-            <a:off x="3471863" y="2061858"/>
-            <a:ext cx="2914650" cy="4914393"/>
+            <a:off x="3471863" y="2253717"/>
+            <a:ext cx="2914650" cy="5371687"/>
           </a:xfrm>
         </p:spPr>
         <p:txBody>
@@ -1239,7 +1239,7 @@
           <a:p>
             <a:fld id="{AAAB5D53-F5E7-436B-85BB-F08817CA0FEF}" type="datetimeFigureOut">
               <a:rPr lang="de-DE" smtClean="0"/>
-              <a:t>18.08.2013</a:t>
+              <a:t>19.08.2013</a:t>
             </a:fld>
             <a:endParaRPr lang="de-DE"/>
           </a:p>
@@ -1290,7 +1290,7 @@
     </p:spTree>
     <p:extLst>
       <p:ext uri="{BB962C8B-B14F-4D97-AF65-F5344CB8AC3E}">
-        <p14:creationId xmlns:p14="http://schemas.microsoft.com/office/powerpoint/2010/main" val="2453087948"/>
+        <p14:creationId xmlns:p14="http://schemas.microsoft.com/office/powerpoint/2010/main" val="2037762447"/>
       </p:ext>
     </p:extLst>
   </p:cSld>
@@ -1329,8 +1329,8 @@
         </p:nvSpPr>
         <p:spPr>
           <a:xfrm>
-            <a:off x="472381" y="412373"/>
-            <a:ext cx="5915025" cy="1497088"/>
+            <a:off x="472381" y="450745"/>
+            <a:ext cx="5915025" cy="1636395"/>
           </a:xfrm>
         </p:spPr>
         <p:txBody>
@@ -1357,8 +1357,8 @@
         </p:nvSpPr>
         <p:spPr>
           <a:xfrm>
-            <a:off x="472381" y="1898702"/>
-            <a:ext cx="2901255" cy="930525"/>
+            <a:off x="472381" y="2075380"/>
+            <a:ext cx="2901255" cy="1017112"/>
           </a:xfrm>
         </p:spPr>
         <p:txBody>
@@ -1422,8 +1422,8 @@
         </p:nvSpPr>
         <p:spPr>
           <a:xfrm>
-            <a:off x="472381" y="2829227"/>
-            <a:ext cx="2901255" cy="4161367"/>
+            <a:off x="472381" y="3092492"/>
+            <a:ext cx="2901255" cy="4548590"/>
           </a:xfrm>
         </p:spPr>
         <p:txBody>
@@ -1479,8 +1479,8 @@
         </p:nvSpPr>
         <p:spPr>
           <a:xfrm>
-            <a:off x="3471863" y="1898702"/>
-            <a:ext cx="2915543" cy="930525"/>
+            <a:off x="3471863" y="2075380"/>
+            <a:ext cx="2915543" cy="1017112"/>
           </a:xfrm>
         </p:spPr>
         <p:txBody>
@@ -1544,8 +1544,8 @@
         </p:nvSpPr>
         <p:spPr>
           <a:xfrm>
-            <a:off x="3471863" y="2829227"/>
-            <a:ext cx="2915543" cy="4161367"/>
+            <a:off x="3471863" y="3092492"/>
+            <a:ext cx="2915543" cy="4548590"/>
           </a:xfrm>
         </p:spPr>
         <p:txBody>
@@ -1606,7 +1606,7 @@
           <a:p>
             <a:fld id="{AAAB5D53-F5E7-436B-85BB-F08817CA0FEF}" type="datetimeFigureOut">
               <a:rPr lang="de-DE" smtClean="0"/>
-              <a:t>18.08.2013</a:t>
+              <a:t>19.08.2013</a:t>
             </a:fld>
             <a:endParaRPr lang="de-DE"/>
           </a:p>
@@ -1657,7 +1657,7 @@
     </p:spTree>
     <p:extLst>
       <p:ext uri="{BB962C8B-B14F-4D97-AF65-F5344CB8AC3E}">
-        <p14:creationId xmlns:p14="http://schemas.microsoft.com/office/powerpoint/2010/main" val="2703869497"/>
+        <p14:creationId xmlns:p14="http://schemas.microsoft.com/office/powerpoint/2010/main" val="4227992094"/>
       </p:ext>
     </p:extLst>
   </p:cSld>
@@ -1724,7 +1724,7 @@
           <a:p>
             <a:fld id="{AAAB5D53-F5E7-436B-85BB-F08817CA0FEF}" type="datetimeFigureOut">
               <a:rPr lang="de-DE" smtClean="0"/>
-              <a:t>18.08.2013</a:t>
+              <a:t>19.08.2013</a:t>
             </a:fld>
             <a:endParaRPr lang="de-DE"/>
           </a:p>
@@ -1775,7 +1775,7 @@
     </p:spTree>
     <p:extLst>
       <p:ext uri="{BB962C8B-B14F-4D97-AF65-F5344CB8AC3E}">
-        <p14:creationId xmlns:p14="http://schemas.microsoft.com/office/powerpoint/2010/main" val="1513700705"/>
+        <p14:creationId xmlns:p14="http://schemas.microsoft.com/office/powerpoint/2010/main" val="3902939582"/>
       </p:ext>
     </p:extLst>
   </p:cSld>
@@ -1819,7 +1819,7 @@
           <a:p>
             <a:fld id="{AAAB5D53-F5E7-436B-85BB-F08817CA0FEF}" type="datetimeFigureOut">
               <a:rPr lang="de-DE" smtClean="0"/>
-              <a:t>18.08.2013</a:t>
+              <a:t>19.08.2013</a:t>
             </a:fld>
             <a:endParaRPr lang="de-DE"/>
           </a:p>
@@ -1870,7 +1870,7 @@
     </p:spTree>
     <p:extLst>
       <p:ext uri="{BB962C8B-B14F-4D97-AF65-F5344CB8AC3E}">
-        <p14:creationId xmlns:p14="http://schemas.microsoft.com/office/powerpoint/2010/main" val="702589373"/>
+        <p14:creationId xmlns:p14="http://schemas.microsoft.com/office/powerpoint/2010/main" val="3318743799"/>
       </p:ext>
     </p:extLst>
   </p:cSld>
@@ -1909,8 +1909,8 @@
         </p:nvSpPr>
         <p:spPr>
           <a:xfrm>
-            <a:off x="472381" y="516361"/>
-            <a:ext cx="2211884" cy="1807263"/>
+            <a:off x="472381" y="564409"/>
+            <a:ext cx="2211884" cy="1975432"/>
           </a:xfrm>
         </p:spPr>
         <p:txBody>
@@ -1941,8 +1941,8 @@
         </p:nvSpPr>
         <p:spPr>
           <a:xfrm>
-            <a:off x="2915543" y="1115198"/>
-            <a:ext cx="3471863" cy="5504263"/>
+            <a:off x="2915543" y="1218969"/>
+            <a:ext cx="3471863" cy="6016445"/>
           </a:xfrm>
         </p:spPr>
         <p:txBody>
@@ -2026,8 +2026,8 @@
         </p:nvSpPr>
         <p:spPr>
           <a:xfrm>
-            <a:off x="472381" y="2323624"/>
-            <a:ext cx="2211884" cy="4304801"/>
+            <a:off x="472381" y="2539842"/>
+            <a:ext cx="2211884" cy="4705370"/>
           </a:xfrm>
         </p:spPr>
         <p:txBody>
@@ -2096,7 +2096,7 @@
           <a:p>
             <a:fld id="{AAAB5D53-F5E7-436B-85BB-F08817CA0FEF}" type="datetimeFigureOut">
               <a:rPr lang="de-DE" smtClean="0"/>
-              <a:t>18.08.2013</a:t>
+              <a:t>19.08.2013</a:t>
             </a:fld>
             <a:endParaRPr lang="de-DE"/>
           </a:p>
@@ -2147,7 +2147,7 @@
     </p:spTree>
     <p:extLst>
       <p:ext uri="{BB962C8B-B14F-4D97-AF65-F5344CB8AC3E}">
-        <p14:creationId xmlns:p14="http://schemas.microsoft.com/office/powerpoint/2010/main" val="558567375"/>
+        <p14:creationId xmlns:p14="http://schemas.microsoft.com/office/powerpoint/2010/main" val="3891305701"/>
       </p:ext>
     </p:extLst>
   </p:cSld>
@@ -2186,8 +2186,8 @@
         </p:nvSpPr>
         <p:spPr>
           <a:xfrm>
-            <a:off x="472381" y="516361"/>
-            <a:ext cx="2211884" cy="1807263"/>
+            <a:off x="472381" y="564409"/>
+            <a:ext cx="2211884" cy="1975432"/>
           </a:xfrm>
         </p:spPr>
         <p:txBody>
@@ -2218,8 +2218,8 @@
         </p:nvSpPr>
         <p:spPr>
           <a:xfrm>
-            <a:off x="2915543" y="1115198"/>
-            <a:ext cx="3471863" cy="5504263"/>
+            <a:off x="2915543" y="1218969"/>
+            <a:ext cx="3471863" cy="6016445"/>
           </a:xfrm>
         </p:spPr>
         <p:txBody>
@@ -2283,8 +2283,8 @@
         </p:nvSpPr>
         <p:spPr>
           <a:xfrm>
-            <a:off x="472381" y="2323624"/>
-            <a:ext cx="2211884" cy="4304801"/>
+            <a:off x="472381" y="2539842"/>
+            <a:ext cx="2211884" cy="4705370"/>
           </a:xfrm>
         </p:spPr>
         <p:txBody>
@@ -2353,7 +2353,7 @@
           <a:p>
             <a:fld id="{AAAB5D53-F5E7-436B-85BB-F08817CA0FEF}" type="datetimeFigureOut">
               <a:rPr lang="de-DE" smtClean="0"/>
-              <a:t>18.08.2013</a:t>
+              <a:t>19.08.2013</a:t>
             </a:fld>
             <a:endParaRPr lang="de-DE"/>
           </a:p>
@@ -2404,7 +2404,7 @@
     </p:spTree>
     <p:extLst>
       <p:ext uri="{BB962C8B-B14F-4D97-AF65-F5344CB8AC3E}">
-        <p14:creationId xmlns:p14="http://schemas.microsoft.com/office/powerpoint/2010/main" val="1056502719"/>
+        <p14:creationId xmlns:p14="http://schemas.microsoft.com/office/powerpoint/2010/main" val="2420284523"/>
       </p:ext>
     </p:extLst>
   </p:cSld>
@@ -2448,8 +2448,8 @@
         </p:nvSpPr>
         <p:spPr>
           <a:xfrm>
-            <a:off x="471488" y="412373"/>
-            <a:ext cx="5915025" cy="1497088"/>
+            <a:off x="471488" y="450745"/>
+            <a:ext cx="5915025" cy="1636395"/>
           </a:xfrm>
           <a:prstGeom prst="rect">
             <a:avLst/>
@@ -2481,8 +2481,8 @@
         </p:nvSpPr>
         <p:spPr>
           <a:xfrm>
-            <a:off x="471488" y="2061858"/>
-            <a:ext cx="5915025" cy="4914393"/>
+            <a:off x="471488" y="2253717"/>
+            <a:ext cx="5915025" cy="5371687"/>
           </a:xfrm>
           <a:prstGeom prst="rect">
             <a:avLst/>
@@ -2543,8 +2543,8 @@
         </p:nvSpPr>
         <p:spPr>
           <a:xfrm>
-            <a:off x="471488" y="7178852"/>
-            <a:ext cx="1543050" cy="412372"/>
+            <a:off x="471488" y="7846858"/>
+            <a:ext cx="1543050" cy="450743"/>
           </a:xfrm>
           <a:prstGeom prst="rect">
             <a:avLst/>
@@ -2566,7 +2566,7 @@
           <a:p>
             <a:fld id="{AAAB5D53-F5E7-436B-85BB-F08817CA0FEF}" type="datetimeFigureOut">
               <a:rPr lang="de-DE" smtClean="0"/>
-              <a:t>18.08.2013</a:t>
+              <a:t>19.08.2013</a:t>
             </a:fld>
             <a:endParaRPr lang="de-DE"/>
           </a:p>
@@ -2584,8 +2584,8 @@
         </p:nvSpPr>
         <p:spPr>
           <a:xfrm>
-            <a:off x="2271713" y="7178852"/>
-            <a:ext cx="2314575" cy="412372"/>
+            <a:off x="2271713" y="7846858"/>
+            <a:ext cx="2314575" cy="450743"/>
           </a:xfrm>
           <a:prstGeom prst="rect">
             <a:avLst/>
@@ -2621,8 +2621,8 @@
         </p:nvSpPr>
         <p:spPr>
           <a:xfrm>
-            <a:off x="4843463" y="7178852"/>
-            <a:ext cx="1543050" cy="412372"/>
+            <a:off x="4843463" y="7846858"/>
+            <a:ext cx="1543050" cy="450743"/>
           </a:xfrm>
           <a:prstGeom prst="rect">
             <a:avLst/>
@@ -2653,23 +2653,23 @@
     </p:spTree>
     <p:extLst>
       <p:ext uri="{BB962C8B-B14F-4D97-AF65-F5344CB8AC3E}">
-        <p14:creationId xmlns:p14="http://schemas.microsoft.com/office/powerpoint/2010/main" val="3926211104"/>
+        <p14:creationId xmlns:p14="http://schemas.microsoft.com/office/powerpoint/2010/main" val="1784323492"/>
       </p:ext>
     </p:extLst>
   </p:cSld>
   <p:clrMap bg1="lt1" tx1="dk1" bg2="lt2" tx2="dk2" accent1="accent1" accent2="accent2" accent3="accent3" accent4="accent4" accent5="accent5" accent6="accent6" hlink="hlink" folHlink="folHlink"/>
   <p:sldLayoutIdLst>
-    <p:sldLayoutId id="2147483721" r:id="rId1"/>
-    <p:sldLayoutId id="2147483722" r:id="rId2"/>
-    <p:sldLayoutId id="2147483723" r:id="rId3"/>
-    <p:sldLayoutId id="2147483724" r:id="rId4"/>
-    <p:sldLayoutId id="2147483725" r:id="rId5"/>
-    <p:sldLayoutId id="2147483726" r:id="rId6"/>
-    <p:sldLayoutId id="2147483727" r:id="rId7"/>
-    <p:sldLayoutId id="2147483728" r:id="rId8"/>
-    <p:sldLayoutId id="2147483729" r:id="rId9"/>
-    <p:sldLayoutId id="2147483730" r:id="rId10"/>
-    <p:sldLayoutId id="2147483731" r:id="rId11"/>
+    <p:sldLayoutId id="2147483733" r:id="rId1"/>
+    <p:sldLayoutId id="2147483734" r:id="rId2"/>
+    <p:sldLayoutId id="2147483735" r:id="rId3"/>
+    <p:sldLayoutId id="2147483736" r:id="rId4"/>
+    <p:sldLayoutId id="2147483737" r:id="rId5"/>
+    <p:sldLayoutId id="2147483738" r:id="rId6"/>
+    <p:sldLayoutId id="2147483739" r:id="rId7"/>
+    <p:sldLayoutId id="2147483740" r:id="rId8"/>
+    <p:sldLayoutId id="2147483741" r:id="rId9"/>
+    <p:sldLayoutId id="2147483742" r:id="rId10"/>
+    <p:sldLayoutId id="2147483743" r:id="rId11"/>
   </p:sldLayoutIdLst>
   <p:txStyles>
     <p:titleStyle>
@@ -2979,7 +2979,7 @@
         </p:nvSpPr>
         <p:spPr>
           <a:xfrm>
-            <a:off x="171453" y="110865"/>
+            <a:off x="171454" y="92079"/>
             <a:ext cx="1180381" cy="378000"/>
           </a:xfrm>
           <a:prstGeom prst="roundRect">
@@ -3037,7 +3037,7 @@
         </p:nvSpPr>
         <p:spPr>
           <a:xfrm>
-            <a:off x="2855013" y="107404"/>
+            <a:off x="2855016" y="88618"/>
             <a:ext cx="1180381" cy="378000"/>
           </a:xfrm>
           <a:prstGeom prst="roundRect">
@@ -3095,7 +3095,7 @@
         </p:nvSpPr>
         <p:spPr>
           <a:xfrm>
-            <a:off x="4196793" y="106970"/>
+            <a:off x="4196795" y="88184"/>
             <a:ext cx="1180381" cy="378000"/>
           </a:xfrm>
           <a:prstGeom prst="roundRect">
@@ -3148,7 +3148,7 @@
         </p:nvSpPr>
         <p:spPr>
           <a:xfrm>
-            <a:off x="1513233" y="107404"/>
+            <a:off x="1513236" y="88618"/>
             <a:ext cx="1180381" cy="378000"/>
           </a:xfrm>
           <a:prstGeom prst="roundRect">
@@ -3206,7 +3206,7 @@
         </p:nvSpPr>
         <p:spPr>
           <a:xfrm>
-            <a:off x="5538577" y="110516"/>
+            <a:off x="5538578" y="91730"/>
             <a:ext cx="1180381" cy="378000"/>
           </a:xfrm>
           <a:prstGeom prst="roundRect">
@@ -3264,7 +3264,7 @@
         </p:nvSpPr>
         <p:spPr>
           <a:xfrm>
-            <a:off x="5532494" y="800749"/>
+            <a:off x="5532495" y="781963"/>
             <a:ext cx="1180381" cy="378000"/>
           </a:xfrm>
           <a:prstGeom prst="roundRect">
@@ -3299,7 +3299,7 @@
           <a:p>
             <a:pPr algn="ctr"/>
             <a:r>
-              <a:rPr lang="de-DE" sz="1100" smtClean="0">
+              <a:rPr lang="de-DE" sz="1100">
                 <a:solidFill>
                   <a:schemeClr val="tx1"/>
                 </a:solidFill>
@@ -3346,7 +3346,7 @@
         </p:nvSpPr>
         <p:spPr>
           <a:xfrm>
-            <a:off x="171453" y="800749"/>
+            <a:off x="171454" y="781963"/>
             <a:ext cx="5205721" cy="378000"/>
           </a:xfrm>
           <a:prstGeom prst="roundRect">
@@ -3434,7 +3434,7 @@
         </p:nvSpPr>
         <p:spPr>
           <a:xfrm>
-            <a:off x="171455" y="1486856"/>
+            <a:off x="171456" y="1468070"/>
             <a:ext cx="6547503" cy="378000"/>
           </a:xfrm>
           <a:prstGeom prst="roundRect">
@@ -3586,7 +3586,7 @@
                   <a:schemeClr val="tx1"/>
                 </a:solidFill>
               </a:rPr>
-              <a:t>e.g. R (</a:t>
+              <a:t>e.g. </a:t>
             </a:r>
             <a:r>
               <a:rPr lang="de-DE" sz="1100" dirty="0" err="1">
@@ -3594,7 +3594,7 @@
                   <a:schemeClr val="tx1"/>
                 </a:solidFill>
               </a:rPr>
-              <a:t>BioConductor</a:t>
+              <a:t>MayDay</a:t>
             </a:r>
             <a:r>
               <a:rPr lang="de-DE" sz="1100" dirty="0">
@@ -3602,15 +3602,7 @@
                   <a:schemeClr val="tx1"/>
                 </a:solidFill>
               </a:rPr>
-              <a:t> </a:t>
-            </a:r>
-            <a:r>
-              <a:rPr lang="de-DE" sz="1100" dirty="0" err="1">
-                <a:solidFill>
-                  <a:schemeClr val="tx1"/>
-                </a:solidFill>
-              </a:rPr>
-              <a:t>and</a:t>
+              <a:t>, R, IBM SPSS</a:t>
             </a:r>
             <a:r>
               <a:rPr lang="de-DE" sz="1100" dirty="0">
@@ -3618,15 +3610,7 @@
                   <a:schemeClr val="tx1"/>
                 </a:solidFill>
               </a:rPr>
-              <a:t> </a:t>
-            </a:r>
-            <a:r>
-              <a:rPr lang="de-DE" sz="1100" dirty="0" err="1">
-                <a:solidFill>
-                  <a:schemeClr val="tx1"/>
-                </a:solidFill>
-              </a:rPr>
-              <a:t>other</a:t>
+              <a:t>, </a:t>
             </a:r>
             <a:r>
               <a:rPr lang="de-DE" sz="1100" dirty="0">
@@ -3634,24 +3618,13 @@
                   <a:schemeClr val="tx1"/>
                 </a:solidFill>
               </a:rPr>
-              <a:t> </a:t>
-            </a:r>
-            <a:r>
-              <a:rPr lang="de-DE" sz="1100" dirty="0" err="1">
-                <a:solidFill>
-                  <a:schemeClr val="tx1"/>
-                </a:solidFill>
-              </a:rPr>
-              <a:t>packages</a:t>
-            </a:r>
-            <a:r>
-              <a:rPr lang="de-DE" sz="1100" dirty="0">
-                <a:solidFill>
-                  <a:schemeClr val="tx1"/>
-                </a:solidFill>
-              </a:rPr>
-              <a:t>), SPSS, SAS</a:t>
-            </a:r>
+              <a:t>SAS JMP</a:t>
+            </a:r>
+            <a:endParaRPr lang="de-DE" sz="1100" dirty="0">
+              <a:solidFill>
+                <a:schemeClr val="tx1"/>
+              </a:solidFill>
+            </a:endParaRPr>
           </a:p>
         </p:txBody>
       </p:sp>
@@ -3663,7 +3636,7 @@
         </p:nvSpPr>
         <p:spPr>
           <a:xfrm>
-            <a:off x="694533" y="489356"/>
+            <a:off x="694535" y="470570"/>
             <a:ext cx="134216" cy="287772"/>
           </a:xfrm>
           <a:prstGeom prst="downArrow">
@@ -3691,7 +3664,7 @@
           <a:lstStyle/>
           <a:p>
             <a:pPr algn="ctr"/>
-            <a:endParaRPr lang="de-DE"/>
+            <a:endParaRPr lang="de-DE" sz="1801"/>
           </a:p>
         </p:txBody>
       </p:sp>
@@ -3703,7 +3676,7 @@
         </p:nvSpPr>
         <p:spPr>
           <a:xfrm>
-            <a:off x="2036312" y="489356"/>
+            <a:off x="2036314" y="470570"/>
             <a:ext cx="134216" cy="287772"/>
           </a:xfrm>
           <a:prstGeom prst="downArrow">
@@ -3731,7 +3704,7 @@
           <a:lstStyle/>
           <a:p>
             <a:pPr algn="ctr"/>
-            <a:endParaRPr lang="de-DE"/>
+            <a:endParaRPr lang="de-DE" sz="1801"/>
           </a:p>
         </p:txBody>
       </p:sp>
@@ -3743,7 +3716,7 @@
         </p:nvSpPr>
         <p:spPr>
           <a:xfrm>
-            <a:off x="3378092" y="489356"/>
+            <a:off x="3378093" y="470570"/>
             <a:ext cx="134216" cy="287772"/>
           </a:xfrm>
           <a:prstGeom prst="downArrow">
@@ -3771,7 +3744,7 @@
           <a:lstStyle/>
           <a:p>
             <a:pPr algn="ctr"/>
-            <a:endParaRPr lang="de-DE"/>
+            <a:endParaRPr lang="de-DE" sz="1801"/>
           </a:p>
         </p:txBody>
       </p:sp>
@@ -3783,7 +3756,7 @@
         </p:nvSpPr>
         <p:spPr>
           <a:xfrm>
-            <a:off x="4719872" y="489356"/>
+            <a:off x="4719872" y="470570"/>
             <a:ext cx="134216" cy="287772"/>
           </a:xfrm>
           <a:prstGeom prst="downArrow">
@@ -3811,7 +3784,7 @@
           <a:lstStyle/>
           <a:p>
             <a:pPr algn="ctr"/>
-            <a:endParaRPr lang="de-DE"/>
+            <a:endParaRPr lang="de-DE" sz="1801"/>
           </a:p>
         </p:txBody>
       </p:sp>
@@ -3823,7 +3796,7 @@
         </p:nvSpPr>
         <p:spPr>
           <a:xfrm>
-            <a:off x="6061652" y="489356"/>
+            <a:off x="6061652" y="470570"/>
             <a:ext cx="134216" cy="287772"/>
           </a:xfrm>
           <a:prstGeom prst="downArrow">
@@ -3851,7 +3824,7 @@
           <a:lstStyle/>
           <a:p>
             <a:pPr algn="ctr"/>
-            <a:endParaRPr lang="de-DE"/>
+            <a:endParaRPr lang="de-DE" sz="1801"/>
           </a:p>
         </p:txBody>
       </p:sp>
@@ -3863,7 +3836,7 @@
         </p:nvSpPr>
         <p:spPr>
           <a:xfrm>
-            <a:off x="6061652" y="1180967"/>
+            <a:off x="6061652" y="1162181"/>
             <a:ext cx="134216" cy="287772"/>
           </a:xfrm>
           <a:prstGeom prst="downArrow">
@@ -3891,7 +3864,7 @@
           <a:lstStyle/>
           <a:p>
             <a:pPr algn="ctr"/>
-            <a:endParaRPr lang="de-DE"/>
+            <a:endParaRPr lang="de-DE" sz="1801"/>
           </a:p>
         </p:txBody>
       </p:sp>
@@ -3903,7 +3876,7 @@
         </p:nvSpPr>
         <p:spPr>
           <a:xfrm>
-            <a:off x="2707202" y="1180967"/>
+            <a:off x="2707202" y="1162181"/>
             <a:ext cx="134216" cy="287772"/>
           </a:xfrm>
           <a:prstGeom prst="downArrow">
@@ -3931,7 +3904,7 @@
           <a:lstStyle/>
           <a:p>
             <a:pPr algn="ctr"/>
-            <a:endParaRPr lang="de-DE"/>
+            <a:endParaRPr lang="de-DE" sz="1801"/>
           </a:p>
         </p:txBody>
       </p:sp>
@@ -3943,7 +3916,7 @@
         </p:nvSpPr>
         <p:spPr>
           <a:xfrm>
-            <a:off x="171455" y="2172963"/>
+            <a:off x="171456" y="2838434"/>
             <a:ext cx="6547503" cy="5551812"/>
           </a:xfrm>
           <a:prstGeom prst="roundRect">
@@ -3999,7 +3972,7 @@
         </p:nvSpPr>
         <p:spPr>
           <a:xfrm>
-            <a:off x="181501" y="2131603"/>
+            <a:off x="181501" y="2797074"/>
             <a:ext cx="1170330" cy="338554"/>
           </a:xfrm>
           <a:prstGeom prst="rect">
@@ -4043,7 +4016,7 @@
         </p:blipFill>
         <p:spPr>
           <a:xfrm>
-            <a:off x="389733" y="2440437"/>
+            <a:off x="389733" y="3105908"/>
             <a:ext cx="594360" cy="594360"/>
           </a:xfrm>
           <a:prstGeom prst="rect">
@@ -4059,7 +4032,7 @@
         </p:nvSpPr>
         <p:spPr>
           <a:xfrm>
-            <a:off x="1351836" y="3527294"/>
+            <a:off x="1351836" y="4192765"/>
             <a:ext cx="1847850" cy="378000"/>
           </a:xfrm>
           <a:prstGeom prst="roundRect">
@@ -4141,7 +4114,7 @@
         </p:nvSpPr>
         <p:spPr>
           <a:xfrm>
-            <a:off x="3684649" y="3528239"/>
+            <a:off x="3684649" y="4193710"/>
             <a:ext cx="1847850" cy="378000"/>
           </a:xfrm>
           <a:prstGeom prst="roundRect">
@@ -4223,7 +4196,7 @@
         </p:nvSpPr>
         <p:spPr>
           <a:xfrm>
-            <a:off x="626239" y="5751359"/>
+            <a:off x="626242" y="6416830"/>
             <a:ext cx="2573447" cy="1875514"/>
           </a:xfrm>
           <a:prstGeom prst="roundRect">
@@ -4371,7 +4344,7 @@
         </p:nvSpPr>
         <p:spPr>
           <a:xfrm>
-            <a:off x="3684649" y="5754534"/>
+            <a:off x="3684652" y="6420005"/>
             <a:ext cx="2573447" cy="1875514"/>
           </a:xfrm>
           <a:prstGeom prst="roundRect">
@@ -4511,7 +4484,7 @@
         </p:blipFill>
         <p:spPr>
           <a:xfrm>
-            <a:off x="3779520" y="6148054"/>
+            <a:off x="3779523" y="6813528"/>
             <a:ext cx="2381469" cy="1432387"/>
           </a:xfrm>
           <a:prstGeom prst="rect">
@@ -4535,7 +4508,7 @@
         </p:blipFill>
         <p:spPr>
           <a:xfrm>
-            <a:off x="1319213" y="4153365"/>
+            <a:off x="1319213" y="4818838"/>
             <a:ext cx="4252916" cy="1341346"/>
           </a:xfrm>
           <a:prstGeom prst="rect">
@@ -4551,7 +4524,7 @@
         </p:nvSpPr>
         <p:spPr>
           <a:xfrm>
-            <a:off x="2208653" y="3914257"/>
+            <a:off x="2208653" y="4579731"/>
             <a:ext cx="134216" cy="251009"/>
           </a:xfrm>
           <a:prstGeom prst="downArrow">
@@ -4579,7 +4552,7 @@
           <a:lstStyle/>
           <a:p>
             <a:pPr algn="ctr"/>
-            <a:endParaRPr lang="de-DE"/>
+            <a:endParaRPr lang="de-DE" sz="1801"/>
           </a:p>
         </p:txBody>
       </p:sp>
@@ -4591,7 +4564,7 @@
         </p:nvSpPr>
         <p:spPr>
           <a:xfrm>
-            <a:off x="4541461" y="3909684"/>
+            <a:off x="4541463" y="4575155"/>
             <a:ext cx="134216" cy="255582"/>
           </a:xfrm>
           <a:prstGeom prst="downArrow">
@@ -4619,7 +4592,7 @@
           <a:lstStyle/>
           <a:p>
             <a:pPr algn="ctr"/>
-            <a:endParaRPr lang="de-DE"/>
+            <a:endParaRPr lang="de-DE" sz="1801"/>
           </a:p>
         </p:txBody>
       </p:sp>
@@ -4631,7 +4604,7 @@
         </p:nvSpPr>
         <p:spPr>
           <a:xfrm>
-            <a:off x="3378092" y="1864856"/>
+            <a:off x="3378093" y="2530489"/>
             <a:ext cx="134216" cy="415386"/>
           </a:xfrm>
           <a:prstGeom prst="downArrow">
@@ -4659,7 +4632,7 @@
           <a:lstStyle/>
           <a:p>
             <a:pPr algn="ctr"/>
-            <a:endParaRPr lang="de-DE"/>
+            <a:endParaRPr lang="de-DE" sz="1801"/>
           </a:p>
         </p:txBody>
       </p:sp>
@@ -4679,7 +4652,7 @@
         </p:blipFill>
         <p:spPr>
           <a:xfrm>
-            <a:off x="2212315" y="2493168"/>
+            <a:off x="2212315" y="3158640"/>
             <a:ext cx="2498676" cy="739775"/>
           </a:xfrm>
           <a:prstGeom prst="rect">
@@ -4695,7 +4668,7 @@
         </p:nvSpPr>
         <p:spPr>
           <a:xfrm>
-            <a:off x="2094879" y="2300279"/>
+            <a:off x="2094880" y="2965753"/>
             <a:ext cx="2734295" cy="945177"/>
           </a:xfrm>
           <a:prstGeom prst="roundRect">
@@ -4732,7 +4705,7 @@
           <a:p>
             <a:pPr algn="ctr"/>
             <a:r>
-              <a:rPr lang="de-DE" sz="1100" dirty="0" smtClean="0">
+              <a:rPr lang="de-DE" sz="1100" dirty="0">
                 <a:solidFill>
                   <a:schemeClr val="tx1"/>
                 </a:solidFill>
@@ -4740,7 +4713,7 @@
               <a:t>Import </a:t>
             </a:r>
             <a:r>
-              <a:rPr lang="de-DE" sz="1100" dirty="0" err="1" smtClean="0">
+              <a:rPr lang="de-DE" sz="1100" dirty="0" err="1">
                 <a:solidFill>
                   <a:schemeClr val="tx1"/>
                 </a:solidFill>
@@ -4748,7 +4721,7 @@
               <a:t>data</a:t>
             </a:r>
             <a:r>
-              <a:rPr lang="de-DE" sz="1100" dirty="0" smtClean="0">
+              <a:rPr lang="de-DE" sz="1100" dirty="0">
                 <a:solidFill>
                   <a:schemeClr val="tx1"/>
                 </a:solidFill>
@@ -4756,7 +4729,7 @@
               <a:t> </a:t>
             </a:r>
             <a:r>
-              <a:rPr lang="de-DE" sz="1100" dirty="0" err="1" smtClean="0">
+              <a:rPr lang="de-DE" sz="1100" dirty="0" err="1">
                 <a:solidFill>
                   <a:schemeClr val="tx1"/>
                 </a:solidFill>
@@ -4772,7 +4745,7 @@
               <a:t> </a:t>
             </a:r>
             <a:r>
-              <a:rPr lang="de-DE" sz="1100" dirty="0" err="1" smtClean="0">
+              <a:rPr lang="de-DE" sz="1100" dirty="0" err="1">
                 <a:solidFill>
                   <a:schemeClr val="tx1"/>
                 </a:solidFill>
@@ -4780,7 +4753,7 @@
               <a:t>heterogeneous</a:t>
             </a:r>
             <a:r>
-              <a:rPr lang="de-DE" sz="1100" dirty="0" smtClean="0">
+              <a:rPr lang="de-DE" sz="1100" dirty="0">
                 <a:solidFill>
                   <a:schemeClr val="tx1"/>
                 </a:solidFill>
@@ -4788,14 +4761,14 @@
               <a:t> </a:t>
             </a:r>
             <a:r>
-              <a:rPr lang="de-DE" sz="1100" dirty="0" err="1" smtClean="0">
+              <a:rPr lang="de-DE" sz="1100" dirty="0" err="1">
                 <a:solidFill>
                   <a:schemeClr val="tx1"/>
                 </a:solidFill>
               </a:rPr>
               <a:t>sources</a:t>
             </a:r>
-            <a:endParaRPr lang="de-DE" sz="1100" dirty="0" smtClean="0">
+            <a:endParaRPr lang="de-DE" sz="1100" dirty="0">
               <a:solidFill>
                 <a:schemeClr val="tx1"/>
               </a:solidFill>
@@ -4811,7 +4784,7 @@
         </p:nvSpPr>
         <p:spPr>
           <a:xfrm>
-            <a:off x="2208653" y="3255873"/>
+            <a:off x="2208653" y="3921345"/>
             <a:ext cx="134216" cy="251009"/>
           </a:xfrm>
           <a:prstGeom prst="downArrow">
@@ -4839,7 +4812,7 @@
           <a:lstStyle/>
           <a:p>
             <a:pPr algn="ctr"/>
-            <a:endParaRPr lang="de-DE"/>
+            <a:endParaRPr lang="de-DE" sz="1801"/>
           </a:p>
         </p:txBody>
       </p:sp>
@@ -4851,7 +4824,7 @@
         </p:nvSpPr>
         <p:spPr>
           <a:xfrm>
-            <a:off x="4541461" y="3251300"/>
+            <a:off x="4541463" y="3916771"/>
             <a:ext cx="134216" cy="255582"/>
           </a:xfrm>
           <a:prstGeom prst="downArrow">
@@ -4879,7 +4852,7 @@
           <a:lstStyle/>
           <a:p>
             <a:pPr algn="ctr"/>
-            <a:endParaRPr lang="de-DE"/>
+            <a:endParaRPr lang="de-DE" sz="1801"/>
           </a:p>
         </p:txBody>
       </p:sp>
@@ -4891,7 +4864,7 @@
         </p:nvSpPr>
         <p:spPr>
           <a:xfrm>
-            <a:off x="1842760" y="5480313"/>
+            <a:off x="1842760" y="6145785"/>
             <a:ext cx="134216" cy="251009"/>
           </a:xfrm>
           <a:prstGeom prst="downArrow">
@@ -4919,7 +4892,7 @@
           <a:lstStyle/>
           <a:p>
             <a:pPr algn="ctr"/>
-            <a:endParaRPr lang="de-DE"/>
+            <a:endParaRPr lang="de-DE" sz="1801"/>
           </a:p>
         </p:txBody>
       </p:sp>
@@ -4931,7 +4904,7 @@
         </p:nvSpPr>
         <p:spPr>
           <a:xfrm>
-            <a:off x="4903146" y="5478272"/>
+            <a:off x="4903146" y="6143743"/>
             <a:ext cx="134216" cy="255582"/>
           </a:xfrm>
           <a:prstGeom prst="downArrow">
@@ -4959,7 +4932,7 @@
           <a:lstStyle/>
           <a:p>
             <a:pPr algn="ctr"/>
-            <a:endParaRPr lang="de-DE"/>
+            <a:endParaRPr lang="de-DE" sz="1801"/>
           </a:p>
         </p:txBody>
       </p:sp>
@@ -4979,7 +4952,7 @@
         </p:blipFill>
         <p:spPr>
           <a:xfrm>
-            <a:off x="758302" y="6145668"/>
+            <a:off x="758304" y="6811142"/>
             <a:ext cx="2332555" cy="1434773"/>
           </a:xfrm>
           <a:prstGeom prst="rect">
@@ -4987,6 +4960,176 @@
           </a:prstGeom>
         </p:spPr>
       </p:pic>
+      <p:sp>
+        <p:nvSpPr>
+          <p:cNvPr id="37" name="Abgerundetes Rechteck 36"/>
+          <p:cNvSpPr/>
+          <p:nvPr/>
+        </p:nvSpPr>
+        <p:spPr>
+          <a:xfrm>
+            <a:off x="171456" y="2145545"/>
+            <a:ext cx="6547503" cy="378000"/>
+          </a:xfrm>
+          <a:prstGeom prst="roundRect">
+            <a:avLst/>
+          </a:prstGeom>
+          <a:noFill/>
+          <a:ln w="19050">
+            <a:solidFill>
+              <a:schemeClr val="tx1"/>
+            </a:solidFill>
+          </a:ln>
+        </p:spPr>
+        <p:style>
+          <a:lnRef idx="2">
+            <a:schemeClr val="accent1">
+              <a:shade val="50000"/>
+            </a:schemeClr>
+          </a:lnRef>
+          <a:fillRef idx="1">
+            <a:schemeClr val="accent1"/>
+          </a:fillRef>
+          <a:effectRef idx="0">
+            <a:schemeClr val="accent1"/>
+          </a:effectRef>
+          <a:fontRef idx="minor">
+            <a:schemeClr val="lt1"/>
+          </a:fontRef>
+        </p:style>
+        <p:txBody>
+          <a:bodyPr rtlCol="0" anchor="ctr"/>
+          <a:lstStyle/>
+          <a:p>
+            <a:pPr algn="ctr"/>
+            <a:r>
+              <a:rPr lang="de-DE" sz="1100" dirty="0" smtClean="0">
+                <a:solidFill>
+                  <a:schemeClr val="tx1"/>
+                </a:solidFill>
+              </a:rPr>
+              <a:t>Annotation </a:t>
+            </a:r>
+            <a:r>
+              <a:rPr lang="de-DE" sz="1100" dirty="0" err="1" smtClean="0">
+                <a:solidFill>
+                  <a:schemeClr val="tx1"/>
+                </a:solidFill>
+              </a:rPr>
+              <a:t>with</a:t>
+            </a:r>
+            <a:r>
+              <a:rPr lang="de-DE" sz="1100" dirty="0" smtClean="0">
+                <a:solidFill>
+                  <a:schemeClr val="tx1"/>
+                </a:solidFill>
+              </a:rPr>
+              <a:t> </a:t>
+            </a:r>
+            <a:r>
+              <a:rPr lang="de-DE" sz="1100" dirty="0" err="1" smtClean="0">
+                <a:solidFill>
+                  <a:schemeClr val="tx1"/>
+                </a:solidFill>
+              </a:rPr>
+              <a:t>gene</a:t>
+            </a:r>
+            <a:r>
+              <a:rPr lang="de-DE" sz="1100" dirty="0" smtClean="0">
+                <a:solidFill>
+                  <a:schemeClr val="tx1"/>
+                </a:solidFill>
+              </a:rPr>
+              <a:t> </a:t>
+            </a:r>
+            <a:r>
+              <a:rPr lang="de-DE" sz="1100" dirty="0" err="1" smtClean="0">
+                <a:solidFill>
+                  <a:schemeClr val="tx1"/>
+                </a:solidFill>
+              </a:rPr>
+              <a:t>and</a:t>
+            </a:r>
+            <a:r>
+              <a:rPr lang="de-DE" sz="1100" dirty="0" smtClean="0">
+                <a:solidFill>
+                  <a:schemeClr val="tx1"/>
+                </a:solidFill>
+              </a:rPr>
+              <a:t> </a:t>
+            </a:r>
+            <a:r>
+              <a:rPr lang="de-DE" sz="1100" dirty="0" err="1" smtClean="0">
+                <a:solidFill>
+                  <a:schemeClr val="tx1"/>
+                </a:solidFill>
+              </a:rPr>
+              <a:t>metabolite</a:t>
+            </a:r>
+            <a:r>
+              <a:rPr lang="de-DE" sz="1100" dirty="0" smtClean="0">
+                <a:solidFill>
+                  <a:schemeClr val="tx1"/>
+                </a:solidFill>
+              </a:rPr>
+              <a:t> </a:t>
+            </a:r>
+            <a:r>
+              <a:rPr lang="de-DE" sz="1100" dirty="0" err="1" smtClean="0">
+                <a:solidFill>
+                  <a:schemeClr val="tx1"/>
+                </a:solidFill>
+              </a:rPr>
+              <a:t>identifiers</a:t>
+            </a:r>
+            <a:endParaRPr lang="de-DE" sz="1100" dirty="0">
+              <a:solidFill>
+                <a:schemeClr val="tx1"/>
+              </a:solidFill>
+            </a:endParaRPr>
+          </a:p>
+        </p:txBody>
+      </p:sp>
+      <p:sp>
+        <p:nvSpPr>
+          <p:cNvPr id="38" name="Pfeil nach unten 37"/>
+          <p:cNvSpPr/>
+          <p:nvPr/>
+        </p:nvSpPr>
+        <p:spPr>
+          <a:xfrm>
+            <a:off x="3378093" y="1845403"/>
+            <a:ext cx="134216" cy="287772"/>
+          </a:xfrm>
+          <a:prstGeom prst="downArrow">
+            <a:avLst/>
+          </a:prstGeom>
+        </p:spPr>
+        <p:style>
+          <a:lnRef idx="2">
+            <a:schemeClr val="dk1">
+              <a:shade val="50000"/>
+            </a:schemeClr>
+          </a:lnRef>
+          <a:fillRef idx="1">
+            <a:schemeClr val="dk1"/>
+          </a:fillRef>
+          <a:effectRef idx="0">
+            <a:schemeClr val="dk1"/>
+          </a:effectRef>
+          <a:fontRef idx="minor">
+            <a:schemeClr val="lt1"/>
+          </a:fontRef>
+        </p:style>
+        <p:txBody>
+          <a:bodyPr rtlCol="0" anchor="ctr"/>
+          <a:lstStyle/>
+          <a:p>
+            <a:pPr algn="ctr"/>
+            <a:endParaRPr lang="de-DE" sz="1801"/>
+          </a:p>
+        </p:txBody>
+      </p:sp>
     </p:spTree>
     <p:extLst>
       <p:ext uri="{BB962C8B-B14F-4D97-AF65-F5344CB8AC3E}">

--- a/doc/Publications/JChromatogrB-InCroMAP/InCroMAP_workflow.pptx
+++ b/doc/Publications/JChromatogrB-InCroMAP/InCroMAP_workflow.pptx
@@ -106,7 +106,7 @@
   </p:defaultTextStyle>
   <p:extLst>
     <p:ext uri="{EFAFB233-063F-42B5-8137-9DF3F51BA10A}">
-      <p15:sldGuideLst xmlns:p15="http://schemas.microsoft.com/office/powerpoint/2012/main"/>
+      <p15:sldGuideLst xmlns:p15="http://schemas.microsoft.com/office/powerpoint/2012/main" xmlns=""/>
     </p:ext>
   </p:extLst>
 </p:presentation>
@@ -243,6 +243,7 @@
           <a:p>
             <a:fld id="{AAAB5D53-F5E7-436B-85BB-F08817CA0FEF}" type="datetimeFigureOut">
               <a:rPr lang="de-DE" smtClean="0"/>
+              <a:pPr/>
               <a:t>19.08.2013</a:t>
             </a:fld>
             <a:endParaRPr lang="de-DE"/>
@@ -285,6 +286,7 @@
           <a:p>
             <a:fld id="{F5C9F771-FCA0-48B8-AEF3-3AF1428EF331}" type="slidenum">
               <a:rPr lang="de-DE" smtClean="0"/>
+              <a:pPr/>
               <a:t>‹Nr.›</a:t>
             </a:fld>
             <a:endParaRPr lang="de-DE"/>
@@ -294,7 +296,7 @@
     </p:spTree>
     <p:extLst>
       <p:ext uri="{BB962C8B-B14F-4D97-AF65-F5344CB8AC3E}">
-        <p14:creationId xmlns:p14="http://schemas.microsoft.com/office/powerpoint/2010/main" val="1078272058"/>
+        <p14:creationId xmlns:p14="http://schemas.microsoft.com/office/powerpoint/2010/main" xmlns="" val="1078272058"/>
       </p:ext>
     </p:extLst>
   </p:cSld>
@@ -413,6 +415,7 @@
           <a:p>
             <a:fld id="{AAAB5D53-F5E7-436B-85BB-F08817CA0FEF}" type="datetimeFigureOut">
               <a:rPr lang="de-DE" smtClean="0"/>
+              <a:pPr/>
               <a:t>19.08.2013</a:t>
             </a:fld>
             <a:endParaRPr lang="de-DE"/>
@@ -455,6 +458,7 @@
           <a:p>
             <a:fld id="{F5C9F771-FCA0-48B8-AEF3-3AF1428EF331}" type="slidenum">
               <a:rPr lang="de-DE" smtClean="0"/>
+              <a:pPr/>
               <a:t>‹Nr.›</a:t>
             </a:fld>
             <a:endParaRPr lang="de-DE"/>
@@ -464,7 +468,7 @@
     </p:spTree>
     <p:extLst>
       <p:ext uri="{BB962C8B-B14F-4D97-AF65-F5344CB8AC3E}">
-        <p14:creationId xmlns:p14="http://schemas.microsoft.com/office/powerpoint/2010/main" val="1311255380"/>
+        <p14:creationId xmlns:p14="http://schemas.microsoft.com/office/powerpoint/2010/main" xmlns="" val="1311255380"/>
       </p:ext>
     </p:extLst>
   </p:cSld>
@@ -593,6 +597,7 @@
           <a:p>
             <a:fld id="{AAAB5D53-F5E7-436B-85BB-F08817CA0FEF}" type="datetimeFigureOut">
               <a:rPr lang="de-DE" smtClean="0"/>
+              <a:pPr/>
               <a:t>19.08.2013</a:t>
             </a:fld>
             <a:endParaRPr lang="de-DE"/>
@@ -635,6 +640,7 @@
           <a:p>
             <a:fld id="{F5C9F771-FCA0-48B8-AEF3-3AF1428EF331}" type="slidenum">
               <a:rPr lang="de-DE" smtClean="0"/>
+              <a:pPr/>
               <a:t>‹Nr.›</a:t>
             </a:fld>
             <a:endParaRPr lang="de-DE"/>
@@ -644,7 +650,7 @@
     </p:spTree>
     <p:extLst>
       <p:ext uri="{BB962C8B-B14F-4D97-AF65-F5344CB8AC3E}">
-        <p14:creationId xmlns:p14="http://schemas.microsoft.com/office/powerpoint/2010/main" val="1982335472"/>
+        <p14:creationId xmlns:p14="http://schemas.microsoft.com/office/powerpoint/2010/main" xmlns="" val="1982335472"/>
       </p:ext>
     </p:extLst>
   </p:cSld>
@@ -763,6 +769,7 @@
           <a:p>
             <a:fld id="{AAAB5D53-F5E7-436B-85BB-F08817CA0FEF}" type="datetimeFigureOut">
               <a:rPr lang="de-DE" smtClean="0"/>
+              <a:pPr/>
               <a:t>19.08.2013</a:t>
             </a:fld>
             <a:endParaRPr lang="de-DE"/>
@@ -805,6 +812,7 @@
           <a:p>
             <a:fld id="{F5C9F771-FCA0-48B8-AEF3-3AF1428EF331}" type="slidenum">
               <a:rPr lang="de-DE" smtClean="0"/>
+              <a:pPr/>
               <a:t>‹Nr.›</a:t>
             </a:fld>
             <a:endParaRPr lang="de-DE"/>
@@ -814,7 +822,7 @@
     </p:spTree>
     <p:extLst>
       <p:ext uri="{BB962C8B-B14F-4D97-AF65-F5344CB8AC3E}">
-        <p14:creationId xmlns:p14="http://schemas.microsoft.com/office/powerpoint/2010/main" val="4176661520"/>
+        <p14:creationId xmlns:p14="http://schemas.microsoft.com/office/powerpoint/2010/main" xmlns="" val="4176661520"/>
       </p:ext>
     </p:extLst>
   </p:cSld>
@@ -1007,6 +1015,7 @@
           <a:p>
             <a:fld id="{AAAB5D53-F5E7-436B-85BB-F08817CA0FEF}" type="datetimeFigureOut">
               <a:rPr lang="de-DE" smtClean="0"/>
+              <a:pPr/>
               <a:t>19.08.2013</a:t>
             </a:fld>
             <a:endParaRPr lang="de-DE"/>
@@ -1049,6 +1058,7 @@
           <a:p>
             <a:fld id="{F5C9F771-FCA0-48B8-AEF3-3AF1428EF331}" type="slidenum">
               <a:rPr lang="de-DE" smtClean="0"/>
+              <a:pPr/>
               <a:t>‹Nr.›</a:t>
             </a:fld>
             <a:endParaRPr lang="de-DE"/>
@@ -1058,7 +1068,7 @@
     </p:spTree>
     <p:extLst>
       <p:ext uri="{BB962C8B-B14F-4D97-AF65-F5344CB8AC3E}">
-        <p14:creationId xmlns:p14="http://schemas.microsoft.com/office/powerpoint/2010/main" val="1806995945"/>
+        <p14:creationId xmlns:p14="http://schemas.microsoft.com/office/powerpoint/2010/main" xmlns="" val="1806995945"/>
       </p:ext>
     </p:extLst>
   </p:cSld>
@@ -1239,6 +1249,7 @@
           <a:p>
             <a:fld id="{AAAB5D53-F5E7-436B-85BB-F08817CA0FEF}" type="datetimeFigureOut">
               <a:rPr lang="de-DE" smtClean="0"/>
+              <a:pPr/>
               <a:t>19.08.2013</a:t>
             </a:fld>
             <a:endParaRPr lang="de-DE"/>
@@ -1281,6 +1292,7 @@
           <a:p>
             <a:fld id="{F5C9F771-FCA0-48B8-AEF3-3AF1428EF331}" type="slidenum">
               <a:rPr lang="de-DE" smtClean="0"/>
+              <a:pPr/>
               <a:t>‹Nr.›</a:t>
             </a:fld>
             <a:endParaRPr lang="de-DE"/>
@@ -1290,7 +1302,7 @@
     </p:spTree>
     <p:extLst>
       <p:ext uri="{BB962C8B-B14F-4D97-AF65-F5344CB8AC3E}">
-        <p14:creationId xmlns:p14="http://schemas.microsoft.com/office/powerpoint/2010/main" val="2037762447"/>
+        <p14:creationId xmlns:p14="http://schemas.microsoft.com/office/powerpoint/2010/main" xmlns="" val="2037762447"/>
       </p:ext>
     </p:extLst>
   </p:cSld>
@@ -1606,6 +1618,7 @@
           <a:p>
             <a:fld id="{AAAB5D53-F5E7-436B-85BB-F08817CA0FEF}" type="datetimeFigureOut">
               <a:rPr lang="de-DE" smtClean="0"/>
+              <a:pPr/>
               <a:t>19.08.2013</a:t>
             </a:fld>
             <a:endParaRPr lang="de-DE"/>
@@ -1648,6 +1661,7 @@
           <a:p>
             <a:fld id="{F5C9F771-FCA0-48B8-AEF3-3AF1428EF331}" type="slidenum">
               <a:rPr lang="de-DE" smtClean="0"/>
+              <a:pPr/>
               <a:t>‹Nr.›</a:t>
             </a:fld>
             <a:endParaRPr lang="de-DE"/>
@@ -1657,7 +1671,7 @@
     </p:spTree>
     <p:extLst>
       <p:ext uri="{BB962C8B-B14F-4D97-AF65-F5344CB8AC3E}">
-        <p14:creationId xmlns:p14="http://schemas.microsoft.com/office/powerpoint/2010/main" val="4227992094"/>
+        <p14:creationId xmlns:p14="http://schemas.microsoft.com/office/powerpoint/2010/main" xmlns="" val="4227992094"/>
       </p:ext>
     </p:extLst>
   </p:cSld>
@@ -1724,6 +1738,7 @@
           <a:p>
             <a:fld id="{AAAB5D53-F5E7-436B-85BB-F08817CA0FEF}" type="datetimeFigureOut">
               <a:rPr lang="de-DE" smtClean="0"/>
+              <a:pPr/>
               <a:t>19.08.2013</a:t>
             </a:fld>
             <a:endParaRPr lang="de-DE"/>
@@ -1766,6 +1781,7 @@
           <a:p>
             <a:fld id="{F5C9F771-FCA0-48B8-AEF3-3AF1428EF331}" type="slidenum">
               <a:rPr lang="de-DE" smtClean="0"/>
+              <a:pPr/>
               <a:t>‹Nr.›</a:t>
             </a:fld>
             <a:endParaRPr lang="de-DE"/>
@@ -1775,7 +1791,7 @@
     </p:spTree>
     <p:extLst>
       <p:ext uri="{BB962C8B-B14F-4D97-AF65-F5344CB8AC3E}">
-        <p14:creationId xmlns:p14="http://schemas.microsoft.com/office/powerpoint/2010/main" val="3902939582"/>
+        <p14:creationId xmlns:p14="http://schemas.microsoft.com/office/powerpoint/2010/main" xmlns="" val="3902939582"/>
       </p:ext>
     </p:extLst>
   </p:cSld>
@@ -1819,6 +1835,7 @@
           <a:p>
             <a:fld id="{AAAB5D53-F5E7-436B-85BB-F08817CA0FEF}" type="datetimeFigureOut">
               <a:rPr lang="de-DE" smtClean="0"/>
+              <a:pPr/>
               <a:t>19.08.2013</a:t>
             </a:fld>
             <a:endParaRPr lang="de-DE"/>
@@ -1861,6 +1878,7 @@
           <a:p>
             <a:fld id="{F5C9F771-FCA0-48B8-AEF3-3AF1428EF331}" type="slidenum">
               <a:rPr lang="de-DE" smtClean="0"/>
+              <a:pPr/>
               <a:t>‹Nr.›</a:t>
             </a:fld>
             <a:endParaRPr lang="de-DE"/>
@@ -1870,7 +1888,7 @@
     </p:spTree>
     <p:extLst>
       <p:ext uri="{BB962C8B-B14F-4D97-AF65-F5344CB8AC3E}">
-        <p14:creationId xmlns:p14="http://schemas.microsoft.com/office/powerpoint/2010/main" val="3318743799"/>
+        <p14:creationId xmlns:p14="http://schemas.microsoft.com/office/powerpoint/2010/main" xmlns="" val="3318743799"/>
       </p:ext>
     </p:extLst>
   </p:cSld>
@@ -2096,6 +2114,7 @@
           <a:p>
             <a:fld id="{AAAB5D53-F5E7-436B-85BB-F08817CA0FEF}" type="datetimeFigureOut">
               <a:rPr lang="de-DE" smtClean="0"/>
+              <a:pPr/>
               <a:t>19.08.2013</a:t>
             </a:fld>
             <a:endParaRPr lang="de-DE"/>
@@ -2138,6 +2157,7 @@
           <a:p>
             <a:fld id="{F5C9F771-FCA0-48B8-AEF3-3AF1428EF331}" type="slidenum">
               <a:rPr lang="de-DE" smtClean="0"/>
+              <a:pPr/>
               <a:t>‹Nr.›</a:t>
             </a:fld>
             <a:endParaRPr lang="de-DE"/>
@@ -2147,7 +2167,7 @@
     </p:spTree>
     <p:extLst>
       <p:ext uri="{BB962C8B-B14F-4D97-AF65-F5344CB8AC3E}">
-        <p14:creationId xmlns:p14="http://schemas.microsoft.com/office/powerpoint/2010/main" val="3891305701"/>
+        <p14:creationId xmlns:p14="http://schemas.microsoft.com/office/powerpoint/2010/main" xmlns="" val="3891305701"/>
       </p:ext>
     </p:extLst>
   </p:cSld>
@@ -2353,6 +2373,7 @@
           <a:p>
             <a:fld id="{AAAB5D53-F5E7-436B-85BB-F08817CA0FEF}" type="datetimeFigureOut">
               <a:rPr lang="de-DE" smtClean="0"/>
+              <a:pPr/>
               <a:t>19.08.2013</a:t>
             </a:fld>
             <a:endParaRPr lang="de-DE"/>
@@ -2395,6 +2416,7 @@
           <a:p>
             <a:fld id="{F5C9F771-FCA0-48B8-AEF3-3AF1428EF331}" type="slidenum">
               <a:rPr lang="de-DE" smtClean="0"/>
+              <a:pPr/>
               <a:t>‹Nr.›</a:t>
             </a:fld>
             <a:endParaRPr lang="de-DE"/>
@@ -2404,7 +2426,7 @@
     </p:spTree>
     <p:extLst>
       <p:ext uri="{BB962C8B-B14F-4D97-AF65-F5344CB8AC3E}">
-        <p14:creationId xmlns:p14="http://schemas.microsoft.com/office/powerpoint/2010/main" val="2420284523"/>
+        <p14:creationId xmlns:p14="http://schemas.microsoft.com/office/powerpoint/2010/main" xmlns="" val="2420284523"/>
       </p:ext>
     </p:extLst>
   </p:cSld>
@@ -2566,6 +2588,7 @@
           <a:p>
             <a:fld id="{AAAB5D53-F5E7-436B-85BB-F08817CA0FEF}" type="datetimeFigureOut">
               <a:rPr lang="de-DE" smtClean="0"/>
+              <a:pPr/>
               <a:t>19.08.2013</a:t>
             </a:fld>
             <a:endParaRPr lang="de-DE"/>
@@ -2644,6 +2667,7 @@
           <a:p>
             <a:fld id="{F5C9F771-FCA0-48B8-AEF3-3AF1428EF331}" type="slidenum">
               <a:rPr lang="de-DE" smtClean="0"/>
+              <a:pPr/>
               <a:t>‹Nr.›</a:t>
             </a:fld>
             <a:endParaRPr lang="de-DE"/>
@@ -2653,7 +2677,7 @@
     </p:spTree>
     <p:extLst>
       <p:ext uri="{BB962C8B-B14F-4D97-AF65-F5344CB8AC3E}">
-        <p14:creationId xmlns:p14="http://schemas.microsoft.com/office/powerpoint/2010/main" val="1784323492"/>
+        <p14:creationId xmlns:p14="http://schemas.microsoft.com/office/powerpoint/2010/main" xmlns="" val="1784323492"/>
       </p:ext>
     </p:extLst>
   </p:cSld>
@@ -3381,48 +3405,106 @@
           <a:p>
             <a:pPr algn="ctr"/>
             <a:r>
-              <a:rPr lang="de-DE" sz="1100" dirty="0" err="1">
+              <a:rPr lang="de-DE" sz="1100" dirty="0" err="1" smtClean="0">
                 <a:solidFill>
                   <a:schemeClr val="tx1"/>
                 </a:solidFill>
               </a:rPr>
               <a:t>Preprocessing</a:t>
             </a:r>
+            <a:endParaRPr lang="de-DE" sz="1100" dirty="0">
+              <a:solidFill>
+                <a:schemeClr val="tx1"/>
+              </a:solidFill>
+            </a:endParaRPr>
+          </a:p>
+          <a:p>
+            <a:pPr algn="ctr"/>
             <a:r>
               <a:rPr lang="de-DE" sz="1100" dirty="0">
                 <a:solidFill>
                   <a:schemeClr val="tx1"/>
                 </a:solidFill>
               </a:rPr>
-              <a:t> ?</a:t>
-            </a:r>
-          </a:p>
-          <a:p>
-            <a:pPr algn="ctr"/>
-            <a:r>
-              <a:rPr lang="de-DE" sz="1100" dirty="0">
-                <a:solidFill>
-                  <a:schemeClr val="tx1"/>
-                </a:solidFill>
-              </a:rPr>
               <a:t>e.g. </a:t>
             </a:r>
             <a:r>
-              <a:rPr lang="de-DE" sz="1100" dirty="0" err="1">
-                <a:solidFill>
-                  <a:schemeClr val="tx1"/>
-                </a:solidFill>
-              </a:rPr>
-              <a:t>with</a:t>
-            </a:r>
-            <a:r>
-              <a:rPr lang="de-DE" sz="1100" dirty="0">
-                <a:solidFill>
-                  <a:schemeClr val="tx1"/>
-                </a:solidFill>
-              </a:rPr>
-              <a:t> …. </a:t>
-            </a:r>
+              <a:rPr lang="de-DE" sz="1100" dirty="0" smtClean="0">
+                <a:solidFill>
+                  <a:schemeClr val="tx1"/>
+                </a:solidFill>
+              </a:rPr>
+              <a:t>R/</a:t>
+            </a:r>
+            <a:r>
+              <a:rPr lang="de-DE" sz="1100" dirty="0" err="1" smtClean="0">
+                <a:solidFill>
+                  <a:schemeClr val="tx1"/>
+                </a:solidFill>
+              </a:rPr>
+              <a:t>Bioconductor</a:t>
+            </a:r>
+            <a:r>
+              <a:rPr lang="de-DE" sz="1100" dirty="0" smtClean="0">
+                <a:solidFill>
+                  <a:schemeClr val="tx1"/>
+                </a:solidFill>
+              </a:rPr>
+              <a:t>, </a:t>
+            </a:r>
+            <a:r>
+              <a:rPr lang="de-DE" sz="1100" dirty="0" err="1" smtClean="0">
+                <a:solidFill>
+                  <a:schemeClr val="tx1"/>
+                </a:solidFill>
+              </a:rPr>
+              <a:t>GeneData</a:t>
+            </a:r>
+            <a:r>
+              <a:rPr lang="de-DE" sz="1100" dirty="0" smtClean="0">
+                <a:solidFill>
+                  <a:schemeClr val="tx1"/>
+                </a:solidFill>
+              </a:rPr>
+              <a:t> Expressionist, </a:t>
+            </a:r>
+            <a:r>
+              <a:rPr lang="de-DE" sz="1100" dirty="0" err="1" smtClean="0">
+                <a:solidFill>
+                  <a:schemeClr val="tx1"/>
+                </a:solidFill>
+              </a:rPr>
+              <a:t>Spotfire</a:t>
+            </a:r>
+            <a:r>
+              <a:rPr lang="de-DE" sz="1100" dirty="0" smtClean="0">
+                <a:solidFill>
+                  <a:schemeClr val="tx1"/>
+                </a:solidFill>
+              </a:rPr>
+              <a:t> </a:t>
+            </a:r>
+            <a:r>
+              <a:rPr lang="de-DE" sz="1100" dirty="0" err="1" smtClean="0">
+                <a:solidFill>
+                  <a:schemeClr val="tx1"/>
+                </a:solidFill>
+              </a:rPr>
+              <a:t>DecisionSite</a:t>
+            </a:r>
+            <a:r>
+              <a:rPr lang="de-DE" sz="1100" dirty="0" smtClean="0">
+                <a:solidFill>
+                  <a:schemeClr val="tx1"/>
+                </a:solidFill>
+              </a:rPr>
+              <a:t> </a:t>
+            </a:r>
+            <a:endParaRPr lang="de-DE" sz="1100" dirty="0">
+              <a:solidFill>
+                <a:schemeClr val="tx1"/>
+              </a:solidFill>
+            </a:endParaRPr>
           </a:p>
         </p:txBody>
       </p:sp>
@@ -3602,29 +3684,8 @@
                   <a:schemeClr val="tx1"/>
                 </a:solidFill>
               </a:rPr>
-              <a:t>, R, IBM SPSS</a:t>
-            </a:r>
-            <a:r>
-              <a:rPr lang="de-DE" sz="1100" dirty="0">
-                <a:solidFill>
-                  <a:schemeClr val="tx1"/>
-                </a:solidFill>
-              </a:rPr>
-              <a:t>, </a:t>
-            </a:r>
-            <a:r>
-              <a:rPr lang="de-DE" sz="1100" dirty="0">
-                <a:solidFill>
-                  <a:schemeClr val="tx1"/>
-                </a:solidFill>
-              </a:rPr>
-              <a:t>SAS JMP</a:t>
-            </a:r>
-            <a:endParaRPr lang="de-DE" sz="1100" dirty="0">
-              <a:solidFill>
-                <a:schemeClr val="tx1"/>
-              </a:solidFill>
-            </a:endParaRPr>
+              <a:t>, R, IBM SPSS, SAS JMP</a:t>
+            </a:r>
           </a:p>
         </p:txBody>
       </p:sp>
@@ -4006,7 +4067,7 @@
           <a:blip r:embed="rId2" cstate="print">
             <a:extLst>
               <a:ext uri="{28A0092B-C50C-407E-A947-70E740481C1C}">
-                <a14:useLocalDpi xmlns:a14="http://schemas.microsoft.com/office/drawing/2010/main" val="0"/>
+                <a14:useLocalDpi xmlns:a14="http://schemas.microsoft.com/office/drawing/2010/main" xmlns="" val="0"/>
               </a:ext>
             </a:extLst>
           </a:blip>
@@ -4501,7 +4562,7 @@
           <p:nvPr/>
         </p:nvPicPr>
         <p:blipFill>
-          <a:blip r:embed="rId4"/>
+          <a:blip r:embed="rId4" cstate="print"/>
           <a:stretch>
             <a:fillRect/>
           </a:stretch>
@@ -4645,7 +4706,7 @@
           <p:nvPr/>
         </p:nvPicPr>
         <p:blipFill>
-          <a:blip r:embed="rId5"/>
+          <a:blip r:embed="rId5" cstate="print"/>
           <a:stretch>
             <a:fillRect/>
           </a:stretch>
@@ -4945,7 +5006,7 @@
           <p:nvPr/>
         </p:nvPicPr>
         <p:blipFill>
-          <a:blip r:embed="rId6"/>
+          <a:blip r:embed="rId6" cstate="print"/>
           <a:stretch>
             <a:fillRect/>
           </a:stretch>
@@ -5133,7 +5194,7 @@
     </p:spTree>
     <p:extLst>
       <p:ext uri="{BB962C8B-B14F-4D97-AF65-F5344CB8AC3E}">
-        <p14:creationId xmlns:p14="http://schemas.microsoft.com/office/powerpoint/2010/main" val="2507785389"/>
+        <p14:creationId xmlns:p14="http://schemas.microsoft.com/office/powerpoint/2010/main" xmlns="" val="2507785389"/>
       </p:ext>
     </p:extLst>
   </p:cSld>
@@ -5261,7 +5322,7 @@
     </a:clrScheme>
     <a:fontScheme name="Larissa">
       <a:majorFont>
-        <a:latin typeface="Calibri Light" panose="020F0302020204030204"/>
+        <a:latin typeface="Calibri Light"/>
         <a:ea typeface=""/>
         <a:cs typeface=""/>
         <a:font script="Jpan" typeface="ＭＳ Ｐゴシック"/>
@@ -5296,7 +5357,7 @@
         <a:font script="Geor" typeface="Sylfaen"/>
       </a:majorFont>
       <a:minorFont>
-        <a:latin typeface="Calibri" panose="020F0502020204030204"/>
+        <a:latin typeface="Calibri"/>
         <a:ea typeface=""/>
         <a:cs typeface=""/>
         <a:font script="Jpan" typeface="ＭＳ Ｐゴシック"/>
@@ -5473,7 +5534,7 @@
   <a:extraClrSchemeLst/>
   <a:extLst>
     <a:ext uri="{05A4C25C-085E-4340-85A3-A5531E510DB2}">
-      <thm15:themeFamily xmlns:thm15="http://schemas.microsoft.com/office/thememl/2012/main" name="Office Theme" id="{62F939B6-93AF-4DB8-9C6B-D6C7DFDC589F}" vid="{4A3C46E8-61CC-4603-A589-7422A47A8E4A}"/>
+      <thm15:themeFamily xmlns:thm15="http://schemas.microsoft.com/office/thememl/2012/main" xmlns="" name="Office Theme" id="{62F939B6-93AF-4DB8-9C6B-D6C7DFDC589F}" vid="{4A3C46E8-61CC-4603-A589-7422A47A8E4A}"/>
     </a:ext>
   </a:extLst>
 </a:theme>

--- a/doc/Publications/JChromatogrB-InCroMAP/InCroMAP_workflow.pptx
+++ b/doc/Publications/JChromatogrB-InCroMAP/InCroMAP_workflow.pptx
@@ -106,7 +106,18 @@
   </p:defaultTextStyle>
   <p:extLst>
     <p:ext uri="{EFAFB233-063F-42B5-8137-9DF3F51BA10A}">
-      <p15:sldGuideLst xmlns:p15="http://schemas.microsoft.com/office/powerpoint/2012/main" xmlns=""/>
+      <p15:sldGuideLst xmlns:p15="http://schemas.microsoft.com/office/powerpoint/2012/main">
+        <p15:guide id="1" orient="horz" pos="2666">
+          <p15:clr>
+            <a:srgbClr val="A4A3A4"/>
+          </p15:clr>
+        </p15:guide>
+        <p15:guide id="2" pos="2160">
+          <p15:clr>
+            <a:srgbClr val="A4A3A4"/>
+          </p15:clr>
+        </p15:guide>
+      </p15:sldGuideLst>
     </p:ext>
   </p:extLst>
 </p:presentation>
@@ -296,7 +307,7 @@
     </p:spTree>
     <p:extLst>
       <p:ext uri="{BB962C8B-B14F-4D97-AF65-F5344CB8AC3E}">
-        <p14:creationId xmlns:p14="http://schemas.microsoft.com/office/powerpoint/2010/main" xmlns="" val="1078272058"/>
+        <p14:creationId xmlns:p14="http://schemas.microsoft.com/office/powerpoint/2010/main" val="1078272058"/>
       </p:ext>
     </p:extLst>
   </p:cSld>
@@ -468,7 +479,7 @@
     </p:spTree>
     <p:extLst>
       <p:ext uri="{BB962C8B-B14F-4D97-AF65-F5344CB8AC3E}">
-        <p14:creationId xmlns:p14="http://schemas.microsoft.com/office/powerpoint/2010/main" xmlns="" val="1311255380"/>
+        <p14:creationId xmlns:p14="http://schemas.microsoft.com/office/powerpoint/2010/main" val="1311255380"/>
       </p:ext>
     </p:extLst>
   </p:cSld>
@@ -650,7 +661,7 @@
     </p:spTree>
     <p:extLst>
       <p:ext uri="{BB962C8B-B14F-4D97-AF65-F5344CB8AC3E}">
-        <p14:creationId xmlns:p14="http://schemas.microsoft.com/office/powerpoint/2010/main" xmlns="" val="1982335472"/>
+        <p14:creationId xmlns:p14="http://schemas.microsoft.com/office/powerpoint/2010/main" val="1982335472"/>
       </p:ext>
     </p:extLst>
   </p:cSld>
@@ -822,7 +833,7 @@
     </p:spTree>
     <p:extLst>
       <p:ext uri="{BB962C8B-B14F-4D97-AF65-F5344CB8AC3E}">
-        <p14:creationId xmlns:p14="http://schemas.microsoft.com/office/powerpoint/2010/main" xmlns="" val="4176661520"/>
+        <p14:creationId xmlns:p14="http://schemas.microsoft.com/office/powerpoint/2010/main" val="4176661520"/>
       </p:ext>
     </p:extLst>
   </p:cSld>
@@ -1068,7 +1079,7 @@
     </p:spTree>
     <p:extLst>
       <p:ext uri="{BB962C8B-B14F-4D97-AF65-F5344CB8AC3E}">
-        <p14:creationId xmlns:p14="http://schemas.microsoft.com/office/powerpoint/2010/main" xmlns="" val="1806995945"/>
+        <p14:creationId xmlns:p14="http://schemas.microsoft.com/office/powerpoint/2010/main" val="1806995945"/>
       </p:ext>
     </p:extLst>
   </p:cSld>
@@ -1302,7 +1313,7 @@
     </p:spTree>
     <p:extLst>
       <p:ext uri="{BB962C8B-B14F-4D97-AF65-F5344CB8AC3E}">
-        <p14:creationId xmlns:p14="http://schemas.microsoft.com/office/powerpoint/2010/main" xmlns="" val="2037762447"/>
+        <p14:creationId xmlns:p14="http://schemas.microsoft.com/office/powerpoint/2010/main" val="2037762447"/>
       </p:ext>
     </p:extLst>
   </p:cSld>
@@ -1671,7 +1682,7 @@
     </p:spTree>
     <p:extLst>
       <p:ext uri="{BB962C8B-B14F-4D97-AF65-F5344CB8AC3E}">
-        <p14:creationId xmlns:p14="http://schemas.microsoft.com/office/powerpoint/2010/main" xmlns="" val="4227992094"/>
+        <p14:creationId xmlns:p14="http://schemas.microsoft.com/office/powerpoint/2010/main" val="4227992094"/>
       </p:ext>
     </p:extLst>
   </p:cSld>
@@ -1791,7 +1802,7 @@
     </p:spTree>
     <p:extLst>
       <p:ext uri="{BB962C8B-B14F-4D97-AF65-F5344CB8AC3E}">
-        <p14:creationId xmlns:p14="http://schemas.microsoft.com/office/powerpoint/2010/main" xmlns="" val="3902939582"/>
+        <p14:creationId xmlns:p14="http://schemas.microsoft.com/office/powerpoint/2010/main" val="3902939582"/>
       </p:ext>
     </p:extLst>
   </p:cSld>
@@ -1888,7 +1899,7 @@
     </p:spTree>
     <p:extLst>
       <p:ext uri="{BB962C8B-B14F-4D97-AF65-F5344CB8AC3E}">
-        <p14:creationId xmlns:p14="http://schemas.microsoft.com/office/powerpoint/2010/main" xmlns="" val="3318743799"/>
+        <p14:creationId xmlns:p14="http://schemas.microsoft.com/office/powerpoint/2010/main" val="3318743799"/>
       </p:ext>
     </p:extLst>
   </p:cSld>
@@ -2167,7 +2178,7 @@
     </p:spTree>
     <p:extLst>
       <p:ext uri="{BB962C8B-B14F-4D97-AF65-F5344CB8AC3E}">
-        <p14:creationId xmlns:p14="http://schemas.microsoft.com/office/powerpoint/2010/main" xmlns="" val="3891305701"/>
+        <p14:creationId xmlns:p14="http://schemas.microsoft.com/office/powerpoint/2010/main" val="3891305701"/>
       </p:ext>
     </p:extLst>
   </p:cSld>
@@ -2426,7 +2437,7 @@
     </p:spTree>
     <p:extLst>
       <p:ext uri="{BB962C8B-B14F-4D97-AF65-F5344CB8AC3E}">
-        <p14:creationId xmlns:p14="http://schemas.microsoft.com/office/powerpoint/2010/main" xmlns="" val="2420284523"/>
+        <p14:creationId xmlns:p14="http://schemas.microsoft.com/office/powerpoint/2010/main" val="2420284523"/>
       </p:ext>
     </p:extLst>
   </p:cSld>
@@ -2677,7 +2688,7 @@
     </p:spTree>
     <p:extLst>
       <p:ext uri="{BB962C8B-B14F-4D97-AF65-F5344CB8AC3E}">
-        <p14:creationId xmlns:p14="http://schemas.microsoft.com/office/powerpoint/2010/main" xmlns="" val="1784323492"/>
+        <p14:creationId xmlns:p14="http://schemas.microsoft.com/office/powerpoint/2010/main" val="1784323492"/>
       </p:ext>
     </p:extLst>
   </p:cSld>
@@ -3671,12 +3682,12 @@
               <a:t>e.g. </a:t>
             </a:r>
             <a:r>
-              <a:rPr lang="de-DE" sz="1100" dirty="0" err="1">
-                <a:solidFill>
-                  <a:schemeClr val="tx1"/>
-                </a:solidFill>
-              </a:rPr>
-              <a:t>MayDay</a:t>
+              <a:rPr lang="de-DE" sz="1100" smtClean="0">
+                <a:solidFill>
+                  <a:schemeClr val="tx1"/>
+                </a:solidFill>
+              </a:rPr>
+              <a:t>Mayday</a:t>
             </a:r>
             <a:r>
               <a:rPr lang="de-DE" sz="1100" dirty="0">
@@ -4067,7 +4078,7 @@
           <a:blip r:embed="rId2" cstate="print">
             <a:extLst>
               <a:ext uri="{28A0092B-C50C-407E-A947-70E740481C1C}">
-                <a14:useLocalDpi xmlns:a14="http://schemas.microsoft.com/office/drawing/2010/main" xmlns="" val="0"/>
+                <a14:useLocalDpi xmlns:a14="http://schemas.microsoft.com/office/drawing/2010/main" val="0"/>
               </a:ext>
             </a:extLst>
           </a:blip>
@@ -5194,7 +5205,7 @@
     </p:spTree>
     <p:extLst>
       <p:ext uri="{BB962C8B-B14F-4D97-AF65-F5344CB8AC3E}">
-        <p14:creationId xmlns:p14="http://schemas.microsoft.com/office/powerpoint/2010/main" xmlns="" val="2507785389"/>
+        <p14:creationId xmlns:p14="http://schemas.microsoft.com/office/powerpoint/2010/main" val="2507785389"/>
       </p:ext>
     </p:extLst>
   </p:cSld>
@@ -5534,7 +5545,7 @@
   <a:extraClrSchemeLst/>
   <a:extLst>
     <a:ext uri="{05A4C25C-085E-4340-85A3-A5531E510DB2}">
-      <thm15:themeFamily xmlns:thm15="http://schemas.microsoft.com/office/thememl/2012/main" xmlns="" name="Office Theme" id="{62F939B6-93AF-4DB8-9C6B-D6C7DFDC589F}" vid="{4A3C46E8-61CC-4603-A589-7422A47A8E4A}"/>
+      <thm15:themeFamily xmlns:thm15="http://schemas.microsoft.com/office/thememl/2012/main" name="Office Theme" id="{62F939B6-93AF-4DB8-9C6B-D6C7DFDC589F}" vid="{4A3C46E8-61CC-4603-A589-7422A47A8E4A}"/>
     </a:ext>
   </a:extLst>
 </a:theme>

--- a/doc/Publications/JChromatogrB-InCroMAP/InCroMAP_workflow.pptx
+++ b/doc/Publications/JChromatogrB-InCroMAP/InCroMAP_workflow.pptx
@@ -2,12 +2,12 @@
 <file path=ppt/presentation.xml><?xml version="1.0" encoding="utf-8"?>
 <p:presentation xmlns:a="http://schemas.openxmlformats.org/drawingml/2006/main" xmlns:r="http://schemas.openxmlformats.org/officeDocument/2006/relationships" xmlns:p="http://schemas.openxmlformats.org/presentationml/2006/main" saveSubsetFonts="1">
   <p:sldMasterIdLst>
-    <p:sldMasterId id="2147483732" r:id="rId1"/>
+    <p:sldMasterId id="2147483756" r:id="rId1"/>
   </p:sldMasterIdLst>
   <p:sldIdLst>
     <p:sldId id="256" r:id="rId2"/>
   </p:sldIdLst>
-  <p:sldSz cx="6858000" cy="8466138"/>
+  <p:sldSz cx="6858000" cy="9042400"/>
   <p:notesSz cx="6858000" cy="9144000"/>
   <p:defaultTextStyle>
     <a:defPPr>
@@ -107,12 +107,12 @@
   <p:extLst>
     <p:ext uri="{EFAFB233-063F-42B5-8137-9DF3F51BA10A}">
       <p15:sldGuideLst xmlns:p15="http://schemas.microsoft.com/office/powerpoint/2012/main">
-        <p15:guide id="1" orient="horz" pos="2666">
+        <p15:guide id="1" orient="horz" pos="2848" userDrawn="1">
           <p15:clr>
             <a:srgbClr val="A4A3A4"/>
           </p15:clr>
         </p15:guide>
-        <p15:guide id="2" pos="2160">
+        <p15:guide id="2" pos="2160" userDrawn="1">
           <p15:clr>
             <a:srgbClr val="A4A3A4"/>
           </p15:clr>
@@ -152,8 +152,8 @@
         </p:nvSpPr>
         <p:spPr>
           <a:xfrm>
-            <a:off x="514350" y="1385547"/>
-            <a:ext cx="5829300" cy="2947470"/>
+            <a:off x="514350" y="1479856"/>
+            <a:ext cx="5829300" cy="3148095"/>
           </a:xfrm>
         </p:spPr>
         <p:txBody>
@@ -184,8 +184,8 @@
         </p:nvSpPr>
         <p:spPr>
           <a:xfrm>
-            <a:off x="857250" y="4446683"/>
-            <a:ext cx="5143500" cy="2044023"/>
+            <a:off x="857250" y="4749354"/>
+            <a:ext cx="5143500" cy="2183153"/>
           </a:xfrm>
         </p:spPr>
         <p:txBody>
@@ -255,7 +255,7 @@
             <a:fld id="{AAAB5D53-F5E7-436B-85BB-F08817CA0FEF}" type="datetimeFigureOut">
               <a:rPr lang="de-DE" smtClean="0"/>
               <a:pPr/>
-              <a:t>19.08.2013</a:t>
+              <a:t>26.08.2013</a:t>
             </a:fld>
             <a:endParaRPr lang="de-DE"/>
           </a:p>
@@ -307,7 +307,7 @@
     </p:spTree>
     <p:extLst>
       <p:ext uri="{BB962C8B-B14F-4D97-AF65-F5344CB8AC3E}">
-        <p14:creationId xmlns:p14="http://schemas.microsoft.com/office/powerpoint/2010/main" val="1078272058"/>
+        <p14:creationId xmlns:p14="http://schemas.microsoft.com/office/powerpoint/2010/main" val="538844912"/>
       </p:ext>
     </p:extLst>
   </p:cSld>
@@ -427,7 +427,7 @@
             <a:fld id="{AAAB5D53-F5E7-436B-85BB-F08817CA0FEF}" type="datetimeFigureOut">
               <a:rPr lang="de-DE" smtClean="0"/>
               <a:pPr/>
-              <a:t>19.08.2013</a:t>
+              <a:t>26.08.2013</a:t>
             </a:fld>
             <a:endParaRPr lang="de-DE"/>
           </a:p>
@@ -479,7 +479,7 @@
     </p:spTree>
     <p:extLst>
       <p:ext uri="{BB962C8B-B14F-4D97-AF65-F5344CB8AC3E}">
-        <p14:creationId xmlns:p14="http://schemas.microsoft.com/office/powerpoint/2010/main" val="1311255380"/>
+        <p14:creationId xmlns:p14="http://schemas.microsoft.com/office/powerpoint/2010/main" val="3537502311"/>
       </p:ext>
     </p:extLst>
   </p:cSld>
@@ -518,8 +518,8 @@
         </p:nvSpPr>
         <p:spPr>
           <a:xfrm>
-            <a:off x="4907757" y="450743"/>
-            <a:ext cx="1478756" cy="7174661"/>
+            <a:off x="4907757" y="481424"/>
+            <a:ext cx="1478756" cy="7663016"/>
           </a:xfrm>
         </p:spPr>
         <p:txBody>
@@ -546,8 +546,8 @@
         </p:nvSpPr>
         <p:spPr>
           <a:xfrm>
-            <a:off x="471488" y="450743"/>
-            <a:ext cx="4350544" cy="7174661"/>
+            <a:off x="471488" y="481424"/>
+            <a:ext cx="4350544" cy="7663016"/>
           </a:xfrm>
         </p:spPr>
         <p:txBody>
@@ -609,7 +609,7 @@
             <a:fld id="{AAAB5D53-F5E7-436B-85BB-F08817CA0FEF}" type="datetimeFigureOut">
               <a:rPr lang="de-DE" smtClean="0"/>
               <a:pPr/>
-              <a:t>19.08.2013</a:t>
+              <a:t>26.08.2013</a:t>
             </a:fld>
             <a:endParaRPr lang="de-DE"/>
           </a:p>
@@ -661,7 +661,7 @@
     </p:spTree>
     <p:extLst>
       <p:ext uri="{BB962C8B-B14F-4D97-AF65-F5344CB8AC3E}">
-        <p14:creationId xmlns:p14="http://schemas.microsoft.com/office/powerpoint/2010/main" val="1982335472"/>
+        <p14:creationId xmlns:p14="http://schemas.microsoft.com/office/powerpoint/2010/main" val="3147751996"/>
       </p:ext>
     </p:extLst>
   </p:cSld>
@@ -781,7 +781,7 @@
             <a:fld id="{AAAB5D53-F5E7-436B-85BB-F08817CA0FEF}" type="datetimeFigureOut">
               <a:rPr lang="de-DE" smtClean="0"/>
               <a:pPr/>
-              <a:t>19.08.2013</a:t>
+              <a:t>26.08.2013</a:t>
             </a:fld>
             <a:endParaRPr lang="de-DE"/>
           </a:p>
@@ -833,7 +833,7 @@
     </p:spTree>
     <p:extLst>
       <p:ext uri="{BB962C8B-B14F-4D97-AF65-F5344CB8AC3E}">
-        <p14:creationId xmlns:p14="http://schemas.microsoft.com/office/powerpoint/2010/main" val="4176661520"/>
+        <p14:creationId xmlns:p14="http://schemas.microsoft.com/office/powerpoint/2010/main" val="2518353221"/>
       </p:ext>
     </p:extLst>
   </p:cSld>
@@ -872,8 +872,8 @@
         </p:nvSpPr>
         <p:spPr>
           <a:xfrm>
-            <a:off x="467916" y="2110658"/>
-            <a:ext cx="5915025" cy="3521678"/>
+            <a:off x="467916" y="2254323"/>
+            <a:ext cx="5915025" cy="3761387"/>
           </a:xfrm>
         </p:spPr>
         <p:txBody>
@@ -904,8 +904,8 @@
         </p:nvSpPr>
         <p:spPr>
           <a:xfrm>
-            <a:off x="467916" y="5665652"/>
-            <a:ext cx="5915025" cy="1851967"/>
+            <a:off x="467916" y="6051294"/>
+            <a:ext cx="5915025" cy="1978024"/>
           </a:xfrm>
         </p:spPr>
         <p:txBody>
@@ -1027,7 +1027,7 @@
             <a:fld id="{AAAB5D53-F5E7-436B-85BB-F08817CA0FEF}" type="datetimeFigureOut">
               <a:rPr lang="de-DE" smtClean="0"/>
               <a:pPr/>
-              <a:t>19.08.2013</a:t>
+              <a:t>26.08.2013</a:t>
             </a:fld>
             <a:endParaRPr lang="de-DE"/>
           </a:p>
@@ -1079,7 +1079,7 @@
     </p:spTree>
     <p:extLst>
       <p:ext uri="{BB962C8B-B14F-4D97-AF65-F5344CB8AC3E}">
-        <p14:creationId xmlns:p14="http://schemas.microsoft.com/office/powerpoint/2010/main" val="1806995945"/>
+        <p14:creationId xmlns:p14="http://schemas.microsoft.com/office/powerpoint/2010/main" val="3564631376"/>
       </p:ext>
     </p:extLst>
   </p:cSld>
@@ -1141,8 +1141,8 @@
         </p:nvSpPr>
         <p:spPr>
           <a:xfrm>
-            <a:off x="471488" y="2253717"/>
-            <a:ext cx="2914650" cy="5371687"/>
+            <a:off x="471488" y="2407120"/>
+            <a:ext cx="2914650" cy="5737320"/>
           </a:xfrm>
         </p:spPr>
         <p:txBody>
@@ -1198,8 +1198,8 @@
         </p:nvSpPr>
         <p:spPr>
           <a:xfrm>
-            <a:off x="3471863" y="2253717"/>
-            <a:ext cx="2914650" cy="5371687"/>
+            <a:off x="3471863" y="2407120"/>
+            <a:ext cx="2914650" cy="5737320"/>
           </a:xfrm>
         </p:spPr>
         <p:txBody>
@@ -1261,7 +1261,7 @@
             <a:fld id="{AAAB5D53-F5E7-436B-85BB-F08817CA0FEF}" type="datetimeFigureOut">
               <a:rPr lang="de-DE" smtClean="0"/>
               <a:pPr/>
-              <a:t>19.08.2013</a:t>
+              <a:t>26.08.2013</a:t>
             </a:fld>
             <a:endParaRPr lang="de-DE"/>
           </a:p>
@@ -1313,7 +1313,7 @@
     </p:spTree>
     <p:extLst>
       <p:ext uri="{BB962C8B-B14F-4D97-AF65-F5344CB8AC3E}">
-        <p14:creationId xmlns:p14="http://schemas.microsoft.com/office/powerpoint/2010/main" val="2037762447"/>
+        <p14:creationId xmlns:p14="http://schemas.microsoft.com/office/powerpoint/2010/main" val="574855257"/>
       </p:ext>
     </p:extLst>
   </p:cSld>
@@ -1352,8 +1352,8 @@
         </p:nvSpPr>
         <p:spPr>
           <a:xfrm>
-            <a:off x="472381" y="450745"/>
-            <a:ext cx="5915025" cy="1636395"/>
+            <a:off x="472381" y="481426"/>
+            <a:ext cx="5915025" cy="1747779"/>
           </a:xfrm>
         </p:spPr>
         <p:txBody>
@@ -1380,8 +1380,8 @@
         </p:nvSpPr>
         <p:spPr>
           <a:xfrm>
-            <a:off x="472381" y="2075380"/>
-            <a:ext cx="2901255" cy="1017112"/>
+            <a:off x="472381" y="2216645"/>
+            <a:ext cx="2901255" cy="1086343"/>
           </a:xfrm>
         </p:spPr>
         <p:txBody>
@@ -1445,8 +1445,8 @@
         </p:nvSpPr>
         <p:spPr>
           <a:xfrm>
-            <a:off x="472381" y="3092492"/>
-            <a:ext cx="2901255" cy="4548590"/>
+            <a:off x="472381" y="3302988"/>
+            <a:ext cx="2901255" cy="4858198"/>
           </a:xfrm>
         </p:spPr>
         <p:txBody>
@@ -1502,8 +1502,8 @@
         </p:nvSpPr>
         <p:spPr>
           <a:xfrm>
-            <a:off x="3471863" y="2075380"/>
-            <a:ext cx="2915543" cy="1017112"/>
+            <a:off x="3471863" y="2216645"/>
+            <a:ext cx="2915543" cy="1086343"/>
           </a:xfrm>
         </p:spPr>
         <p:txBody>
@@ -1567,8 +1567,8 @@
         </p:nvSpPr>
         <p:spPr>
           <a:xfrm>
-            <a:off x="3471863" y="3092492"/>
-            <a:ext cx="2915543" cy="4548590"/>
+            <a:off x="3471863" y="3302988"/>
+            <a:ext cx="2915543" cy="4858198"/>
           </a:xfrm>
         </p:spPr>
         <p:txBody>
@@ -1630,7 +1630,7 @@
             <a:fld id="{AAAB5D53-F5E7-436B-85BB-F08817CA0FEF}" type="datetimeFigureOut">
               <a:rPr lang="de-DE" smtClean="0"/>
               <a:pPr/>
-              <a:t>19.08.2013</a:t>
+              <a:t>26.08.2013</a:t>
             </a:fld>
             <a:endParaRPr lang="de-DE"/>
           </a:p>
@@ -1682,7 +1682,7 @@
     </p:spTree>
     <p:extLst>
       <p:ext uri="{BB962C8B-B14F-4D97-AF65-F5344CB8AC3E}">
-        <p14:creationId xmlns:p14="http://schemas.microsoft.com/office/powerpoint/2010/main" val="4227992094"/>
+        <p14:creationId xmlns:p14="http://schemas.microsoft.com/office/powerpoint/2010/main" val="369256133"/>
       </p:ext>
     </p:extLst>
   </p:cSld>
@@ -1750,7 +1750,7 @@
             <a:fld id="{AAAB5D53-F5E7-436B-85BB-F08817CA0FEF}" type="datetimeFigureOut">
               <a:rPr lang="de-DE" smtClean="0"/>
               <a:pPr/>
-              <a:t>19.08.2013</a:t>
+              <a:t>26.08.2013</a:t>
             </a:fld>
             <a:endParaRPr lang="de-DE"/>
           </a:p>
@@ -1802,7 +1802,7 @@
     </p:spTree>
     <p:extLst>
       <p:ext uri="{BB962C8B-B14F-4D97-AF65-F5344CB8AC3E}">
-        <p14:creationId xmlns:p14="http://schemas.microsoft.com/office/powerpoint/2010/main" val="3902939582"/>
+        <p14:creationId xmlns:p14="http://schemas.microsoft.com/office/powerpoint/2010/main" val="1172405678"/>
       </p:ext>
     </p:extLst>
   </p:cSld>
@@ -1847,7 +1847,7 @@
             <a:fld id="{AAAB5D53-F5E7-436B-85BB-F08817CA0FEF}" type="datetimeFigureOut">
               <a:rPr lang="de-DE" smtClean="0"/>
               <a:pPr/>
-              <a:t>19.08.2013</a:t>
+              <a:t>26.08.2013</a:t>
             </a:fld>
             <a:endParaRPr lang="de-DE"/>
           </a:p>
@@ -1899,7 +1899,7 @@
     </p:spTree>
     <p:extLst>
       <p:ext uri="{BB962C8B-B14F-4D97-AF65-F5344CB8AC3E}">
-        <p14:creationId xmlns:p14="http://schemas.microsoft.com/office/powerpoint/2010/main" val="3318743799"/>
+        <p14:creationId xmlns:p14="http://schemas.microsoft.com/office/powerpoint/2010/main" val="2245240957"/>
       </p:ext>
     </p:extLst>
   </p:cSld>
@@ -1938,8 +1938,8 @@
         </p:nvSpPr>
         <p:spPr>
           <a:xfrm>
-            <a:off x="472381" y="564409"/>
-            <a:ext cx="2211884" cy="1975432"/>
+            <a:off x="472381" y="602827"/>
+            <a:ext cx="2211884" cy="2109893"/>
           </a:xfrm>
         </p:spPr>
         <p:txBody>
@@ -1970,8 +1970,8 @@
         </p:nvSpPr>
         <p:spPr>
           <a:xfrm>
-            <a:off x="2915543" y="1218969"/>
-            <a:ext cx="3471863" cy="6016445"/>
+            <a:off x="2915543" y="1301940"/>
+            <a:ext cx="3471863" cy="6425965"/>
           </a:xfrm>
         </p:spPr>
         <p:txBody>
@@ -2055,8 +2055,8 @@
         </p:nvSpPr>
         <p:spPr>
           <a:xfrm>
-            <a:off x="472381" y="2539842"/>
-            <a:ext cx="2211884" cy="4705370"/>
+            <a:off x="472381" y="2712720"/>
+            <a:ext cx="2211884" cy="5025649"/>
           </a:xfrm>
         </p:spPr>
         <p:txBody>
@@ -2126,7 +2126,7 @@
             <a:fld id="{AAAB5D53-F5E7-436B-85BB-F08817CA0FEF}" type="datetimeFigureOut">
               <a:rPr lang="de-DE" smtClean="0"/>
               <a:pPr/>
-              <a:t>19.08.2013</a:t>
+              <a:t>26.08.2013</a:t>
             </a:fld>
             <a:endParaRPr lang="de-DE"/>
           </a:p>
@@ -2178,7 +2178,7 @@
     </p:spTree>
     <p:extLst>
       <p:ext uri="{BB962C8B-B14F-4D97-AF65-F5344CB8AC3E}">
-        <p14:creationId xmlns:p14="http://schemas.microsoft.com/office/powerpoint/2010/main" val="3891305701"/>
+        <p14:creationId xmlns:p14="http://schemas.microsoft.com/office/powerpoint/2010/main" val="299738601"/>
       </p:ext>
     </p:extLst>
   </p:cSld>
@@ -2217,8 +2217,8 @@
         </p:nvSpPr>
         <p:spPr>
           <a:xfrm>
-            <a:off x="472381" y="564409"/>
-            <a:ext cx="2211884" cy="1975432"/>
+            <a:off x="472381" y="602827"/>
+            <a:ext cx="2211884" cy="2109893"/>
           </a:xfrm>
         </p:spPr>
         <p:txBody>
@@ -2249,8 +2249,8 @@
         </p:nvSpPr>
         <p:spPr>
           <a:xfrm>
-            <a:off x="2915543" y="1218969"/>
-            <a:ext cx="3471863" cy="6016445"/>
+            <a:off x="2915543" y="1301940"/>
+            <a:ext cx="3471863" cy="6425965"/>
           </a:xfrm>
         </p:spPr>
         <p:txBody>
@@ -2314,8 +2314,8 @@
         </p:nvSpPr>
         <p:spPr>
           <a:xfrm>
-            <a:off x="472381" y="2539842"/>
-            <a:ext cx="2211884" cy="4705370"/>
+            <a:off x="472381" y="2712720"/>
+            <a:ext cx="2211884" cy="5025649"/>
           </a:xfrm>
         </p:spPr>
         <p:txBody>
@@ -2385,7 +2385,7 @@
             <a:fld id="{AAAB5D53-F5E7-436B-85BB-F08817CA0FEF}" type="datetimeFigureOut">
               <a:rPr lang="de-DE" smtClean="0"/>
               <a:pPr/>
-              <a:t>19.08.2013</a:t>
+              <a:t>26.08.2013</a:t>
             </a:fld>
             <a:endParaRPr lang="de-DE"/>
           </a:p>
@@ -2437,7 +2437,7 @@
     </p:spTree>
     <p:extLst>
       <p:ext uri="{BB962C8B-B14F-4D97-AF65-F5344CB8AC3E}">
-        <p14:creationId xmlns:p14="http://schemas.microsoft.com/office/powerpoint/2010/main" val="2420284523"/>
+        <p14:creationId xmlns:p14="http://schemas.microsoft.com/office/powerpoint/2010/main" val="2771024177"/>
       </p:ext>
     </p:extLst>
   </p:cSld>
@@ -2481,8 +2481,8 @@
         </p:nvSpPr>
         <p:spPr>
           <a:xfrm>
-            <a:off x="471488" y="450745"/>
-            <a:ext cx="5915025" cy="1636395"/>
+            <a:off x="471488" y="481426"/>
+            <a:ext cx="5915025" cy="1747779"/>
           </a:xfrm>
           <a:prstGeom prst="rect">
             <a:avLst/>
@@ -2514,8 +2514,8 @@
         </p:nvSpPr>
         <p:spPr>
           <a:xfrm>
-            <a:off x="471488" y="2253717"/>
-            <a:ext cx="5915025" cy="5371687"/>
+            <a:off x="471488" y="2407120"/>
+            <a:ext cx="5915025" cy="5737320"/>
           </a:xfrm>
           <a:prstGeom prst="rect">
             <a:avLst/>
@@ -2576,8 +2576,8 @@
         </p:nvSpPr>
         <p:spPr>
           <a:xfrm>
-            <a:off x="471488" y="7846858"/>
-            <a:ext cx="1543050" cy="450743"/>
+            <a:off x="471488" y="8380967"/>
+            <a:ext cx="1543050" cy="481424"/>
           </a:xfrm>
           <a:prstGeom prst="rect">
             <a:avLst/>
@@ -2600,7 +2600,7 @@
             <a:fld id="{AAAB5D53-F5E7-436B-85BB-F08817CA0FEF}" type="datetimeFigureOut">
               <a:rPr lang="de-DE" smtClean="0"/>
               <a:pPr/>
-              <a:t>19.08.2013</a:t>
+              <a:t>26.08.2013</a:t>
             </a:fld>
             <a:endParaRPr lang="de-DE"/>
           </a:p>
@@ -2618,8 +2618,8 @@
         </p:nvSpPr>
         <p:spPr>
           <a:xfrm>
-            <a:off x="2271713" y="7846858"/>
-            <a:ext cx="2314575" cy="450743"/>
+            <a:off x="2271713" y="8380967"/>
+            <a:ext cx="2314575" cy="481424"/>
           </a:xfrm>
           <a:prstGeom prst="rect">
             <a:avLst/>
@@ -2655,8 +2655,8 @@
         </p:nvSpPr>
         <p:spPr>
           <a:xfrm>
-            <a:off x="4843463" y="7846858"/>
-            <a:ext cx="1543050" cy="450743"/>
+            <a:off x="4843463" y="8380967"/>
+            <a:ext cx="1543050" cy="481424"/>
           </a:xfrm>
           <a:prstGeom prst="rect">
             <a:avLst/>
@@ -2688,23 +2688,23 @@
     </p:spTree>
     <p:extLst>
       <p:ext uri="{BB962C8B-B14F-4D97-AF65-F5344CB8AC3E}">
-        <p14:creationId xmlns:p14="http://schemas.microsoft.com/office/powerpoint/2010/main" val="1784323492"/>
+        <p14:creationId xmlns:p14="http://schemas.microsoft.com/office/powerpoint/2010/main" val="3681904036"/>
       </p:ext>
     </p:extLst>
   </p:cSld>
   <p:clrMap bg1="lt1" tx1="dk1" bg2="lt2" tx2="dk2" accent1="accent1" accent2="accent2" accent3="accent3" accent4="accent4" accent5="accent5" accent6="accent6" hlink="hlink" folHlink="folHlink"/>
   <p:sldLayoutIdLst>
-    <p:sldLayoutId id="2147483733" r:id="rId1"/>
-    <p:sldLayoutId id="2147483734" r:id="rId2"/>
-    <p:sldLayoutId id="2147483735" r:id="rId3"/>
-    <p:sldLayoutId id="2147483736" r:id="rId4"/>
-    <p:sldLayoutId id="2147483737" r:id="rId5"/>
-    <p:sldLayoutId id="2147483738" r:id="rId6"/>
-    <p:sldLayoutId id="2147483739" r:id="rId7"/>
-    <p:sldLayoutId id="2147483740" r:id="rId8"/>
-    <p:sldLayoutId id="2147483741" r:id="rId9"/>
-    <p:sldLayoutId id="2147483742" r:id="rId10"/>
-    <p:sldLayoutId id="2147483743" r:id="rId11"/>
+    <p:sldLayoutId id="2147483757" r:id="rId1"/>
+    <p:sldLayoutId id="2147483758" r:id="rId2"/>
+    <p:sldLayoutId id="2147483759" r:id="rId3"/>
+    <p:sldLayoutId id="2147483760" r:id="rId4"/>
+    <p:sldLayoutId id="2147483761" r:id="rId5"/>
+    <p:sldLayoutId id="2147483762" r:id="rId6"/>
+    <p:sldLayoutId id="2147483763" r:id="rId7"/>
+    <p:sldLayoutId id="2147483764" r:id="rId8"/>
+    <p:sldLayoutId id="2147483765" r:id="rId9"/>
+    <p:sldLayoutId id="2147483766" r:id="rId10"/>
+    <p:sldLayoutId id="2147483767" r:id="rId11"/>
   </p:sldLayoutIdLst>
   <p:txStyles>
     <p:titleStyle>
@@ -3014,7 +3014,7 @@
         </p:nvSpPr>
         <p:spPr>
           <a:xfrm>
-            <a:off x="171454" y="92079"/>
+            <a:off x="171462" y="713267"/>
             <a:ext cx="1180381" cy="378000"/>
           </a:xfrm>
           <a:prstGeom prst="roundRect">
@@ -3054,7 +3054,7 @@
                   <a:schemeClr val="tx1"/>
                 </a:solidFill>
               </a:rPr>
-              <a:t>mRNA</a:t>
+              <a:t>DNAm</a:t>
             </a:r>
             <a:endParaRPr lang="de-DE" sz="1200" dirty="0">
               <a:solidFill>
@@ -3072,7 +3072,7 @@
         </p:nvSpPr>
         <p:spPr>
           <a:xfrm>
-            <a:off x="2855016" y="88618"/>
+            <a:off x="2855024" y="709806"/>
             <a:ext cx="1180381" cy="378000"/>
           </a:xfrm>
           <a:prstGeom prst="roundRect">
@@ -3112,7 +3112,7 @@
                   <a:schemeClr val="tx1"/>
                 </a:solidFill>
               </a:rPr>
-              <a:t>DNAm</a:t>
+              <a:t>miRNA</a:t>
             </a:r>
             <a:endParaRPr lang="de-DE" sz="1200" dirty="0">
               <a:solidFill>
@@ -3130,7 +3130,7 @@
         </p:nvSpPr>
         <p:spPr>
           <a:xfrm>
-            <a:off x="4196795" y="88184"/>
+            <a:off x="4196803" y="709372"/>
             <a:ext cx="1180381" cy="378000"/>
           </a:xfrm>
           <a:prstGeom prst="roundRect">
@@ -3170,8 +3170,21 @@
                   <a:schemeClr val="tx1"/>
                 </a:solidFill>
               </a:rPr>
-              <a:t>Protein</a:t>
-            </a:r>
+              <a:t>Protein </a:t>
+            </a:r>
+            <a:r>
+              <a:rPr lang="de-DE" sz="1200" dirty="0" err="1">
+                <a:solidFill>
+                  <a:schemeClr val="tx1"/>
+                </a:solidFill>
+              </a:rPr>
+              <a:t>features</a:t>
+            </a:r>
+            <a:endParaRPr lang="de-DE" sz="1200" dirty="0">
+              <a:solidFill>
+                <a:schemeClr val="tx1"/>
+              </a:solidFill>
+            </a:endParaRPr>
           </a:p>
         </p:txBody>
       </p:sp>
@@ -3183,7 +3196,7 @@
         </p:nvSpPr>
         <p:spPr>
           <a:xfrm>
-            <a:off x="1513236" y="88618"/>
+            <a:off x="1513244" y="709806"/>
             <a:ext cx="1180381" cy="378000"/>
           </a:xfrm>
           <a:prstGeom prst="roundRect">
@@ -3223,7 +3236,7 @@
                   <a:schemeClr val="tx1"/>
                 </a:solidFill>
               </a:rPr>
-              <a:t>miRNA</a:t>
+              <a:t>mRNA</a:t>
             </a:r>
             <a:endParaRPr lang="de-DE" sz="1200" dirty="0">
               <a:solidFill>
@@ -3241,7 +3254,7 @@
         </p:nvSpPr>
         <p:spPr>
           <a:xfrm>
-            <a:off x="5538578" y="91730"/>
+            <a:off x="5538586" y="712918"/>
             <a:ext cx="1180381" cy="378000"/>
           </a:xfrm>
           <a:prstGeom prst="roundRect">
@@ -3283,6 +3296,22 @@
               </a:rPr>
               <a:t>Metabolite</a:t>
             </a:r>
+            <a:r>
+              <a:rPr lang="de-DE" sz="1200" dirty="0">
+                <a:solidFill>
+                  <a:schemeClr val="tx1"/>
+                </a:solidFill>
+              </a:rPr>
+              <a:t> </a:t>
+            </a:r>
+            <a:r>
+              <a:rPr lang="de-DE" sz="1200" dirty="0" err="1">
+                <a:solidFill>
+                  <a:schemeClr val="tx1"/>
+                </a:solidFill>
+              </a:rPr>
+              <a:t>features</a:t>
+            </a:r>
             <a:endParaRPr lang="de-DE" sz="1200" dirty="0">
               <a:solidFill>
                 <a:schemeClr val="tx1"/>
@@ -3299,8 +3328,8 @@
         </p:nvSpPr>
         <p:spPr>
           <a:xfrm>
-            <a:off x="5532495" y="781963"/>
-            <a:ext cx="1180381" cy="378000"/>
+            <a:off x="4196803" y="1400294"/>
+            <a:ext cx="2516081" cy="378000"/>
           </a:xfrm>
           <a:prstGeom prst="roundRect">
             <a:avLst/>
@@ -3334,7 +3363,7 @@
           <a:p>
             <a:pPr algn="ctr"/>
             <a:r>
-              <a:rPr lang="de-DE" sz="1100">
+              <a:rPr lang="de-DE" sz="1100" dirty="0" err="1" smtClean="0">
                 <a:solidFill>
                   <a:schemeClr val="tx1"/>
                 </a:solidFill>
@@ -3381,8 +3410,8 @@
         </p:nvSpPr>
         <p:spPr>
           <a:xfrm>
-            <a:off x="171454" y="781963"/>
-            <a:ext cx="5205721" cy="378000"/>
+            <a:off x="171457" y="1400294"/>
+            <a:ext cx="3863922" cy="378000"/>
           </a:xfrm>
           <a:prstGeom prst="roundRect">
             <a:avLst/>
@@ -3416,7 +3445,7 @@
           <a:p>
             <a:pPr algn="ctr"/>
             <a:r>
-              <a:rPr lang="de-DE" sz="1100" dirty="0" err="1" smtClean="0">
+              <a:rPr lang="de-DE" sz="1100" dirty="0" err="1">
                 <a:solidFill>
                   <a:schemeClr val="tx1"/>
                 </a:solidFill>
@@ -3437,18 +3466,10 @@
                   <a:schemeClr val="tx1"/>
                 </a:solidFill>
               </a:rPr>
-              <a:t>e.g. </a:t>
-            </a:r>
-            <a:r>
-              <a:rPr lang="de-DE" sz="1100" dirty="0" smtClean="0">
-                <a:solidFill>
-                  <a:schemeClr val="tx1"/>
-                </a:solidFill>
-              </a:rPr>
-              <a:t>R/</a:t>
-            </a:r>
-            <a:r>
-              <a:rPr lang="de-DE" sz="1100" dirty="0" err="1" smtClean="0">
+              <a:t>e.g. R/</a:t>
+            </a:r>
+            <a:r>
+              <a:rPr lang="de-DE" sz="1100" dirty="0" err="1">
                 <a:solidFill>
                   <a:schemeClr val="tx1"/>
                 </a:solidFill>
@@ -3456,7 +3477,7 @@
               <a:t>Bioconductor</a:t>
             </a:r>
             <a:r>
-              <a:rPr lang="de-DE" sz="1100" dirty="0" smtClean="0">
+              <a:rPr lang="de-DE" sz="1100" dirty="0">
                 <a:solidFill>
                   <a:schemeClr val="tx1"/>
                 </a:solidFill>
@@ -3464,7 +3485,7 @@
               <a:t>, </a:t>
             </a:r>
             <a:r>
-              <a:rPr lang="de-DE" sz="1100" dirty="0" err="1" smtClean="0">
+              <a:rPr lang="de-DE" sz="1100" dirty="0" err="1">
                 <a:solidFill>
                   <a:schemeClr val="tx1"/>
                 </a:solidFill>
@@ -3472,50 +3493,13 @@
               <a:t>GeneData</a:t>
             </a:r>
             <a:r>
-              <a:rPr lang="de-DE" sz="1100" dirty="0" smtClean="0">
-                <a:solidFill>
-                  <a:schemeClr val="tx1"/>
-                </a:solidFill>
-              </a:rPr>
-              <a:t> Expressionist, </a:t>
-            </a:r>
-            <a:r>
-              <a:rPr lang="de-DE" sz="1100" dirty="0" err="1" smtClean="0">
-                <a:solidFill>
-                  <a:schemeClr val="tx1"/>
-                </a:solidFill>
-              </a:rPr>
-              <a:t>Spotfire</a:t>
-            </a:r>
-            <a:r>
-              <a:rPr lang="de-DE" sz="1100" dirty="0" smtClean="0">
-                <a:solidFill>
-                  <a:schemeClr val="tx1"/>
-                </a:solidFill>
-              </a:rPr>
-              <a:t> </a:t>
-            </a:r>
-            <a:r>
-              <a:rPr lang="de-DE" sz="1100" dirty="0" err="1" smtClean="0">
-                <a:solidFill>
-                  <a:schemeClr val="tx1"/>
-                </a:solidFill>
-              </a:rPr>
-              <a:t>DecisionSite</a:t>
-            </a:r>
-            <a:r>
-              <a:rPr lang="de-DE" sz="1100" dirty="0" smtClean="0">
-                <a:solidFill>
-                  <a:schemeClr val="tx1"/>
-                </a:solidFill>
-              </a:rPr>
-              <a:t> </a:t>
-            </a:r>
-            <a:endParaRPr lang="de-DE" sz="1100" dirty="0">
-              <a:solidFill>
-                <a:schemeClr val="tx1"/>
-              </a:solidFill>
-            </a:endParaRPr>
+              <a:rPr lang="de-DE" sz="1100" dirty="0">
+                <a:solidFill>
+                  <a:schemeClr val="tx1"/>
+                </a:solidFill>
+              </a:rPr>
+              <a:t> Expressionist</a:t>
+            </a:r>
           </a:p>
         </p:txBody>
       </p:sp>
@@ -3527,7 +3511,7 @@
         </p:nvSpPr>
         <p:spPr>
           <a:xfrm>
-            <a:off x="171456" y="1468070"/>
+            <a:off x="171464" y="2089259"/>
             <a:ext cx="6547503" cy="378000"/>
           </a:xfrm>
           <a:prstGeom prst="roundRect">
@@ -3682,7 +3666,7 @@
               <a:t>e.g. </a:t>
             </a:r>
             <a:r>
-              <a:rPr lang="de-DE" sz="1100" smtClean="0">
+              <a:rPr lang="de-DE" sz="1100">
                 <a:solidFill>
                   <a:schemeClr val="tx1"/>
                 </a:solidFill>
@@ -3708,7 +3692,7 @@
         </p:nvSpPr>
         <p:spPr>
           <a:xfrm>
-            <a:off x="694535" y="470570"/>
+            <a:off x="694535" y="1091758"/>
             <a:ext cx="134216" cy="287772"/>
           </a:xfrm>
           <a:prstGeom prst="downArrow">
@@ -3748,7 +3732,7 @@
         </p:nvSpPr>
         <p:spPr>
           <a:xfrm>
-            <a:off x="2036314" y="470570"/>
+            <a:off x="2036314" y="1091758"/>
             <a:ext cx="134216" cy="287772"/>
           </a:xfrm>
           <a:prstGeom prst="downArrow">
@@ -3788,7 +3772,7 @@
         </p:nvSpPr>
         <p:spPr>
           <a:xfrm>
-            <a:off x="3378093" y="470570"/>
+            <a:off x="3378093" y="1091758"/>
             <a:ext cx="134216" cy="287772"/>
           </a:xfrm>
           <a:prstGeom prst="downArrow">
@@ -3822,13 +3806,13 @@
       </p:sp>
       <p:sp>
         <p:nvSpPr>
-          <p:cNvPr id="16" name="Pfeil nach unten 15"/>
+          <p:cNvPr id="17" name="Pfeil nach unten 16"/>
           <p:cNvSpPr/>
           <p:nvPr/>
         </p:nvSpPr>
         <p:spPr>
           <a:xfrm>
-            <a:off x="4719872" y="470570"/>
+            <a:off x="6061652" y="1094139"/>
             <a:ext cx="134216" cy="287772"/>
           </a:xfrm>
           <a:prstGeom prst="downArrow">
@@ -3862,13 +3846,13 @@
       </p:sp>
       <p:sp>
         <p:nvSpPr>
-          <p:cNvPr id="17" name="Pfeil nach unten 16"/>
+          <p:cNvPr id="18" name="Pfeil nach unten 17"/>
           <p:cNvSpPr/>
           <p:nvPr/>
         </p:nvSpPr>
         <p:spPr>
           <a:xfrm>
-            <a:off x="6061652" y="470570"/>
+            <a:off x="5387730" y="1782641"/>
             <a:ext cx="134216" cy="287772"/>
           </a:xfrm>
           <a:prstGeom prst="downArrow">
@@ -3902,13 +3886,13 @@
       </p:sp>
       <p:sp>
         <p:nvSpPr>
-          <p:cNvPr id="18" name="Pfeil nach unten 17"/>
+          <p:cNvPr id="19" name="Pfeil nach unten 18"/>
           <p:cNvSpPr/>
           <p:nvPr/>
         </p:nvSpPr>
         <p:spPr>
           <a:xfrm>
-            <a:off x="6061652" y="1162181"/>
+            <a:off x="2036310" y="1783078"/>
             <a:ext cx="134216" cy="287772"/>
           </a:xfrm>
           <a:prstGeom prst="downArrow">
@@ -3942,53 +3926,13 @@
       </p:sp>
       <p:sp>
         <p:nvSpPr>
-          <p:cNvPr id="19" name="Pfeil nach unten 18"/>
-          <p:cNvSpPr/>
-          <p:nvPr/>
-        </p:nvSpPr>
-        <p:spPr>
-          <a:xfrm>
-            <a:off x="2707202" y="1162181"/>
-            <a:ext cx="134216" cy="287772"/>
-          </a:xfrm>
-          <a:prstGeom prst="downArrow">
-            <a:avLst/>
-          </a:prstGeom>
-        </p:spPr>
-        <p:style>
-          <a:lnRef idx="2">
-            <a:schemeClr val="dk1">
-              <a:shade val="50000"/>
-            </a:schemeClr>
-          </a:lnRef>
-          <a:fillRef idx="1">
-            <a:schemeClr val="dk1"/>
-          </a:fillRef>
-          <a:effectRef idx="0">
-            <a:schemeClr val="dk1"/>
-          </a:effectRef>
-          <a:fontRef idx="minor">
-            <a:schemeClr val="lt1"/>
-          </a:fontRef>
-        </p:style>
-        <p:txBody>
-          <a:bodyPr rtlCol="0" anchor="ctr"/>
-          <a:lstStyle/>
-          <a:p>
-            <a:pPr algn="ctr"/>
-            <a:endParaRPr lang="de-DE" sz="1801"/>
-          </a:p>
-        </p:txBody>
-      </p:sp>
-      <p:sp>
-        <p:nvSpPr>
           <p:cNvPr id="20" name="Abgerundetes Rechteck 19"/>
           <p:cNvSpPr/>
           <p:nvPr/>
         </p:nvSpPr>
         <p:spPr>
           <a:xfrm>
-            <a:off x="171456" y="2838434"/>
+            <a:off x="171464" y="3464385"/>
             <a:ext cx="6547503" cy="5551812"/>
           </a:xfrm>
           <a:prstGeom prst="roundRect">
@@ -4044,7 +3988,7 @@
         </p:nvSpPr>
         <p:spPr>
           <a:xfrm>
-            <a:off x="181501" y="2797074"/>
+            <a:off x="181501" y="3423025"/>
             <a:ext cx="1170330" cy="338554"/>
           </a:xfrm>
           <a:prstGeom prst="rect">
@@ -4088,7 +4032,7 @@
         </p:blipFill>
         <p:spPr>
           <a:xfrm>
-            <a:off x="389733" y="3105908"/>
+            <a:off x="389733" y="3731859"/>
             <a:ext cx="594360" cy="594360"/>
           </a:xfrm>
           <a:prstGeom prst="rect">
@@ -4104,7 +4048,7 @@
         </p:nvSpPr>
         <p:spPr>
           <a:xfrm>
-            <a:off x="1351836" y="4192765"/>
+            <a:off x="1351836" y="4818716"/>
             <a:ext cx="1847850" cy="378000"/>
           </a:xfrm>
           <a:prstGeom prst="roundRect">
@@ -4186,7 +4130,7 @@
         </p:nvSpPr>
         <p:spPr>
           <a:xfrm>
-            <a:off x="3684649" y="4193710"/>
+            <a:off x="3684649" y="4819661"/>
             <a:ext cx="1847850" cy="378000"/>
           </a:xfrm>
           <a:prstGeom prst="roundRect">
@@ -4268,7 +4212,7 @@
         </p:nvSpPr>
         <p:spPr>
           <a:xfrm>
-            <a:off x="626242" y="6416830"/>
+            <a:off x="626250" y="7042781"/>
             <a:ext cx="2573447" cy="1875514"/>
           </a:xfrm>
           <a:prstGeom prst="roundRect">
@@ -4416,7 +4360,7 @@
         </p:nvSpPr>
         <p:spPr>
           <a:xfrm>
-            <a:off x="3684652" y="6420005"/>
+            <a:off x="3684660" y="7045956"/>
             <a:ext cx="2573447" cy="1875514"/>
           </a:xfrm>
           <a:prstGeom prst="roundRect">
@@ -4556,7 +4500,7 @@
         </p:blipFill>
         <p:spPr>
           <a:xfrm>
-            <a:off x="3779523" y="6813528"/>
+            <a:off x="3779531" y="7439487"/>
             <a:ext cx="2381469" cy="1432387"/>
           </a:xfrm>
           <a:prstGeom prst="rect">
@@ -4580,7 +4524,7 @@
         </p:blipFill>
         <p:spPr>
           <a:xfrm>
-            <a:off x="1319213" y="4818838"/>
+            <a:off x="1319213" y="5444789"/>
             <a:ext cx="4252916" cy="1341346"/>
           </a:xfrm>
           <a:prstGeom prst="rect">
@@ -4596,7 +4540,7 @@
         </p:nvSpPr>
         <p:spPr>
           <a:xfrm>
-            <a:off x="2208653" y="4579731"/>
+            <a:off x="2208653" y="5205690"/>
             <a:ext cx="134216" cy="251009"/>
           </a:xfrm>
           <a:prstGeom prst="downArrow">
@@ -4636,7 +4580,7 @@
         </p:nvSpPr>
         <p:spPr>
           <a:xfrm>
-            <a:off x="4541463" y="4575155"/>
+            <a:off x="4541463" y="5201106"/>
             <a:ext cx="134216" cy="255582"/>
           </a:xfrm>
           <a:prstGeom prst="downArrow">
@@ -4676,7 +4620,7 @@
         </p:nvSpPr>
         <p:spPr>
           <a:xfrm>
-            <a:off x="3378093" y="2530489"/>
+            <a:off x="3378093" y="3156440"/>
             <a:ext cx="134216" cy="415386"/>
           </a:xfrm>
           <a:prstGeom prst="downArrow">
@@ -4724,7 +4668,7 @@
         </p:blipFill>
         <p:spPr>
           <a:xfrm>
-            <a:off x="2212315" y="3158640"/>
+            <a:off x="2212315" y="3784599"/>
             <a:ext cx="2498676" cy="739775"/>
           </a:xfrm>
           <a:prstGeom prst="rect">
@@ -4740,7 +4684,7 @@
         </p:nvSpPr>
         <p:spPr>
           <a:xfrm>
-            <a:off x="2094880" y="2965753"/>
+            <a:off x="2094888" y="3591712"/>
             <a:ext cx="2734295" cy="945177"/>
           </a:xfrm>
           <a:prstGeom prst="roundRect">
@@ -4856,7 +4800,7 @@
         </p:nvSpPr>
         <p:spPr>
           <a:xfrm>
-            <a:off x="2208653" y="3921345"/>
+            <a:off x="2208653" y="4547304"/>
             <a:ext cx="134216" cy="251009"/>
           </a:xfrm>
           <a:prstGeom prst="downArrow">
@@ -4896,7 +4840,7 @@
         </p:nvSpPr>
         <p:spPr>
           <a:xfrm>
-            <a:off x="4541463" y="3916771"/>
+            <a:off x="4541463" y="4542722"/>
             <a:ext cx="134216" cy="255582"/>
           </a:xfrm>
           <a:prstGeom prst="downArrow">
@@ -4936,7 +4880,7 @@
         </p:nvSpPr>
         <p:spPr>
           <a:xfrm>
-            <a:off x="1842760" y="6145785"/>
+            <a:off x="1842760" y="6771744"/>
             <a:ext cx="134216" cy="251009"/>
           </a:xfrm>
           <a:prstGeom prst="downArrow">
@@ -4976,7 +4920,7 @@
         </p:nvSpPr>
         <p:spPr>
           <a:xfrm>
-            <a:off x="4903146" y="6143743"/>
+            <a:off x="4903146" y="6769694"/>
             <a:ext cx="134216" cy="255582"/>
           </a:xfrm>
           <a:prstGeom prst="downArrow">
@@ -5024,7 +4968,7 @@
         </p:blipFill>
         <p:spPr>
           <a:xfrm>
-            <a:off x="758304" y="6811142"/>
+            <a:off x="758312" y="7437101"/>
             <a:ext cx="2332555" cy="1434773"/>
           </a:xfrm>
           <a:prstGeom prst="rect">
@@ -5040,7 +4984,7 @@
         </p:nvSpPr>
         <p:spPr>
           <a:xfrm>
-            <a:off x="171456" y="2145545"/>
+            <a:off x="171464" y="2771496"/>
             <a:ext cx="6547503" cy="378000"/>
           </a:xfrm>
           <a:prstGeom prst="roundRect">
@@ -5075,7 +5019,7 @@
           <a:p>
             <a:pPr algn="ctr"/>
             <a:r>
-              <a:rPr lang="de-DE" sz="1100" dirty="0" smtClean="0">
+              <a:rPr lang="de-DE" sz="1100" dirty="0">
                 <a:solidFill>
                   <a:schemeClr val="tx1"/>
                 </a:solidFill>
@@ -5083,7 +5027,7 @@
               <a:t>Annotation </a:t>
             </a:r>
             <a:r>
-              <a:rPr lang="de-DE" sz="1100" dirty="0" err="1" smtClean="0">
+              <a:rPr lang="de-DE" sz="1100" dirty="0" err="1">
                 <a:solidFill>
                   <a:schemeClr val="tx1"/>
                 </a:solidFill>
@@ -5091,7 +5035,7 @@
               <a:t>with</a:t>
             </a:r>
             <a:r>
-              <a:rPr lang="de-DE" sz="1100" dirty="0" smtClean="0">
+              <a:rPr lang="de-DE" sz="1100" dirty="0">
                 <a:solidFill>
                   <a:schemeClr val="tx1"/>
                 </a:solidFill>
@@ -5099,7 +5043,7 @@
               <a:t> </a:t>
             </a:r>
             <a:r>
-              <a:rPr lang="de-DE" sz="1100" dirty="0" err="1" smtClean="0">
+              <a:rPr lang="de-DE" sz="1100" dirty="0" err="1">
                 <a:solidFill>
                   <a:schemeClr val="tx1"/>
                 </a:solidFill>
@@ -5107,7 +5051,39 @@
               <a:t>gene</a:t>
             </a:r>
             <a:r>
-              <a:rPr lang="de-DE" sz="1100" dirty="0" smtClean="0">
+              <a:rPr lang="de-DE" sz="1100" dirty="0">
+                <a:solidFill>
+                  <a:schemeClr val="tx1"/>
+                </a:solidFill>
+              </a:rPr>
+              <a:t>, </a:t>
+            </a:r>
+            <a:r>
+              <a:rPr lang="de-DE" sz="1100" dirty="0" err="1">
+                <a:solidFill>
+                  <a:schemeClr val="tx1"/>
+                </a:solidFill>
+              </a:rPr>
+              <a:t>protein</a:t>
+            </a:r>
+            <a:r>
+              <a:rPr lang="de-DE" sz="1100" dirty="0">
+                <a:solidFill>
+                  <a:schemeClr val="tx1"/>
+                </a:solidFill>
+              </a:rPr>
+              <a:t>, </a:t>
+            </a:r>
+            <a:r>
+              <a:rPr lang="de-DE" sz="1100" dirty="0" err="1">
+                <a:solidFill>
+                  <a:schemeClr val="tx1"/>
+                </a:solidFill>
+              </a:rPr>
+              <a:t>and</a:t>
+            </a:r>
+            <a:r>
+              <a:rPr lang="de-DE" sz="1100" dirty="0">
                 <a:solidFill>
                   <a:schemeClr val="tx1"/>
                 </a:solidFill>
@@ -5115,15 +5091,15 @@
               <a:t> </a:t>
             </a:r>
             <a:r>
-              <a:rPr lang="de-DE" sz="1100" dirty="0" err="1" smtClean="0">
-                <a:solidFill>
-                  <a:schemeClr val="tx1"/>
-                </a:solidFill>
-              </a:rPr>
-              <a:t>and</a:t>
-            </a:r>
-            <a:r>
-              <a:rPr lang="de-DE" sz="1100" dirty="0" smtClean="0">
+              <a:rPr lang="de-DE" sz="1100" dirty="0" err="1">
+                <a:solidFill>
+                  <a:schemeClr val="tx1"/>
+                </a:solidFill>
+              </a:rPr>
+              <a:t>metabolite</a:t>
+            </a:r>
+            <a:r>
+              <a:rPr lang="de-DE" sz="1100" dirty="0">
                 <a:solidFill>
                   <a:schemeClr val="tx1"/>
                 </a:solidFill>
@@ -5131,23 +5107,7 @@
               <a:t> </a:t>
             </a:r>
             <a:r>
-              <a:rPr lang="de-DE" sz="1100" dirty="0" err="1" smtClean="0">
-                <a:solidFill>
-                  <a:schemeClr val="tx1"/>
-                </a:solidFill>
-              </a:rPr>
-              <a:t>metabolite</a:t>
-            </a:r>
-            <a:r>
-              <a:rPr lang="de-DE" sz="1100" dirty="0" smtClean="0">
-                <a:solidFill>
-                  <a:schemeClr val="tx1"/>
-                </a:solidFill>
-              </a:rPr>
-              <a:t> </a:t>
-            </a:r>
-            <a:r>
-              <a:rPr lang="de-DE" sz="1100" dirty="0" err="1" smtClean="0">
+              <a:rPr lang="de-DE" sz="1100" dirty="0" err="1">
                 <a:solidFill>
                   <a:schemeClr val="tx1"/>
                 </a:solidFill>
@@ -5170,7 +5130,495 @@
         </p:nvSpPr>
         <p:spPr>
           <a:xfrm>
-            <a:off x="3378093" y="1845403"/>
+            <a:off x="3378093" y="2464211"/>
+            <a:ext cx="134216" cy="287772"/>
+          </a:xfrm>
+          <a:prstGeom prst="downArrow">
+            <a:avLst/>
+          </a:prstGeom>
+        </p:spPr>
+        <p:style>
+          <a:lnRef idx="2">
+            <a:schemeClr val="dk1">
+              <a:shade val="50000"/>
+            </a:schemeClr>
+          </a:lnRef>
+          <a:fillRef idx="1">
+            <a:schemeClr val="dk1"/>
+          </a:fillRef>
+          <a:effectRef idx="0">
+            <a:schemeClr val="dk1"/>
+          </a:effectRef>
+          <a:fontRef idx="minor">
+            <a:schemeClr val="lt1"/>
+          </a:fontRef>
+        </p:style>
+        <p:txBody>
+          <a:bodyPr rtlCol="0" anchor="ctr"/>
+          <a:lstStyle/>
+          <a:p>
+            <a:pPr algn="ctr"/>
+            <a:endParaRPr lang="de-DE" sz="1801"/>
+          </a:p>
+        </p:txBody>
+      </p:sp>
+      <p:sp>
+        <p:nvSpPr>
+          <p:cNvPr id="39" name="Abgerundetes Rechteck 38"/>
+          <p:cNvSpPr/>
+          <p:nvPr/>
+        </p:nvSpPr>
+        <p:spPr>
+          <a:xfrm>
+            <a:off x="171462" y="28346"/>
+            <a:ext cx="1180381" cy="378000"/>
+          </a:xfrm>
+          <a:prstGeom prst="roundRect">
+            <a:avLst/>
+          </a:prstGeom>
+          <a:noFill/>
+          <a:ln w="19050">
+            <a:solidFill>
+              <a:schemeClr val="tx1"/>
+            </a:solidFill>
+          </a:ln>
+        </p:spPr>
+        <p:style>
+          <a:lnRef idx="2">
+            <a:schemeClr val="accent1">
+              <a:shade val="50000"/>
+            </a:schemeClr>
+          </a:lnRef>
+          <a:fillRef idx="1">
+            <a:schemeClr val="accent1"/>
+          </a:fillRef>
+          <a:effectRef idx="0">
+            <a:schemeClr val="accent1"/>
+          </a:effectRef>
+          <a:fontRef idx="minor">
+            <a:schemeClr val="lt1"/>
+          </a:fontRef>
+        </p:style>
+        <p:txBody>
+          <a:bodyPr rtlCol="0" anchor="ctr"/>
+          <a:lstStyle/>
+          <a:p>
+            <a:pPr algn="ctr"/>
+            <a:r>
+              <a:rPr lang="de-DE" sz="1200" dirty="0" err="1">
+                <a:solidFill>
+                  <a:schemeClr val="tx1"/>
+                </a:solidFill>
+              </a:rPr>
+              <a:t>Functional</a:t>
+            </a:r>
+            <a:r>
+              <a:rPr lang="de-DE" sz="1200" dirty="0">
+                <a:solidFill>
+                  <a:schemeClr val="tx1"/>
+                </a:solidFill>
+              </a:rPr>
+              <a:t> </a:t>
+            </a:r>
+            <a:r>
+              <a:rPr lang="de-DE" sz="1200" dirty="0" err="1">
+                <a:solidFill>
+                  <a:schemeClr val="tx1"/>
+                </a:solidFill>
+              </a:rPr>
+              <a:t>genomics</a:t>
+            </a:r>
+            <a:endParaRPr lang="de-DE" sz="1200" dirty="0">
+              <a:solidFill>
+                <a:schemeClr val="tx1"/>
+              </a:solidFill>
+            </a:endParaRPr>
+          </a:p>
+        </p:txBody>
+      </p:sp>
+      <p:sp>
+        <p:nvSpPr>
+          <p:cNvPr id="43" name="Abgerundetes Rechteck 42"/>
+          <p:cNvSpPr/>
+          <p:nvPr/>
+        </p:nvSpPr>
+        <p:spPr>
+          <a:xfrm>
+            <a:off x="4196803" y="24451"/>
+            <a:ext cx="1180381" cy="378000"/>
+          </a:xfrm>
+          <a:prstGeom prst="roundRect">
+            <a:avLst/>
+          </a:prstGeom>
+          <a:noFill/>
+          <a:ln w="19050">
+            <a:solidFill>
+              <a:schemeClr val="tx1"/>
+            </a:solidFill>
+          </a:ln>
+        </p:spPr>
+        <p:style>
+          <a:lnRef idx="2">
+            <a:schemeClr val="accent1">
+              <a:shade val="50000"/>
+            </a:schemeClr>
+          </a:lnRef>
+          <a:fillRef idx="1">
+            <a:schemeClr val="accent1"/>
+          </a:fillRef>
+          <a:effectRef idx="0">
+            <a:schemeClr val="accent1"/>
+          </a:effectRef>
+          <a:fontRef idx="minor">
+            <a:schemeClr val="lt1"/>
+          </a:fontRef>
+        </p:style>
+        <p:txBody>
+          <a:bodyPr rtlCol="0" anchor="ctr"/>
+          <a:lstStyle/>
+          <a:p>
+            <a:pPr algn="ctr"/>
+            <a:r>
+              <a:rPr lang="de-DE" sz="1200" dirty="0" err="1">
+                <a:solidFill>
+                  <a:schemeClr val="tx1"/>
+                </a:solidFill>
+              </a:rPr>
+              <a:t>Proteomics</a:t>
+            </a:r>
+            <a:endParaRPr lang="de-DE" sz="1200" dirty="0">
+              <a:solidFill>
+                <a:schemeClr val="tx1"/>
+              </a:solidFill>
+            </a:endParaRPr>
+          </a:p>
+        </p:txBody>
+      </p:sp>
+      <p:sp>
+        <p:nvSpPr>
+          <p:cNvPr id="48" name="Abgerundetes Rechteck 47"/>
+          <p:cNvSpPr/>
+          <p:nvPr/>
+        </p:nvSpPr>
+        <p:spPr>
+          <a:xfrm>
+            <a:off x="1513239" y="24885"/>
+            <a:ext cx="2522140" cy="378000"/>
+          </a:xfrm>
+          <a:prstGeom prst="roundRect">
+            <a:avLst/>
+          </a:prstGeom>
+          <a:noFill/>
+          <a:ln w="19050">
+            <a:solidFill>
+              <a:schemeClr val="tx1"/>
+            </a:solidFill>
+          </a:ln>
+        </p:spPr>
+        <p:style>
+          <a:lnRef idx="2">
+            <a:schemeClr val="accent1">
+              <a:shade val="50000"/>
+            </a:schemeClr>
+          </a:lnRef>
+          <a:fillRef idx="1">
+            <a:schemeClr val="accent1"/>
+          </a:fillRef>
+          <a:effectRef idx="0">
+            <a:schemeClr val="accent1"/>
+          </a:effectRef>
+          <a:fontRef idx="minor">
+            <a:schemeClr val="lt1"/>
+          </a:fontRef>
+        </p:style>
+        <p:txBody>
+          <a:bodyPr rtlCol="0" anchor="ctr"/>
+          <a:lstStyle/>
+          <a:p>
+            <a:pPr algn="ctr"/>
+            <a:r>
+              <a:rPr lang="de-DE" sz="1200" dirty="0" err="1">
+                <a:solidFill>
+                  <a:schemeClr val="tx1"/>
+                </a:solidFill>
+              </a:rPr>
+              <a:t>Transcriptomics</a:t>
+            </a:r>
+            <a:endParaRPr lang="de-DE" sz="1200" dirty="0">
+              <a:solidFill>
+                <a:schemeClr val="tx1"/>
+              </a:solidFill>
+            </a:endParaRPr>
+          </a:p>
+        </p:txBody>
+      </p:sp>
+      <p:sp>
+        <p:nvSpPr>
+          <p:cNvPr id="49" name="Abgerundetes Rechteck 48"/>
+          <p:cNvSpPr/>
+          <p:nvPr/>
+        </p:nvSpPr>
+        <p:spPr>
+          <a:xfrm>
+            <a:off x="5538586" y="27997"/>
+            <a:ext cx="1180381" cy="378000"/>
+          </a:xfrm>
+          <a:prstGeom prst="roundRect">
+            <a:avLst/>
+          </a:prstGeom>
+          <a:noFill/>
+          <a:ln w="19050">
+            <a:solidFill>
+              <a:schemeClr val="tx1"/>
+            </a:solidFill>
+          </a:ln>
+        </p:spPr>
+        <p:style>
+          <a:lnRef idx="2">
+            <a:schemeClr val="accent1">
+              <a:shade val="50000"/>
+            </a:schemeClr>
+          </a:lnRef>
+          <a:fillRef idx="1">
+            <a:schemeClr val="accent1"/>
+          </a:fillRef>
+          <a:effectRef idx="0">
+            <a:schemeClr val="accent1"/>
+          </a:effectRef>
+          <a:fontRef idx="minor">
+            <a:schemeClr val="lt1"/>
+          </a:fontRef>
+        </p:style>
+        <p:txBody>
+          <a:bodyPr rtlCol="0" anchor="ctr"/>
+          <a:lstStyle/>
+          <a:p>
+            <a:pPr algn="ctr"/>
+            <a:r>
+              <a:rPr lang="de-DE" sz="1200" dirty="0" err="1">
+                <a:solidFill>
+                  <a:schemeClr val="tx1"/>
+                </a:solidFill>
+              </a:rPr>
+              <a:t>Metabolomics</a:t>
+            </a:r>
+            <a:endParaRPr lang="de-DE" sz="1200" dirty="0">
+              <a:solidFill>
+                <a:schemeClr val="tx1"/>
+              </a:solidFill>
+            </a:endParaRPr>
+          </a:p>
+        </p:txBody>
+      </p:sp>
+      <p:sp>
+        <p:nvSpPr>
+          <p:cNvPr id="50" name="Pfeil nach unten 49"/>
+          <p:cNvSpPr/>
+          <p:nvPr/>
+        </p:nvSpPr>
+        <p:spPr>
+          <a:xfrm>
+            <a:off x="694535" y="404041"/>
+            <a:ext cx="134216" cy="287772"/>
+          </a:xfrm>
+          <a:prstGeom prst="downArrow">
+            <a:avLst/>
+          </a:prstGeom>
+        </p:spPr>
+        <p:style>
+          <a:lnRef idx="2">
+            <a:schemeClr val="dk1">
+              <a:shade val="50000"/>
+            </a:schemeClr>
+          </a:lnRef>
+          <a:fillRef idx="1">
+            <a:schemeClr val="dk1"/>
+          </a:fillRef>
+          <a:effectRef idx="0">
+            <a:schemeClr val="dk1"/>
+          </a:effectRef>
+          <a:fontRef idx="minor">
+            <a:schemeClr val="lt1"/>
+          </a:fontRef>
+        </p:style>
+        <p:txBody>
+          <a:bodyPr rtlCol="0" anchor="ctr"/>
+          <a:lstStyle/>
+          <a:p>
+            <a:pPr algn="ctr"/>
+            <a:endParaRPr lang="de-DE" sz="1801"/>
+          </a:p>
+        </p:txBody>
+      </p:sp>
+      <p:sp>
+        <p:nvSpPr>
+          <p:cNvPr id="51" name="Pfeil nach unten 50"/>
+          <p:cNvSpPr/>
+          <p:nvPr/>
+        </p:nvSpPr>
+        <p:spPr>
+          <a:xfrm>
+            <a:off x="2036314" y="396898"/>
+            <a:ext cx="134216" cy="287772"/>
+          </a:xfrm>
+          <a:prstGeom prst="downArrow">
+            <a:avLst/>
+          </a:prstGeom>
+        </p:spPr>
+        <p:style>
+          <a:lnRef idx="2">
+            <a:schemeClr val="dk1">
+              <a:shade val="50000"/>
+            </a:schemeClr>
+          </a:lnRef>
+          <a:fillRef idx="1">
+            <a:schemeClr val="dk1"/>
+          </a:fillRef>
+          <a:effectRef idx="0">
+            <a:schemeClr val="dk1"/>
+          </a:effectRef>
+          <a:fontRef idx="minor">
+            <a:schemeClr val="lt1"/>
+          </a:fontRef>
+        </p:style>
+        <p:txBody>
+          <a:bodyPr rtlCol="0" anchor="ctr"/>
+          <a:lstStyle/>
+          <a:p>
+            <a:pPr algn="ctr"/>
+            <a:endParaRPr lang="de-DE" sz="1801"/>
+          </a:p>
+        </p:txBody>
+      </p:sp>
+      <p:sp>
+        <p:nvSpPr>
+          <p:cNvPr id="52" name="Pfeil nach unten 51"/>
+          <p:cNvSpPr/>
+          <p:nvPr/>
+        </p:nvSpPr>
+        <p:spPr>
+          <a:xfrm>
+            <a:off x="3378093" y="399279"/>
+            <a:ext cx="134216" cy="287772"/>
+          </a:xfrm>
+          <a:prstGeom prst="downArrow">
+            <a:avLst/>
+          </a:prstGeom>
+        </p:spPr>
+        <p:style>
+          <a:lnRef idx="2">
+            <a:schemeClr val="dk1">
+              <a:shade val="50000"/>
+            </a:schemeClr>
+          </a:lnRef>
+          <a:fillRef idx="1">
+            <a:schemeClr val="dk1"/>
+          </a:fillRef>
+          <a:effectRef idx="0">
+            <a:schemeClr val="dk1"/>
+          </a:effectRef>
+          <a:fontRef idx="minor">
+            <a:schemeClr val="lt1"/>
+          </a:fontRef>
+        </p:style>
+        <p:txBody>
+          <a:bodyPr rtlCol="0" anchor="ctr"/>
+          <a:lstStyle/>
+          <a:p>
+            <a:pPr algn="ctr"/>
+            <a:endParaRPr lang="de-DE" sz="1801"/>
+          </a:p>
+        </p:txBody>
+      </p:sp>
+      <p:sp>
+        <p:nvSpPr>
+          <p:cNvPr id="53" name="Pfeil nach unten 52"/>
+          <p:cNvSpPr/>
+          <p:nvPr/>
+        </p:nvSpPr>
+        <p:spPr>
+          <a:xfrm>
+            <a:off x="4719872" y="399279"/>
+            <a:ext cx="134216" cy="287772"/>
+          </a:xfrm>
+          <a:prstGeom prst="downArrow">
+            <a:avLst/>
+          </a:prstGeom>
+        </p:spPr>
+        <p:style>
+          <a:lnRef idx="2">
+            <a:schemeClr val="dk1">
+              <a:shade val="50000"/>
+            </a:schemeClr>
+          </a:lnRef>
+          <a:fillRef idx="1">
+            <a:schemeClr val="dk1"/>
+          </a:fillRef>
+          <a:effectRef idx="0">
+            <a:schemeClr val="dk1"/>
+          </a:effectRef>
+          <a:fontRef idx="minor">
+            <a:schemeClr val="lt1"/>
+          </a:fontRef>
+        </p:style>
+        <p:txBody>
+          <a:bodyPr rtlCol="0" anchor="ctr"/>
+          <a:lstStyle/>
+          <a:p>
+            <a:pPr algn="ctr"/>
+            <a:endParaRPr lang="de-DE" sz="1801"/>
+          </a:p>
+        </p:txBody>
+      </p:sp>
+      <p:sp>
+        <p:nvSpPr>
+          <p:cNvPr id="54" name="Pfeil nach unten 53"/>
+          <p:cNvSpPr/>
+          <p:nvPr/>
+        </p:nvSpPr>
+        <p:spPr>
+          <a:xfrm>
+            <a:off x="6061652" y="404041"/>
+            <a:ext cx="134216" cy="287772"/>
+          </a:xfrm>
+          <a:prstGeom prst="downArrow">
+            <a:avLst/>
+          </a:prstGeom>
+        </p:spPr>
+        <p:style>
+          <a:lnRef idx="2">
+            <a:schemeClr val="dk1">
+              <a:shade val="50000"/>
+            </a:schemeClr>
+          </a:lnRef>
+          <a:fillRef idx="1">
+            <a:schemeClr val="dk1"/>
+          </a:fillRef>
+          <a:effectRef idx="0">
+            <a:schemeClr val="dk1"/>
+          </a:effectRef>
+          <a:fontRef idx="minor">
+            <a:schemeClr val="lt1"/>
+          </a:fontRef>
+        </p:style>
+        <p:txBody>
+          <a:bodyPr rtlCol="0" anchor="ctr"/>
+          <a:lstStyle/>
+          <a:p>
+            <a:pPr algn="ctr"/>
+            <a:endParaRPr lang="de-DE" sz="1801"/>
+          </a:p>
+        </p:txBody>
+      </p:sp>
+      <p:sp>
+        <p:nvSpPr>
+          <p:cNvPr id="55" name="Pfeil nach unten 54"/>
+          <p:cNvSpPr/>
+          <p:nvPr/>
+        </p:nvSpPr>
+        <p:spPr>
+          <a:xfrm>
+            <a:off x="4719872" y="1090437"/>
             <a:ext cx="134216" cy="287772"/>
           </a:xfrm>
           <a:prstGeom prst="downArrow">
@@ -5333,7 +5781,7 @@
     </a:clrScheme>
     <a:fontScheme name="Larissa">
       <a:majorFont>
-        <a:latin typeface="Calibri Light"/>
+        <a:latin typeface="Calibri Light" panose="020F0302020204030204"/>
         <a:ea typeface=""/>
         <a:cs typeface=""/>
         <a:font script="Jpan" typeface="ＭＳ Ｐゴシック"/>
@@ -5368,7 +5816,7 @@
         <a:font script="Geor" typeface="Sylfaen"/>
       </a:majorFont>
       <a:minorFont>
-        <a:latin typeface="Calibri"/>
+        <a:latin typeface="Calibri" panose="020F0502020204030204"/>
         <a:ea typeface=""/>
         <a:cs typeface=""/>
         <a:font script="Jpan" typeface="ＭＳ Ｐゴシック"/>
